--- a/Lecture 5.pptx
+++ b/Lecture 5.pptx
@@ -5,7 +5,7 @@
     <p:sldMasterId id="2147483665" r:id="rId1"/>
   </p:sldMasterIdLst>
   <p:notesMasterIdLst>
-    <p:notesMasterId r:id="rId47"/>
+    <p:notesMasterId r:id="rId49"/>
   </p:notesMasterIdLst>
   <p:sldIdLst>
     <p:sldId id="256" r:id="rId2"/>
@@ -25,34 +25,36 @@
     <p:sldId id="266" r:id="rId16"/>
     <p:sldId id="267" r:id="rId17"/>
     <p:sldId id="268" r:id="rId18"/>
-    <p:sldId id="277" r:id="rId19"/>
-    <p:sldId id="278" r:id="rId20"/>
-    <p:sldId id="286" r:id="rId21"/>
-    <p:sldId id="318" r:id="rId22"/>
-    <p:sldId id="315" r:id="rId23"/>
-    <p:sldId id="316" r:id="rId24"/>
-    <p:sldId id="317" r:id="rId25"/>
-    <p:sldId id="295" r:id="rId26"/>
-    <p:sldId id="296" r:id="rId27"/>
-    <p:sldId id="321" r:id="rId28"/>
-    <p:sldId id="322" r:id="rId29"/>
-    <p:sldId id="323" r:id="rId30"/>
-    <p:sldId id="324" r:id="rId31"/>
-    <p:sldId id="325" r:id="rId32"/>
-    <p:sldId id="326" r:id="rId33"/>
-    <p:sldId id="327" r:id="rId34"/>
-    <p:sldId id="328" r:id="rId35"/>
-    <p:sldId id="329" r:id="rId36"/>
-    <p:sldId id="330" r:id="rId37"/>
-    <p:sldId id="331" r:id="rId38"/>
-    <p:sldId id="332" r:id="rId39"/>
-    <p:sldId id="333" r:id="rId40"/>
-    <p:sldId id="334" r:id="rId41"/>
-    <p:sldId id="335" r:id="rId42"/>
-    <p:sldId id="337" r:id="rId43"/>
-    <p:sldId id="336" r:id="rId44"/>
-    <p:sldId id="297" r:id="rId45"/>
-    <p:sldId id="298" r:id="rId46"/>
+    <p:sldId id="338" r:id="rId19"/>
+    <p:sldId id="339" r:id="rId20"/>
+    <p:sldId id="277" r:id="rId21"/>
+    <p:sldId id="278" r:id="rId22"/>
+    <p:sldId id="286" r:id="rId23"/>
+    <p:sldId id="318" r:id="rId24"/>
+    <p:sldId id="315" r:id="rId25"/>
+    <p:sldId id="316" r:id="rId26"/>
+    <p:sldId id="317" r:id="rId27"/>
+    <p:sldId id="295" r:id="rId28"/>
+    <p:sldId id="296" r:id="rId29"/>
+    <p:sldId id="321" r:id="rId30"/>
+    <p:sldId id="322" r:id="rId31"/>
+    <p:sldId id="323" r:id="rId32"/>
+    <p:sldId id="324" r:id="rId33"/>
+    <p:sldId id="325" r:id="rId34"/>
+    <p:sldId id="326" r:id="rId35"/>
+    <p:sldId id="327" r:id="rId36"/>
+    <p:sldId id="328" r:id="rId37"/>
+    <p:sldId id="329" r:id="rId38"/>
+    <p:sldId id="330" r:id="rId39"/>
+    <p:sldId id="331" r:id="rId40"/>
+    <p:sldId id="332" r:id="rId41"/>
+    <p:sldId id="333" r:id="rId42"/>
+    <p:sldId id="334" r:id="rId43"/>
+    <p:sldId id="335" r:id="rId44"/>
+    <p:sldId id="337" r:id="rId45"/>
+    <p:sldId id="336" r:id="rId46"/>
+    <p:sldId id="297" r:id="rId47"/>
+    <p:sldId id="298" r:id="rId48"/>
   </p:sldIdLst>
   <p:sldSz cx="9144000" cy="5715000" type="screen16x10"/>
   <p:notesSz cx="6858000" cy="9144000"/>
@@ -8641,21 +8643,10 @@
               <a:buNone/>
             </a:pPr>
             <a:r>
-              <a:rPr lang="en-US" sz="2400" dirty="0" err="1" smtClean="0"/>
-              <a:t>NoSQL</a:t>
-            </a:r>
-            <a:r>
-              <a:rPr lang="en-US" sz="2400" dirty="0" smtClean="0"/>
-              <a:t> and </a:t>
-            </a:r>
-            <a:r>
-              <a:rPr lang="en" sz="2400" dirty="0" smtClean="0"/>
-              <a:t>Graph </a:t>
-            </a:r>
-            <a:r>
-              <a:rPr lang="en" sz="2400" dirty="0"/>
-              <a:t>Databases: Principles</a:t>
-            </a:r>
+              <a:rPr lang="en" sz="2400" noProof="0" smtClean="0"/>
+              <a:t>NoSQL and Graph Databases: Principles</a:t>
+            </a:r>
+            <a:endParaRPr lang="en" sz="2400" noProof="0"/>
           </a:p>
         </p:txBody>
       </p:sp>
@@ -8691,13 +8682,13 @@
               <a:buNone/>
             </a:pPr>
             <a:r>
-              <a:rPr lang="en" sz="2400" dirty="0"/>
+              <a:rPr lang="en" sz="2400" noProof="0" smtClean="0"/>
               <a:t/>
             </a:r>
             <a:br>
-              <a:rPr lang="en" sz="2400" dirty="0"/>
+              <a:rPr lang="en" sz="2400" noProof="0" smtClean="0"/>
             </a:br>
-            <a:endParaRPr lang="en" sz="2400" dirty="0"/>
+            <a:endParaRPr lang="en" sz="2400" noProof="0" smtClean="0"/>
           </a:p>
           <a:p>
             <a:pPr lvl="0" rtl="0">
@@ -8706,7 +8697,7 @@
               </a:spcBef>
               <a:buNone/>
             </a:pPr>
-            <a:endParaRPr sz="2400" dirty="0"/>
+            <a:endParaRPr lang="en" sz="2400" noProof="0"/>
           </a:p>
         </p:txBody>
       </p:sp>
@@ -8812,7 +8803,7 @@
               <a:buNone/>
             </a:pPr>
             <a:r>
-              <a:rPr lang="en" sz="2400"/>
+              <a:rPr lang="en" sz="2400" noProof="0"/>
               <a:t>Basic Characteristics</a:t>
             </a:r>
           </a:p>
@@ -8851,7 +8842,7 @@
               <a:buChar char="●"/>
             </a:pPr>
             <a:r>
-              <a:rPr lang="en" sz="2400" dirty="0">
+              <a:rPr lang="en" sz="2400" noProof="0" smtClean="0">
                 <a:solidFill>
                   <a:srgbClr val="990000"/>
                 </a:solidFill>
@@ -8859,11 +8850,11 @@
               <a:t>Different</a:t>
             </a:r>
             <a:r>
-              <a:rPr lang="en" sz="2400" dirty="0"/>
+              <a:rPr lang="en" sz="2400" noProof="0" smtClean="0"/>
               <a:t> types of </a:t>
             </a:r>
             <a:r>
-              <a:rPr lang="en" sz="2400" dirty="0">
+              <a:rPr lang="en" sz="2400" noProof="0" smtClean="0">
                 <a:solidFill>
                   <a:srgbClr val="990000"/>
                 </a:solidFill>
@@ -8871,7 +8862,7 @@
               <a:t>relationships</a:t>
             </a:r>
             <a:r>
-              <a:rPr lang="en" sz="2400" dirty="0"/>
+              <a:rPr lang="en" sz="2400" noProof="0" smtClean="0"/>
               <a:t> between nodes</a:t>
             </a:r>
           </a:p>
@@ -8888,11 +8879,11 @@
               <a:buChar char="o"/>
             </a:pPr>
             <a:r>
-              <a:rPr lang="en" sz="2400" dirty="0"/>
+              <a:rPr lang="en" sz="2400" noProof="0" smtClean="0"/>
               <a:t>To represent </a:t>
             </a:r>
             <a:r>
-              <a:rPr lang="en" sz="2400" dirty="0">
+              <a:rPr lang="en" sz="2400" noProof="0" smtClean="0">
                 <a:solidFill>
                   <a:srgbClr val="990000"/>
                 </a:solidFill>
@@ -8900,11 +8891,11 @@
               <a:t>relationships</a:t>
             </a:r>
             <a:r>
-              <a:rPr lang="en" sz="2400" dirty="0"/>
+              <a:rPr lang="en" sz="2400" noProof="0" smtClean="0"/>
               <a:t> between </a:t>
             </a:r>
             <a:r>
-              <a:rPr lang="en" sz="2400" dirty="0">
+              <a:rPr lang="en" sz="2400" noProof="0" smtClean="0">
                 <a:solidFill>
                   <a:srgbClr val="990000"/>
                 </a:solidFill>
@@ -8912,7 +8903,7 @@
               <a:t>domain</a:t>
             </a:r>
             <a:r>
-              <a:rPr lang="en" sz="2400" dirty="0"/>
+              <a:rPr lang="en" sz="2400" noProof="0" smtClean="0"/>
               <a:t> entities</a:t>
             </a:r>
           </a:p>
@@ -8929,11 +8920,11 @@
               <a:buChar char="o"/>
             </a:pPr>
             <a:r>
-              <a:rPr lang="en" sz="2400" dirty="0"/>
+              <a:rPr lang="en" sz="2400" noProof="0" smtClean="0"/>
               <a:t>Or to model any kind of </a:t>
             </a:r>
             <a:r>
-              <a:rPr lang="en" sz="2400" dirty="0">
+              <a:rPr lang="en" sz="2400" noProof="0" smtClean="0">
                 <a:solidFill>
                   <a:srgbClr val="990000"/>
                 </a:solidFill>
@@ -8941,7 +8932,7 @@
               <a:t>secondary </a:t>
             </a:r>
             <a:r>
-              <a:rPr lang="en" sz="2400" dirty="0"/>
+              <a:rPr lang="en" sz="2400" noProof="0" smtClean="0"/>
               <a:t>relationships</a:t>
             </a:r>
           </a:p>
@@ -8958,18 +8949,9 @@
               <a:buChar char="§"/>
             </a:pPr>
             <a:r>
-              <a:rPr lang="en" sz="2400" dirty="0"/>
-              <a:t>Category, path, </a:t>
-            </a:r>
-            <a:r>
-              <a:rPr lang="en" sz="2400" dirty="0" smtClean="0"/>
-              <a:t>time-trees</a:t>
-            </a:r>
-            <a:r>
-              <a:rPr lang="en-US" sz="2400" dirty="0" smtClean="0"/>
-              <a:t>..</a:t>
-            </a:r>
-            <a:endParaRPr lang="en" sz="2400" dirty="0" smtClean="0"/>
+              <a:rPr lang="en" sz="2400" noProof="0" smtClean="0"/>
+              <a:t>Category, path, time-trees..</a:t>
+            </a:r>
           </a:p>
           <a:p>
             <a:pPr marL="457200" lvl="0" indent="-419100" rtl="0">
@@ -8984,7 +8966,7 @@
               <a:buChar char="●"/>
             </a:pPr>
             <a:r>
-              <a:rPr lang="en" sz="2400" dirty="0" smtClean="0">
+              <a:rPr lang="en" sz="2400" noProof="0" smtClean="0">
                 <a:solidFill>
                   <a:srgbClr val="990000"/>
                 </a:solidFill>
@@ -8992,13 +8974,13 @@
               <a:t>No limit</a:t>
             </a:r>
             <a:r>
-              <a:rPr lang="en" sz="2400" dirty="0" smtClean="0"/>
+              <a:rPr lang="en" sz="2400" noProof="0" smtClean="0"/>
               <a:t> to the number and kind of relationships</a:t>
             </a:r>
             <a:br>
-              <a:rPr lang="en" sz="2400" dirty="0" smtClean="0"/>
+              <a:rPr lang="en" sz="2400" noProof="0" smtClean="0"/>
             </a:br>
-            <a:endParaRPr lang="en" sz="2400" dirty="0" smtClean="0"/>
+            <a:endParaRPr lang="en" sz="2400" noProof="0" smtClean="0"/>
           </a:p>
           <a:p>
             <a:pPr marL="457200" lvl="0" indent="-419100" rtl="0">
@@ -9013,7 +8995,7 @@
               <a:buChar char="●"/>
             </a:pPr>
             <a:r>
-              <a:rPr lang="en" sz="2400" dirty="0" smtClean="0">
+              <a:rPr lang="en" sz="2400" noProof="0" smtClean="0">
                 <a:solidFill>
                   <a:srgbClr val="990000"/>
                 </a:solidFill>
@@ -9021,12 +9003,8 @@
               <a:t>Relationships</a:t>
             </a:r>
             <a:r>
-              <a:rPr lang="en" sz="2400" dirty="0" smtClean="0"/>
-              <a:t> </a:t>
-            </a:r>
-            <a:r>
-              <a:rPr lang="en" sz="2400" dirty="0"/>
-              <a:t>have: type, start node, end node, own properties</a:t>
+              <a:rPr lang="en" sz="2400" noProof="0" smtClean="0"/>
+              <a:t> have: type, start node, end node, own properties</a:t>
             </a:r>
           </a:p>
           <a:p>
@@ -9042,7 +9020,7 @@
               <a:buChar char="o"/>
             </a:pPr>
             <a:r>
-              <a:rPr lang="en" sz="2400" dirty="0"/>
+              <a:rPr lang="en" sz="2400" noProof="0" smtClean="0"/>
               <a:t>e.g., “since when” did they become friends</a:t>
             </a:r>
           </a:p>
@@ -9053,7 +9031,7 @@
               </a:spcBef>
               <a:buNone/>
             </a:pPr>
-            <a:endParaRPr sz="2400" dirty="0"/>
+            <a:endParaRPr lang="en" sz="2400" noProof="0"/>
           </a:p>
         </p:txBody>
       </p:sp>
@@ -9120,7 +9098,7 @@
               <a:buNone/>
             </a:pPr>
             <a:r>
-              <a:rPr lang="en" sz="2400"/>
+              <a:rPr lang="en" sz="2400" noProof="0"/>
               <a:t>Relationship Properties: Example</a:t>
             </a:r>
           </a:p>
@@ -9259,17 +9237,10 @@
               <a:buNone/>
             </a:pPr>
             <a:r>
-              <a:rPr lang="en-US" sz="2400" dirty="0" smtClean="0"/>
-              <a:t>Implicit schema within application </a:t>
-            </a:r>
-            <a:r>
-              <a:rPr lang="en" sz="2400" dirty="0" smtClean="0"/>
-              <a:t>Example</a:t>
-            </a:r>
-            <a:r>
-              <a:rPr lang="en" sz="2400" dirty="0"/>
-              <a:t>: Neo4j</a:t>
-            </a:r>
+              <a:rPr lang="en" sz="2400" noProof="0" smtClean="0"/>
+              <a:t>Implicit schema within application Example: Neo4j</a:t>
+            </a:r>
+            <a:endParaRPr lang="en" sz="2400" noProof="0"/>
           </a:p>
         </p:txBody>
       </p:sp>
@@ -9310,37 +9281,28 @@
               <a:buNone/>
             </a:pPr>
             <a:r>
-              <a:rPr lang="en" sz="1800" dirty="0" smtClean="0">
+              <a:rPr lang="en" sz="1800" noProof="0" smtClean="0">
                 <a:latin typeface="Arial"/>
                 <a:ea typeface="Courier New"/>
                 <a:cs typeface="Arial"/>
                 <a:sym typeface="Courier New"/>
               </a:rPr>
-              <a:t>Node </a:t>
-            </a:r>
-            <a:r>
-              <a:rPr lang="en" sz="1800" dirty="0">
+              <a:t>Node martin = graphDb.</a:t>
+            </a:r>
+            <a:r>
+              <a:rPr lang="en" sz="1800" noProof="0" smtClean="0">
+                <a:solidFill>
+                  <a:srgbClr val="0B5394"/>
+                </a:solidFill>
                 <a:latin typeface="Arial"/>
                 <a:ea typeface="Courier New"/>
                 <a:cs typeface="Arial"/>
                 <a:sym typeface="Courier New"/>
               </a:rPr>
-              <a:t>martin = graphDb.</a:t>
-            </a:r>
-            <a:r>
-              <a:rPr lang="en" sz="1800" dirty="0">
-                <a:solidFill>
-                  <a:srgbClr val="0B5394"/>
-                </a:solidFill>
-                <a:latin typeface="Arial"/>
-                <a:ea typeface="Courier New"/>
-                <a:cs typeface="Arial"/>
-                <a:sym typeface="Courier New"/>
-              </a:rPr>
               <a:t>createNode</a:t>
             </a:r>
             <a:r>
-              <a:rPr lang="en" sz="1800" dirty="0">
+              <a:rPr lang="en" sz="1800" noProof="0" smtClean="0">
                 <a:latin typeface="Arial"/>
                 <a:ea typeface="Courier New"/>
                 <a:cs typeface="Arial"/>
@@ -9362,7 +9324,7 @@
               <a:buNone/>
             </a:pPr>
             <a:r>
-              <a:rPr lang="en" sz="1800" dirty="0">
+              <a:rPr lang="en" sz="1800" noProof="0" smtClean="0">
                 <a:latin typeface="Arial"/>
                 <a:ea typeface="Courier New"/>
                 <a:cs typeface="Arial"/>
@@ -9371,7 +9333,7 @@
               <a:t>martin.</a:t>
             </a:r>
             <a:r>
-              <a:rPr lang="en" sz="1800" dirty="0">
+              <a:rPr lang="en" sz="1800" noProof="0" smtClean="0">
                 <a:solidFill>
                   <a:srgbClr val="0B5394"/>
                 </a:solidFill>
@@ -9383,7 +9345,7 @@
               <a:t>setProperty</a:t>
             </a:r>
             <a:r>
-              <a:rPr lang="en" sz="1800" dirty="0">
+              <a:rPr lang="en" sz="1800" noProof="0" smtClean="0">
                 <a:latin typeface="Arial"/>
                 <a:ea typeface="Courier New"/>
                 <a:cs typeface="Arial"/>
@@ -9405,7 +9367,7 @@
               <a:buNone/>
             </a:pPr>
             <a:r>
-              <a:rPr lang="en" sz="1800" dirty="0">
+              <a:rPr lang="en" sz="1800" noProof="0" smtClean="0">
                 <a:latin typeface="Arial"/>
                 <a:ea typeface="Courier New"/>
                 <a:cs typeface="Arial"/>
@@ -9414,7 +9376,7 @@
               <a:t>Node pramod = graphDb.</a:t>
             </a:r>
             <a:r>
-              <a:rPr lang="en" sz="1800" dirty="0">
+              <a:rPr lang="en" sz="1800" noProof="0" smtClean="0">
                 <a:solidFill>
                   <a:srgbClr val="0B5394"/>
                 </a:solidFill>
@@ -9426,7 +9388,7 @@
               <a:t>createNode</a:t>
             </a:r>
             <a:r>
-              <a:rPr lang="en" sz="1800" dirty="0">
+              <a:rPr lang="en" sz="1800" noProof="0" smtClean="0">
                 <a:latin typeface="Arial"/>
                 <a:ea typeface="Courier New"/>
                 <a:cs typeface="Arial"/>
@@ -9443,7 +9405,7 @@
               <a:buNone/>
             </a:pPr>
             <a:r>
-              <a:rPr lang="en" sz="1800" dirty="0">
+              <a:rPr lang="en" sz="1800" noProof="0" smtClean="0">
                 <a:latin typeface="Arial"/>
                 <a:ea typeface="Courier New"/>
                 <a:cs typeface="Arial"/>
@@ -9452,7 +9414,7 @@
               <a:t>pramod.</a:t>
             </a:r>
             <a:r>
-              <a:rPr lang="en" sz="1800" dirty="0">
+              <a:rPr lang="en" sz="1800" noProof="0" smtClean="0">
                 <a:solidFill>
                   <a:srgbClr val="0B5394"/>
                 </a:solidFill>
@@ -9464,7 +9426,7 @@
               <a:t>setProperty</a:t>
             </a:r>
             <a:r>
-              <a:rPr lang="en" sz="1800" dirty="0">
+              <a:rPr lang="en" sz="1800" noProof="0" smtClean="0">
                 <a:latin typeface="Arial"/>
                 <a:ea typeface="Courier New"/>
                 <a:cs typeface="Arial"/>
@@ -9484,7 +9446,7 @@
               <a:buFont typeface="Arial"/>
               <a:buNone/>
             </a:pPr>
-            <a:endParaRPr sz="1800" dirty="0">
+            <a:endParaRPr lang="en" sz="1800" noProof="0" smtClean="0">
               <a:latin typeface="Arial"/>
               <a:ea typeface="Courier New"/>
               <a:cs typeface="Arial"/>
@@ -9504,7 +9466,7 @@
               <a:buNone/>
             </a:pPr>
             <a:r>
-              <a:rPr lang="en" sz="1800" dirty="0">
+              <a:rPr lang="en" sz="1800" noProof="0" smtClean="0">
                 <a:latin typeface="Arial"/>
                 <a:ea typeface="Courier New"/>
                 <a:cs typeface="Arial"/>
@@ -9513,7 +9475,7 @@
               <a:t>Relationship m2p = martin.</a:t>
             </a:r>
             <a:r>
-              <a:rPr lang="en" sz="1800" dirty="0">
+              <a:rPr lang="en" sz="1800" noProof="0" smtClean="0">
                 <a:solidFill>
                   <a:srgbClr val="0B5394"/>
                 </a:solidFill>
@@ -9525,7 +9487,7 @@
               <a:t>createRelationshipTo</a:t>
             </a:r>
             <a:r>
-              <a:rPr lang="en" sz="1800" dirty="0">
+              <a:rPr lang="en" sz="1800" noProof="0" smtClean="0">
                 <a:latin typeface="Arial"/>
                 <a:ea typeface="Courier New"/>
                 <a:cs typeface="Arial"/>
@@ -9542,7 +9504,7 @@
               <a:buNone/>
             </a:pPr>
             <a:r>
-              <a:rPr lang="en" sz="1800" dirty="0">
+              <a:rPr lang="en" sz="1800" noProof="0" smtClean="0">
                 <a:latin typeface="Arial"/>
                 <a:ea typeface="Courier New"/>
                 <a:cs typeface="Arial"/>
@@ -9551,7 +9513,7 @@
               <a:t>Relationship p2m = pramod.</a:t>
             </a:r>
             <a:r>
-              <a:rPr lang="en" sz="1800" dirty="0">
+              <a:rPr lang="en" sz="1800" noProof="0" smtClean="0">
                 <a:solidFill>
                   <a:srgbClr val="0B5394"/>
                 </a:solidFill>
@@ -9563,24 +9525,23 @@
               <a:t>createRelationshipTo</a:t>
             </a:r>
             <a:r>
-              <a:rPr lang="en" sz="1800" dirty="0">
+              <a:rPr lang="en" sz="1800" noProof="0" smtClean="0">
                 <a:latin typeface="Arial"/>
                 <a:ea typeface="Courier New"/>
                 <a:cs typeface="Arial"/>
                 <a:sym typeface="Courier New"/>
               </a:rPr>
-              <a:t>(martin, FRIEND</a:t>
-            </a:r>
-            <a:r>
-              <a:rPr lang="en" sz="1800" dirty="0" smtClean="0">
-                <a:latin typeface="Arial"/>
-                <a:ea typeface="Courier New"/>
-                <a:cs typeface="Arial"/>
-                <a:sym typeface="Courier New"/>
-              </a:rPr>
-              <a:t>);</a:t>
-            </a:r>
-            <a:endParaRPr lang="en-US" sz="1800" dirty="0" smtClean="0">
+              <a:t>(martin, FRIEND);</a:t>
+            </a:r>
+          </a:p>
+          <a:p>
+            <a:pPr lvl="0" rtl="0">
+              <a:spcBef>
+                <a:spcPts val="0"/>
+              </a:spcBef>
+              <a:buNone/>
+            </a:pPr>
+            <a:endParaRPr lang="en" sz="1800" noProof="0" smtClean="0">
               <a:latin typeface="Arial"/>
               <a:ea typeface="Courier New"/>
               <a:cs typeface="Arial"/>
@@ -9592,20 +9553,6 @@
               <a:spcBef>
                 <a:spcPts val="0"/>
               </a:spcBef>
-              <a:buNone/>
-            </a:pPr>
-            <a:endParaRPr sz="1800" dirty="0">
-              <a:latin typeface="Arial"/>
-              <a:ea typeface="Courier New"/>
-              <a:cs typeface="Arial"/>
-              <a:sym typeface="Courier New"/>
-            </a:endParaRPr>
-          </a:p>
-          <a:p>
-            <a:pPr lvl="0" rtl="0">
-              <a:spcBef>
-                <a:spcPts val="0"/>
-              </a:spcBef>
               <a:buClr>
                 <a:schemeClr val="dk1"/>
               </a:buClr>
@@ -9614,7 +9561,7 @@
               <a:buNone/>
             </a:pPr>
             <a:r>
-              <a:rPr lang="en" sz="1800" dirty="0">
+              <a:rPr lang="en" sz="1800" noProof="0" smtClean="0">
                 <a:latin typeface="Arial"/>
                 <a:ea typeface="Courier New"/>
                 <a:cs typeface="Arial"/>
@@ -9623,7 +9570,7 @@
               <a:t>m2p.</a:t>
             </a:r>
             <a:r>
-              <a:rPr lang="en" sz="1800" dirty="0">
+              <a:rPr lang="en" sz="1800" noProof="0" smtClean="0">
                 <a:solidFill>
                   <a:srgbClr val="0B5394"/>
                 </a:solidFill>
@@ -9635,7 +9582,7 @@
               <a:t>setProperty</a:t>
             </a:r>
             <a:r>
-              <a:rPr lang="en" sz="1800" dirty="0">
+              <a:rPr lang="en" sz="1800" noProof="0" smtClean="0">
                 <a:latin typeface="Arial"/>
                 <a:ea typeface="Courier New"/>
                 <a:cs typeface="Arial"/>
@@ -9655,7 +9602,7 @@
               <a:buNone/>
             </a:pPr>
             <a:r>
-              <a:rPr lang="en" sz="1800" dirty="0">
+              <a:rPr lang="en" sz="1800" noProof="0" smtClean="0">
                 <a:latin typeface="Arial"/>
                 <a:ea typeface="Courier New"/>
                 <a:cs typeface="Arial"/>
@@ -9664,7 +9611,7 @@
               <a:t>m2p.</a:t>
             </a:r>
             <a:r>
-              <a:rPr lang="en" sz="1800" dirty="0">
+              <a:rPr lang="en" sz="1800" noProof="0" smtClean="0">
                 <a:solidFill>
                   <a:srgbClr val="0B5394"/>
                 </a:solidFill>
@@ -9676,29 +9623,14 @@
               <a:t>setProperty</a:t>
             </a:r>
             <a:r>
-              <a:rPr lang="en" sz="1800" dirty="0">
+              <a:rPr lang="en" sz="1800" noProof="0" smtClean="0">
                 <a:latin typeface="Arial"/>
                 <a:ea typeface="Courier New"/>
                 <a:cs typeface="Arial"/>
                 <a:sym typeface="Courier New"/>
               </a:rPr>
-              <a:t>("quality", "a good one</a:t>
-            </a:r>
-            <a:r>
-              <a:rPr lang="en" sz="1800" dirty="0" smtClean="0">
-                <a:latin typeface="Arial"/>
-                <a:ea typeface="Courier New"/>
-                <a:cs typeface="Arial"/>
-                <a:sym typeface="Courier New"/>
-              </a:rPr>
-              <a:t>");</a:t>
-            </a:r>
-            <a:endParaRPr lang="en-US" sz="1800" dirty="0">
-              <a:latin typeface="Arial"/>
-              <a:ea typeface="Courier New"/>
-              <a:cs typeface="Arial"/>
-              <a:sym typeface="Courier New"/>
-            </a:endParaRPr>
+              <a:t>("quality", "a good one");</a:t>
+            </a:r>
           </a:p>
           <a:p>
             <a:pPr rtl="0">
@@ -9710,7 +9642,7 @@
               </a:spcBef>
               <a:buNone/>
             </a:pPr>
-            <a:endParaRPr lang="en" sz="1800" dirty="0">
+            <a:endParaRPr lang="en" sz="1800" noProof="0" smtClean="0">
               <a:latin typeface="Arial"/>
               <a:ea typeface="Courier New"/>
               <a:cs typeface="Arial"/>
@@ -9730,7 +9662,7 @@
               <a:buChar char="●"/>
             </a:pPr>
             <a:r>
-              <a:rPr lang="en" sz="1800" dirty="0" smtClean="0">
+              <a:rPr lang="en" sz="1800" noProof="0" smtClean="0">
                 <a:solidFill>
                   <a:srgbClr val="990000"/>
                 </a:solidFill>
@@ -9740,13 +9672,13 @@
               <a:t>Undirected</a:t>
             </a:r>
             <a:r>
-              <a:rPr lang="en" sz="1800" dirty="0" smtClean="0">
+              <a:rPr lang="en" sz="1800" noProof="0" smtClean="0">
                 <a:latin typeface="Arial"/>
                 <a:cs typeface="Arial"/>
               </a:rPr>
               <a:t> edge: </a:t>
             </a:r>
-            <a:endParaRPr lang="en" sz="1400" dirty="0" smtClean="0">
+            <a:endParaRPr lang="en" sz="1400" noProof="0" smtClean="0">
               <a:latin typeface="Arial"/>
               <a:cs typeface="Arial"/>
             </a:endParaRPr>
@@ -9764,14 +9696,14 @@
               <a:buChar char="o"/>
             </a:pPr>
             <a:r>
-              <a:rPr lang="en" sz="1800" dirty="0" smtClean="0">
+              <a:rPr lang="en" sz="1800" noProof="0" smtClean="0">
                 <a:latin typeface="Arial"/>
                 <a:cs typeface="Arial"/>
               </a:rPr>
               <a:t>Relationship between the nodes in </a:t>
             </a:r>
             <a:r>
-              <a:rPr lang="en" sz="1800" dirty="0" smtClean="0">
+              <a:rPr lang="en" sz="1800" noProof="0" smtClean="0">
                 <a:solidFill>
                   <a:srgbClr val="990000"/>
                 </a:solidFill>
@@ -9794,35 +9726,35 @@
               <a:buChar char="o"/>
             </a:pPr>
             <a:r>
-              <a:rPr lang="en" sz="1800" b="1" dirty="0" smtClean="0">
+              <a:rPr lang="en" sz="1800" b="1" noProof="0" smtClean="0">
                 <a:latin typeface="Arial"/>
                 <a:cs typeface="Arial"/>
               </a:rPr>
               <a:t>INCOMING</a:t>
             </a:r>
             <a:r>
-              <a:rPr lang="en" sz="1800" dirty="0" smtClean="0">
+              <a:rPr lang="en" sz="1800" noProof="0" smtClean="0">
                 <a:latin typeface="Arial"/>
                 <a:cs typeface="Arial"/>
               </a:rPr>
               <a:t> and </a:t>
             </a:r>
             <a:r>
-              <a:rPr lang="en" sz="1800" b="1" dirty="0" smtClean="0">
+              <a:rPr lang="en" sz="1800" b="1" noProof="0" smtClean="0">
                 <a:latin typeface="Arial"/>
                 <a:cs typeface="Arial"/>
               </a:rPr>
               <a:t>OUTGOING</a:t>
             </a:r>
             <a:r>
-              <a:rPr lang="en" sz="1800" dirty="0" smtClean="0">
+              <a:rPr lang="en" sz="1800" noProof="0" smtClean="0">
                 <a:latin typeface="Arial"/>
                 <a:cs typeface="Arial"/>
               </a:rPr>
               <a:t> </a:t>
             </a:r>
             <a:r>
-              <a:rPr lang="en" sz="1800" dirty="0" smtClean="0">
+              <a:rPr lang="en" sz="1800" noProof="0" smtClean="0">
                 <a:solidFill>
                   <a:srgbClr val="990000"/>
                 </a:solidFill>
@@ -9832,13 +9764,13 @@
               <a:t>relationships</a:t>
             </a:r>
             <a:r>
-              <a:rPr lang="en" sz="1800" dirty="0" smtClean="0">
+              <a:rPr lang="en" sz="1800" noProof="0" smtClean="0">
                 <a:latin typeface="Arial"/>
                 <a:cs typeface="Arial"/>
               </a:rPr>
               <a:t> from a node</a:t>
             </a:r>
-            <a:endParaRPr lang="en" sz="1800" dirty="0">
+            <a:endParaRPr lang="en" sz="1800" noProof="0">
               <a:latin typeface="Arial"/>
               <a:cs typeface="Arial"/>
             </a:endParaRPr>
@@ -9908,7 +9840,7 @@
               <a:buNone/>
             </a:pPr>
             <a:r>
-              <a:rPr lang="en" sz="2400"/>
+              <a:rPr lang="en" sz="2400" noProof="0"/>
               <a:t>A Bit of a Theory</a:t>
             </a:r>
           </a:p>
@@ -9947,11 +9879,11 @@
               <a:buChar char="●"/>
             </a:pPr>
             <a:r>
-              <a:rPr lang="en" sz="2400"/>
+              <a:rPr lang="en" sz="2400" noProof="0"/>
               <a:t>Data: a </a:t>
             </a:r>
             <a:r>
-              <a:rPr lang="en" sz="2400">
+              <a:rPr lang="en" sz="2400" noProof="0">
                 <a:solidFill>
                   <a:srgbClr val="990000"/>
                 </a:solidFill>
@@ -9959,11 +9891,11 @@
               <a:t>set</a:t>
             </a:r>
             <a:r>
-              <a:rPr lang="en" sz="2400"/>
+              <a:rPr lang="en" sz="2400" noProof="0"/>
               <a:t> of entities and their </a:t>
             </a:r>
             <a:r>
-              <a:rPr lang="en" sz="2400">
+              <a:rPr lang="en" sz="2400" noProof="0">
                 <a:solidFill>
                   <a:srgbClr val="990000"/>
                 </a:solidFill>
@@ -9984,11 +9916,11 @@
               <a:buChar char="o"/>
             </a:pPr>
             <a:r>
-              <a:rPr lang="en" sz="2400"/>
+              <a:rPr lang="en" sz="2400" noProof="0"/>
               <a:t>=&gt; we need to </a:t>
             </a:r>
             <a:r>
-              <a:rPr lang="en" sz="2400">
+              <a:rPr lang="en" sz="2400" noProof="0">
                 <a:solidFill>
                   <a:srgbClr val="0B5394"/>
                 </a:solidFill>
@@ -10009,11 +9941,11 @@
               <a:buChar char="●"/>
             </a:pPr>
             <a:r>
-              <a:rPr lang="en" sz="2400"/>
+              <a:rPr lang="en" sz="2400" noProof="0"/>
               <a:t>Basic </a:t>
             </a:r>
             <a:r>
-              <a:rPr lang="en" sz="2400">
+              <a:rPr lang="en" sz="2400" noProof="0">
                 <a:solidFill>
                   <a:srgbClr val="990000"/>
                 </a:solidFill>
@@ -10021,7 +9953,7 @@
               <a:t>operations</a:t>
             </a:r>
             <a:r>
-              <a:rPr lang="en" sz="2400"/>
+              <a:rPr lang="en" sz="2400" noProof="0"/>
               <a:t>: </a:t>
             </a:r>
           </a:p>
@@ -10038,11 +9970,11 @@
               <a:buChar char="§"/>
             </a:pPr>
             <a:r>
-              <a:rPr lang="en" sz="2400"/>
+              <a:rPr lang="en" sz="2400" noProof="0"/>
               <a:t>finding the </a:t>
             </a:r>
             <a:r>
-              <a:rPr lang="en" sz="2400">
+              <a:rPr lang="en" sz="2400" noProof="0">
                 <a:solidFill>
                   <a:srgbClr val="990000"/>
                 </a:solidFill>
@@ -10050,7 +9982,7 @@
               <a:t>neighbours</a:t>
             </a:r>
             <a:r>
-              <a:rPr lang="en" sz="2400"/>
+              <a:rPr lang="en" sz="2400" noProof="0"/>
               <a:t> of a node, </a:t>
             </a:r>
           </a:p>
@@ -10067,7 +9999,7 @@
               <a:buChar char="§"/>
             </a:pPr>
             <a:r>
-              <a:rPr lang="en" sz="2400">
+              <a:rPr lang="en" sz="2400" noProof="0">
                 <a:solidFill>
                   <a:srgbClr val="990000"/>
                 </a:solidFill>
@@ -10075,7 +10007,7 @@
               <a:t>checking </a:t>
             </a:r>
             <a:r>
-              <a:rPr lang="en" sz="2400"/>
+              <a:rPr lang="en" sz="2400" noProof="0"/>
               <a:t>if two nodes are connected by an edge,</a:t>
             </a:r>
           </a:p>
@@ -10092,7 +10024,7 @@
               <a:buChar char="§"/>
             </a:pPr>
             <a:r>
-              <a:rPr lang="en" sz="2400">
+              <a:rPr lang="en" sz="2400" noProof="0">
                 <a:solidFill>
                   <a:srgbClr val="990000"/>
                 </a:solidFill>
@@ -10100,7 +10032,7 @@
               <a:t>updating</a:t>
             </a:r>
             <a:r>
-              <a:rPr lang="en" sz="2400"/>
+              <a:rPr lang="en" sz="2400" noProof="0"/>
               <a:t> the graph structure, …</a:t>
             </a:r>
           </a:p>
@@ -10117,11 +10049,11 @@
               <a:buChar char="o"/>
             </a:pPr>
             <a:r>
-              <a:rPr lang="en" sz="2400"/>
+              <a:rPr lang="en" sz="2400" noProof="0"/>
               <a:t>=&gt; we need </a:t>
             </a:r>
             <a:r>
-              <a:rPr lang="en" sz="2400">
+              <a:rPr lang="en" sz="2400" noProof="0">
                 <a:solidFill>
                   <a:srgbClr val="0B5394"/>
                 </a:solidFill>
@@ -10142,7 +10074,7 @@
               <a:buChar char="●"/>
             </a:pPr>
             <a:r>
-              <a:rPr lang="en" sz="2400">
+              <a:rPr lang="en" sz="2400" noProof="0">
                 <a:solidFill>
                   <a:srgbClr val="000000"/>
                 </a:solidFill>
@@ -10150,7 +10082,7 @@
               <a:t>graph </a:t>
             </a:r>
             <a:r>
-              <a:rPr lang="en" sz="2400" i="1">
+              <a:rPr lang="en" sz="2400" i="1" noProof="0">
                 <a:solidFill>
                   <a:srgbClr val="0B5394"/>
                 </a:solidFill>
@@ -10158,11 +10090,11 @@
               <a:t>G = (V, E)</a:t>
             </a:r>
             <a:r>
-              <a:rPr lang="en" sz="2400"/>
+              <a:rPr lang="en" sz="2400" noProof="0"/>
               <a:t> is commonly </a:t>
             </a:r>
             <a:r>
-              <a:rPr lang="en" sz="2400">
+              <a:rPr lang="en" sz="2400" noProof="0">
                 <a:solidFill>
                   <a:srgbClr val="990000"/>
                 </a:solidFill>
@@ -10170,7 +10102,7 @@
               <a:t>modelled</a:t>
             </a:r>
             <a:r>
-              <a:rPr lang="en" sz="2400"/>
+              <a:rPr lang="en" sz="2400" noProof="0"/>
               <a:t> as</a:t>
             </a:r>
           </a:p>
@@ -10187,11 +10119,11 @@
               <a:buChar char="o"/>
             </a:pPr>
             <a:r>
-              <a:rPr lang="en" sz="2400"/>
+              <a:rPr lang="en" sz="2400" noProof="0"/>
               <a:t>set of </a:t>
             </a:r>
             <a:r>
-              <a:rPr lang="en" sz="2400">
+              <a:rPr lang="en" sz="2400" noProof="0">
                 <a:solidFill>
                   <a:srgbClr val="990000"/>
                 </a:solidFill>
@@ -10199,11 +10131,11 @@
               <a:t>nodes</a:t>
             </a:r>
             <a:r>
-              <a:rPr lang="en" sz="2400"/>
+              <a:rPr lang="en" sz="2400" noProof="0"/>
               <a:t> (vertices) </a:t>
             </a:r>
             <a:r>
-              <a:rPr lang="en" sz="2400" i="1">
+              <a:rPr lang="en" sz="2400" i="1" noProof="0">
                 <a:solidFill>
                   <a:srgbClr val="0B5394"/>
                 </a:solidFill>
@@ -10224,11 +10156,11 @@
               <a:buChar char="o"/>
             </a:pPr>
             <a:r>
-              <a:rPr lang="en" sz="2400"/>
+              <a:rPr lang="en" sz="2400" noProof="0"/>
               <a:t>set of </a:t>
             </a:r>
             <a:r>
-              <a:rPr lang="en" sz="2400">
+              <a:rPr lang="en" sz="2400" noProof="0">
                 <a:solidFill>
                   <a:srgbClr val="990000"/>
                 </a:solidFill>
@@ -10236,11 +10168,11 @@
               <a:t>edges</a:t>
             </a:r>
             <a:r>
-              <a:rPr lang="en" sz="2400"/>
+              <a:rPr lang="en" sz="2400" noProof="0"/>
               <a:t> </a:t>
             </a:r>
             <a:r>
-              <a:rPr lang="en" sz="2400" i="1">
+              <a:rPr lang="en" sz="2400" i="1" noProof="0">
                 <a:solidFill>
                   <a:srgbClr val="0B5394"/>
                 </a:solidFill>
@@ -10261,7 +10193,7 @@
               <a:buChar char="o"/>
             </a:pPr>
             <a:r>
-              <a:rPr lang="en" sz="2400" i="1">
+              <a:rPr lang="en" sz="2400" i="1" noProof="0">
                 <a:solidFill>
                   <a:srgbClr val="0B5394"/>
                 </a:solidFill>
@@ -10269,7 +10201,7 @@
               <a:t>n = </a:t>
             </a:r>
             <a:r>
-              <a:rPr lang="en" sz="2400">
+              <a:rPr lang="en" sz="2400" noProof="0">
                 <a:solidFill>
                   <a:srgbClr val="0B5394"/>
                 </a:solidFill>
@@ -10277,7 +10209,7 @@
               <a:t>|</a:t>
             </a:r>
             <a:r>
-              <a:rPr lang="en" sz="2400" i="1">
+              <a:rPr lang="en" sz="2400" i="1" noProof="0">
                 <a:solidFill>
                   <a:srgbClr val="0B5394"/>
                 </a:solidFill>
@@ -10285,7 +10217,7 @@
               <a:t>V</a:t>
             </a:r>
             <a:r>
-              <a:rPr lang="en" sz="2400">
+              <a:rPr lang="en" sz="2400" noProof="0">
                 <a:solidFill>
                   <a:srgbClr val="0B5394"/>
                 </a:solidFill>
@@ -10293,11 +10225,11 @@
               <a:t>|</a:t>
             </a:r>
             <a:r>
-              <a:rPr lang="en" sz="2400"/>
+              <a:rPr lang="en" sz="2400" noProof="0"/>
               <a:t>, </a:t>
             </a:r>
             <a:r>
-              <a:rPr lang="en" sz="2400" i="1">
+              <a:rPr lang="en" sz="2400" i="1" noProof="0">
                 <a:solidFill>
                   <a:srgbClr val="0B5394"/>
                 </a:solidFill>
@@ -10305,7 +10237,7 @@
               <a:t>m = </a:t>
             </a:r>
             <a:r>
-              <a:rPr lang="en" sz="2400">
+              <a:rPr lang="en" sz="2400" noProof="0">
                 <a:solidFill>
                   <a:srgbClr val="0B5394"/>
                 </a:solidFill>
@@ -10313,7 +10245,7 @@
               <a:t>|</a:t>
             </a:r>
             <a:r>
-              <a:rPr lang="en" sz="2400" i="1">
+              <a:rPr lang="en" sz="2400" i="1" noProof="0">
                 <a:solidFill>
                   <a:srgbClr val="0B5394"/>
                 </a:solidFill>
@@ -10321,7 +10253,7 @@
               <a:t>E</a:t>
             </a:r>
             <a:r>
-              <a:rPr lang="en" sz="2400">
+              <a:rPr lang="en" sz="2400" noProof="0">
                 <a:solidFill>
                   <a:srgbClr val="0B5394"/>
                 </a:solidFill>
@@ -10342,11 +10274,11 @@
               <a:buChar char="●"/>
             </a:pPr>
             <a:r>
-              <a:rPr lang="en" sz="2400"/>
+              <a:rPr lang="en" sz="2400" noProof="0"/>
               <a:t>Which </a:t>
             </a:r>
             <a:r>
-              <a:rPr lang="en" sz="2400">
+              <a:rPr lang="en" sz="2400" noProof="0">
                 <a:solidFill>
                   <a:srgbClr val="990000"/>
                 </a:solidFill>
@@ -10354,7 +10286,7 @@
               <a:t>data structure</a:t>
             </a:r>
             <a:r>
-              <a:rPr lang="en" sz="2400"/>
+              <a:rPr lang="en" sz="2400" noProof="0"/>
               <a:t> to use?</a:t>
             </a:r>
           </a:p>
@@ -10423,7 +10355,7 @@
               <a:buNone/>
             </a:pPr>
             <a:r>
-              <a:rPr lang="en" sz="2400"/>
+              <a:rPr lang="en" sz="2400" noProof="0"/>
               <a:t>Data Structure: Adjacency Matrix</a:t>
             </a:r>
           </a:p>
@@ -10466,11 +10398,11 @@
               <a:buChar char="●"/>
             </a:pPr>
             <a:r>
-              <a:rPr lang="en" sz="2400" dirty="0"/>
+              <a:rPr lang="en" sz="2400" noProof="0" smtClean="0"/>
               <a:t>Two-dimensional </a:t>
             </a:r>
             <a:r>
-              <a:rPr lang="en" sz="2400" dirty="0">
+              <a:rPr lang="en" sz="2400" noProof="0" smtClean="0">
                 <a:solidFill>
                   <a:srgbClr val="990000"/>
                 </a:solidFill>
@@ -10478,11 +10410,11 @@
               <a:t>array</a:t>
             </a:r>
             <a:r>
-              <a:rPr lang="en" sz="2400" dirty="0"/>
+              <a:rPr lang="en" sz="2400" noProof="0" smtClean="0"/>
               <a:t> </a:t>
             </a:r>
             <a:r>
-              <a:rPr lang="en" sz="2400" i="1" dirty="0">
+              <a:rPr lang="en" sz="2400" i="1" noProof="0" smtClean="0">
                 <a:solidFill>
                   <a:srgbClr val="0B5394"/>
                 </a:solidFill>
@@ -10490,11 +10422,11 @@
               <a:t>A</a:t>
             </a:r>
             <a:r>
-              <a:rPr lang="en" sz="2400" dirty="0"/>
+              <a:rPr lang="en" sz="2400" noProof="0" smtClean="0"/>
               <a:t> of </a:t>
             </a:r>
             <a:r>
-              <a:rPr lang="en" sz="2400" i="1" dirty="0">
+              <a:rPr lang="en" sz="2400" i="1" noProof="0" smtClean="0">
                 <a:solidFill>
                   <a:srgbClr val="0B5394"/>
                 </a:solidFill>
@@ -10502,7 +10434,7 @@
               <a:t>n ⨉ n</a:t>
             </a:r>
             <a:r>
-              <a:rPr lang="en" sz="2400" dirty="0"/>
+              <a:rPr lang="en" sz="2400" noProof="0" smtClean="0"/>
               <a:t> Boolean values</a:t>
             </a:r>
           </a:p>
@@ -10519,7 +10451,7 @@
               <a:buChar char="o"/>
             </a:pPr>
             <a:r>
-              <a:rPr lang="en" sz="2400" dirty="0">
+              <a:rPr lang="en" sz="2400" noProof="0" smtClean="0">
                 <a:solidFill>
                   <a:srgbClr val="990000"/>
                 </a:solidFill>
@@ -10527,11 +10459,11 @@
               <a:t>Indexes</a:t>
             </a:r>
             <a:r>
-              <a:rPr lang="en" sz="2400" dirty="0"/>
+              <a:rPr lang="en" sz="2400" noProof="0" smtClean="0"/>
               <a:t> of the array = </a:t>
             </a:r>
             <a:r>
-              <a:rPr lang="en" sz="2400" dirty="0">
+              <a:rPr lang="en" sz="2400" noProof="0" smtClean="0">
                 <a:solidFill>
                   <a:srgbClr val="990000"/>
                 </a:solidFill>
@@ -10539,7 +10471,7 @@
               <a:t>node</a:t>
             </a:r>
             <a:r>
-              <a:rPr lang="en" sz="2400" dirty="0"/>
+              <a:rPr lang="en" sz="2400" noProof="0" smtClean="0"/>
               <a:t> identifiers of the graph</a:t>
             </a:r>
           </a:p>
@@ -10556,11 +10488,11 @@
               <a:buChar char="o"/>
             </a:pPr>
             <a:r>
-              <a:rPr lang="en" sz="2400" dirty="0"/>
+              <a:rPr lang="en" sz="2400" noProof="0" smtClean="0"/>
               <a:t>Boolean value </a:t>
             </a:r>
             <a:r>
-              <a:rPr lang="en" sz="2400" i="1" dirty="0">
+              <a:rPr lang="en" sz="2400" i="1" noProof="0" smtClean="0">
                 <a:solidFill>
                   <a:srgbClr val="0B5394"/>
                 </a:solidFill>
@@ -10568,7 +10500,7 @@
               <a:t>A</a:t>
             </a:r>
             <a:r>
-              <a:rPr lang="en" sz="2400" i="1" baseline="-25000" dirty="0">
+              <a:rPr lang="en" sz="2400" i="1" baseline="-25000" noProof="0" smtClean="0">
                 <a:solidFill>
                   <a:srgbClr val="0B5394"/>
                 </a:solidFill>
@@ -10576,11 +10508,11 @@
               <a:t>ij</a:t>
             </a:r>
             <a:r>
-              <a:rPr lang="en" sz="2400" dirty="0"/>
+              <a:rPr lang="en" sz="2400" noProof="0" smtClean="0"/>
               <a:t> indicates whether nodes </a:t>
             </a:r>
             <a:r>
-              <a:rPr lang="en" sz="2400" i="1" dirty="0">
+              <a:rPr lang="en" sz="2400" i="1" noProof="0" smtClean="0">
                 <a:solidFill>
                   <a:srgbClr val="0B5394"/>
                 </a:solidFill>
@@ -10588,15 +10520,15 @@
               <a:t>i</a:t>
             </a:r>
             <a:r>
-              <a:rPr lang="en" sz="2400" dirty="0"/>
+              <a:rPr lang="en" sz="2400" noProof="0" smtClean="0"/>
               <a:t>,</a:t>
             </a:r>
             <a:r>
-              <a:rPr lang="en" sz="2400" i="1" dirty="0"/>
+              <a:rPr lang="en" sz="2400" i="1" noProof="0" smtClean="0"/>
               <a:t> </a:t>
             </a:r>
             <a:r>
-              <a:rPr lang="en" sz="2400" i="1" dirty="0">
+              <a:rPr lang="en" sz="2400" i="1" noProof="0" smtClean="0">
                 <a:solidFill>
                   <a:srgbClr val="0B5394"/>
                 </a:solidFill>
@@ -10604,11 +10536,11 @@
               <a:t>j</a:t>
             </a:r>
             <a:r>
-              <a:rPr lang="en" sz="2400" dirty="0"/>
+              <a:rPr lang="en" sz="2400" noProof="0" smtClean="0"/>
               <a:t> are </a:t>
             </a:r>
             <a:r>
-              <a:rPr lang="en" sz="2400" dirty="0">
+              <a:rPr lang="en" sz="2400" noProof="0" smtClean="0">
                 <a:solidFill>
                   <a:srgbClr val="990000"/>
                 </a:solidFill>
@@ -10623,7 +10555,7 @@
               </a:spcBef>
               <a:buNone/>
             </a:pPr>
-            <a:endParaRPr sz="2400" dirty="0"/>
+            <a:endParaRPr lang="en" sz="2400" noProof="0" smtClean="0"/>
           </a:p>
           <a:p>
             <a:pPr marL="457200" lvl="0" indent="-419100" rtl="0">
@@ -10638,7 +10570,7 @@
               <a:buChar char="●"/>
             </a:pPr>
             <a:r>
-              <a:rPr lang="en" sz="2400" dirty="0">
+              <a:rPr lang="en" sz="2400" noProof="0" smtClean="0">
                 <a:solidFill>
                   <a:srgbClr val="990000"/>
                 </a:solidFill>
@@ -10646,7 +10578,7 @@
               <a:t>Variants</a:t>
             </a:r>
             <a:r>
-              <a:rPr lang="en" sz="2400" dirty="0"/>
+              <a:rPr lang="en" sz="2400" noProof="0" smtClean="0"/>
               <a:t>: </a:t>
             </a:r>
           </a:p>
@@ -10663,7 +10595,7 @@
               <a:buChar char="o"/>
             </a:pPr>
             <a:r>
-              <a:rPr lang="en" sz="2400" dirty="0"/>
+              <a:rPr lang="en" sz="2400" noProof="0" smtClean="0"/>
               <a:t>(Un)directed graphs</a:t>
             </a:r>
           </a:p>
@@ -10680,7 +10612,7 @@
               <a:buChar char="o"/>
             </a:pPr>
             <a:r>
-              <a:rPr lang="en" sz="2400" dirty="0"/>
+              <a:rPr lang="en" sz="2400" noProof="0" smtClean="0"/>
               <a:t>Weighted graphs…</a:t>
             </a:r>
           </a:p>
@@ -10691,7 +10623,7 @@
               </a:spcBef>
               <a:buNone/>
             </a:pPr>
-            <a:endParaRPr sz="2400" dirty="0"/>
+            <a:endParaRPr lang="en" sz="2400" noProof="0"/>
           </a:p>
         </p:txBody>
       </p:sp>
@@ -10758,7 +10690,7 @@
               <a:buNone/>
             </a:pPr>
             <a:r>
-              <a:rPr lang="en" sz="2400"/>
+              <a:rPr lang="en" sz="2400" noProof="0"/>
               <a:t>Adjacency Matrix: Example</a:t>
             </a:r>
           </a:p>
@@ -10801,7 +10733,7 @@
               <a:buChar char="●"/>
             </a:pPr>
             <a:r>
-              <a:rPr lang="en" sz="2400"/>
+              <a:rPr lang="en" sz="2400" noProof="0" smtClean="0"/>
               <a:t>Pros:</a:t>
             </a:r>
           </a:p>
@@ -10818,11 +10750,11 @@
               <a:buChar char="o"/>
             </a:pPr>
             <a:r>
-              <a:rPr lang="en" sz="2400"/>
+              <a:rPr lang="en" sz="2400" noProof="0" smtClean="0"/>
               <a:t>Adding/removing </a:t>
             </a:r>
             <a:r>
-              <a:rPr lang="en" sz="2400">
+              <a:rPr lang="en" sz="2400" noProof="0" smtClean="0">
                 <a:solidFill>
                   <a:srgbClr val="990000"/>
                 </a:solidFill>
@@ -10830,7 +10762,7 @@
               <a:t>edges</a:t>
             </a:r>
             <a:r>
-              <a:rPr lang="en" sz="2400"/>
+              <a:rPr lang="en" sz="2400" noProof="0" smtClean="0"/>
               <a:t> </a:t>
             </a:r>
           </a:p>
@@ -10847,7 +10779,7 @@
               <a:buChar char="o"/>
             </a:pPr>
             <a:r>
-              <a:rPr lang="en" sz="2400">
+              <a:rPr lang="en" sz="2400" noProof="0" smtClean="0">
                 <a:solidFill>
                   <a:srgbClr val="990000"/>
                 </a:solidFill>
@@ -10855,13 +10787,13 @@
               <a:t>Checking </a:t>
             </a:r>
             <a:r>
-              <a:rPr lang="en" sz="2400"/>
+              <a:rPr lang="en" sz="2400" noProof="0" smtClean="0"/>
               <a:t>if 2 nodes are connected</a:t>
             </a:r>
             <a:br>
-              <a:rPr lang="en" sz="2400"/>
+              <a:rPr lang="en" sz="2400" noProof="0" smtClean="0"/>
             </a:br>
-            <a:endParaRPr lang="en" sz="2400"/>
+            <a:endParaRPr lang="en" sz="2400" noProof="0" smtClean="0"/>
           </a:p>
           <a:p>
             <a:pPr marL="457200" lvl="0" indent="-419100" rtl="0">
@@ -10876,7 +10808,7 @@
               <a:buChar char="●"/>
             </a:pPr>
             <a:r>
-              <a:rPr lang="en" sz="2400"/>
+              <a:rPr lang="en" sz="2400" noProof="0" smtClean="0"/>
               <a:t>Cons:</a:t>
             </a:r>
           </a:p>
@@ -10893,11 +10825,11 @@
               <a:buChar char="o"/>
             </a:pPr>
             <a:r>
-              <a:rPr lang="en" sz="2400"/>
+              <a:rPr lang="en" sz="2400" noProof="0" smtClean="0"/>
               <a:t>Quadratic </a:t>
             </a:r>
             <a:r>
-              <a:rPr lang="en" sz="2400">
+              <a:rPr lang="en" sz="2400" noProof="0" smtClean="0">
                 <a:solidFill>
                   <a:srgbClr val="990000"/>
                 </a:solidFill>
@@ -10905,11 +10837,11 @@
               <a:t>space</a:t>
             </a:r>
             <a:r>
-              <a:rPr lang="en" sz="2400"/>
+              <a:rPr lang="en" sz="2400" noProof="0" smtClean="0"/>
               <a:t>: </a:t>
             </a:r>
             <a:r>
-              <a:rPr lang="en" sz="2400" i="1">
+              <a:rPr lang="en" sz="2400" i="1" noProof="0" smtClean="0">
                 <a:solidFill>
                   <a:srgbClr val="0B5394"/>
                 </a:solidFill>
@@ -10917,7 +10849,7 @@
               <a:t>O(n</a:t>
             </a:r>
             <a:r>
-              <a:rPr lang="en" sz="2400" i="1" baseline="30000">
+              <a:rPr lang="en" sz="2400" i="1" baseline="30000" noProof="0" smtClean="0">
                 <a:solidFill>
                   <a:srgbClr val="0B5394"/>
                 </a:solidFill>
@@ -10925,7 +10857,7 @@
               <a:t>2</a:t>
             </a:r>
             <a:r>
-              <a:rPr lang="en" sz="2400" i="1">
+              <a:rPr lang="en" sz="2400" i="1" noProof="0" smtClean="0">
                 <a:solidFill>
                   <a:srgbClr val="0B5394"/>
                 </a:solidFill>
@@ -10946,11 +10878,11 @@
               <a:buChar char="o"/>
             </a:pPr>
             <a:r>
-              <a:rPr lang="en" sz="2400"/>
+              <a:rPr lang="en" sz="2400" noProof="0" smtClean="0"/>
               <a:t>We usually have </a:t>
             </a:r>
             <a:r>
-              <a:rPr lang="en" sz="2400">
+              <a:rPr lang="en" sz="2400" noProof="0" smtClean="0">
                 <a:solidFill>
                   <a:srgbClr val="990000"/>
                 </a:solidFill>
@@ -10958,7 +10890,7 @@
               <a:t>sparse</a:t>
             </a:r>
             <a:r>
-              <a:rPr lang="en" sz="2400"/>
+              <a:rPr lang="en" sz="2400" noProof="0" smtClean="0"/>
               <a:t> graphs</a:t>
             </a:r>
           </a:p>
@@ -10975,7 +10907,7 @@
               <a:buChar char="o"/>
             </a:pPr>
             <a:r>
-              <a:rPr lang="en" sz="2400">
+              <a:rPr lang="en" sz="2400" noProof="0" smtClean="0">
                 <a:solidFill>
                   <a:srgbClr val="990000"/>
                 </a:solidFill>
@@ -10983,7 +10915,7 @@
               <a:t>Adding nodes</a:t>
             </a:r>
             <a:r>
-              <a:rPr lang="en" sz="2400"/>
+              <a:rPr lang="en" sz="2400" noProof="0" smtClean="0"/>
               <a:t> is expensive</a:t>
             </a:r>
           </a:p>
@@ -11000,11 +10932,11 @@
               <a:buChar char="o"/>
             </a:pPr>
             <a:r>
-              <a:rPr lang="en" sz="2400"/>
+              <a:rPr lang="en" sz="2400" noProof="0" smtClean="0"/>
               <a:t>Retrieval of </a:t>
             </a:r>
             <a:r>
-              <a:rPr lang="en" sz="2400">
+              <a:rPr lang="en" sz="2400" noProof="0" smtClean="0">
                 <a:solidFill>
                   <a:srgbClr val="990000"/>
                 </a:solidFill>
@@ -11012,11 +10944,11 @@
               <a:t>all</a:t>
             </a:r>
             <a:r>
-              <a:rPr lang="en" sz="2400"/>
+              <a:rPr lang="en" sz="2400" noProof="0" smtClean="0"/>
               <a:t> the </a:t>
             </a:r>
             <a:r>
-              <a:rPr lang="en" sz="2400">
+              <a:rPr lang="en" sz="2400" noProof="0" smtClean="0">
                 <a:solidFill>
                   <a:srgbClr val="990000"/>
                 </a:solidFill>
@@ -11024,11 +10956,11 @@
               <a:t>neighbouring</a:t>
             </a:r>
             <a:r>
-              <a:rPr lang="en" sz="2400"/>
+              <a:rPr lang="en" sz="2400" noProof="0" smtClean="0"/>
               <a:t> </a:t>
             </a:r>
             <a:r>
-              <a:rPr lang="en" sz="2400">
+              <a:rPr lang="en" sz="2400" noProof="0" smtClean="0">
                 <a:solidFill>
                   <a:srgbClr val="990000"/>
                 </a:solidFill>
@@ -11036,11 +10968,11 @@
               <a:t>nodes </a:t>
             </a:r>
             <a:r>
-              <a:rPr lang="en" sz="2400"/>
+              <a:rPr lang="en" sz="2400" noProof="0" smtClean="0"/>
               <a:t>takes linear time: </a:t>
             </a:r>
             <a:r>
-              <a:rPr lang="en" sz="2400" i="1">
+              <a:rPr lang="en" sz="2400" i="1" noProof="0" smtClean="0">
                 <a:solidFill>
                   <a:srgbClr val="0B5394"/>
                 </a:solidFill>
@@ -11055,7 +10987,7 @@
               </a:spcBef>
               <a:buNone/>
             </a:pPr>
-            <a:endParaRPr sz="2400"/>
+            <a:endParaRPr lang="en" sz="2400" noProof="0"/>
           </a:p>
         </p:txBody>
       </p:sp>
@@ -11178,7 +11110,7 @@
               <a:buNone/>
             </a:pPr>
             <a:r>
-              <a:rPr lang="en" sz="2400"/>
+              <a:rPr lang="en" sz="2400" noProof="0"/>
               <a:t>Data Structure: Adjacency List</a:t>
             </a:r>
           </a:p>
@@ -11221,11 +11153,11 @@
               <a:buChar char="●"/>
             </a:pPr>
             <a:r>
-              <a:rPr lang="en" sz="2400"/>
+              <a:rPr lang="en" sz="2400" noProof="0" smtClean="0"/>
               <a:t>A </a:t>
             </a:r>
             <a:r>
-              <a:rPr lang="en" sz="2400">
+              <a:rPr lang="en" sz="2400" noProof="0" smtClean="0">
                 <a:solidFill>
                   <a:srgbClr val="990000"/>
                 </a:solidFill>
@@ -11233,11 +11165,11 @@
               <a:t>set</a:t>
             </a:r>
             <a:r>
-              <a:rPr lang="en" sz="2400"/>
+              <a:rPr lang="en" sz="2400" noProof="0" smtClean="0"/>
               <a:t> of </a:t>
             </a:r>
             <a:r>
-              <a:rPr lang="en" sz="2400">
+              <a:rPr lang="en" sz="2400" noProof="0" smtClean="0">
                 <a:solidFill>
                   <a:srgbClr val="990000"/>
                 </a:solidFill>
@@ -11245,11 +11177,11 @@
               <a:t>lists</a:t>
             </a:r>
             <a:r>
-              <a:rPr lang="en" sz="2400"/>
+              <a:rPr lang="en" sz="2400" noProof="0" smtClean="0"/>
               <a:t>, each enumerating </a:t>
             </a:r>
             <a:r>
-              <a:rPr lang="en" sz="2400">
+              <a:rPr lang="en" sz="2400" noProof="0" smtClean="0">
                 <a:solidFill>
                   <a:srgbClr val="990000"/>
                 </a:solidFill>
@@ -11257,11 +11189,11 @@
               <a:t>neighbours</a:t>
             </a:r>
             <a:r>
-              <a:rPr lang="en" sz="2400"/>
+              <a:rPr lang="en" sz="2400" noProof="0" smtClean="0"/>
               <a:t> of one </a:t>
             </a:r>
             <a:r>
-              <a:rPr lang="en" sz="2400">
+              <a:rPr lang="en" sz="2400" noProof="0" smtClean="0">
                 <a:solidFill>
                   <a:srgbClr val="990000"/>
                 </a:solidFill>
@@ -11282,11 +11214,11 @@
               <a:buChar char="o"/>
             </a:pPr>
             <a:r>
-              <a:rPr lang="en" sz="2400"/>
+              <a:rPr lang="en" sz="2400" noProof="0" smtClean="0"/>
               <a:t>A vector of </a:t>
             </a:r>
             <a:r>
-              <a:rPr lang="en" sz="2400" i="1">
+              <a:rPr lang="en" sz="2400" i="1" noProof="0" smtClean="0">
                 <a:solidFill>
                   <a:srgbClr val="0B5394"/>
                 </a:solidFill>
@@ -11294,13 +11226,13 @@
               <a:t>n</a:t>
             </a:r>
             <a:r>
-              <a:rPr lang="en" sz="2400"/>
+              <a:rPr lang="en" sz="2400" noProof="0" smtClean="0"/>
               <a:t> pointers to adjacency lists</a:t>
             </a:r>
             <a:br>
-              <a:rPr lang="en" sz="2400"/>
+              <a:rPr lang="en" sz="2400" noProof="0" smtClean="0"/>
             </a:br>
-            <a:endParaRPr lang="en" sz="2400"/>
+            <a:endParaRPr lang="en" sz="2400" noProof="0" smtClean="0"/>
           </a:p>
           <a:p>
             <a:pPr marL="457200" lvl="0" indent="-419100" rtl="0">
@@ -11315,7 +11247,7 @@
               <a:buChar char="●"/>
             </a:pPr>
             <a:r>
-              <a:rPr lang="en" sz="2400">
+              <a:rPr lang="en" sz="2400" noProof="0" smtClean="0">
                 <a:solidFill>
                   <a:srgbClr val="990000"/>
                 </a:solidFill>
@@ -11323,7 +11255,7 @@
               <a:t>Undirected</a:t>
             </a:r>
             <a:r>
-              <a:rPr lang="en" sz="2400"/>
+              <a:rPr lang="en" sz="2400" noProof="0" smtClean="0"/>
               <a:t> graph:</a:t>
             </a:r>
           </a:p>
@@ -11340,11 +11272,11 @@
               <a:buChar char="o"/>
             </a:pPr>
             <a:r>
-              <a:rPr lang="en" sz="2400"/>
+              <a:rPr lang="en" sz="2400" noProof="0" smtClean="0"/>
               <a:t>An edge connects nodes </a:t>
             </a:r>
             <a:r>
-              <a:rPr lang="en" sz="2400" i="1">
+              <a:rPr lang="en" sz="2400" i="1" noProof="0" smtClean="0">
                 <a:solidFill>
                   <a:srgbClr val="1155CC"/>
                 </a:solidFill>
@@ -11352,11 +11284,11 @@
               <a:t>i</a:t>
             </a:r>
             <a:r>
-              <a:rPr lang="en" sz="2400"/>
+              <a:rPr lang="en" sz="2400" noProof="0" smtClean="0"/>
               <a:t> and </a:t>
             </a:r>
             <a:r>
-              <a:rPr lang="en" sz="2400" i="1">
+              <a:rPr lang="en" sz="2400" i="1" noProof="0" smtClean="0">
                 <a:solidFill>
                   <a:srgbClr val="1155CC"/>
                 </a:solidFill>
@@ -11364,7 +11296,7 @@
               <a:t>j</a:t>
             </a:r>
             <a:r>
-              <a:rPr lang="en" sz="2400"/>
+              <a:rPr lang="en" sz="2400" noProof="0" smtClean="0"/>
               <a:t> </a:t>
             </a:r>
           </a:p>
@@ -11381,11 +11313,11 @@
               <a:buChar char="o"/>
             </a:pPr>
             <a:r>
-              <a:rPr lang="en" sz="2400"/>
+              <a:rPr lang="en" sz="2400" noProof="0" smtClean="0"/>
               <a:t>=&gt; the adjacency list of </a:t>
             </a:r>
             <a:r>
-              <a:rPr lang="en" sz="2400" i="1">
+              <a:rPr lang="en" sz="2400" i="1" noProof="0" smtClean="0">
                 <a:solidFill>
                   <a:srgbClr val="0B5394"/>
                 </a:solidFill>
@@ -11393,11 +11325,11 @@
               <a:t>i</a:t>
             </a:r>
             <a:r>
-              <a:rPr lang="en" sz="2400"/>
+              <a:rPr lang="en" sz="2400" noProof="0" smtClean="0"/>
               <a:t> contains node </a:t>
             </a:r>
             <a:r>
-              <a:rPr lang="en" sz="2400" i="1">
+              <a:rPr lang="en" sz="2400" i="1" noProof="0" smtClean="0">
                 <a:solidFill>
                   <a:srgbClr val="1155CC"/>
                 </a:solidFill>
@@ -11405,11 +11337,11 @@
               <a:t>j</a:t>
             </a:r>
             <a:r>
-              <a:rPr lang="en" sz="2400"/>
+              <a:rPr lang="en" sz="2400" noProof="0" smtClean="0"/>
               <a:t> and </a:t>
             </a:r>
             <a:r>
-              <a:rPr lang="en" sz="2400">
+              <a:rPr lang="en" sz="2400" noProof="0" smtClean="0">
                 <a:solidFill>
                   <a:srgbClr val="990000"/>
                 </a:solidFill>
@@ -11417,13 +11349,13 @@
               <a:t>vice versa</a:t>
             </a:r>
             <a:br>
-              <a:rPr lang="en" sz="2400">
+              <a:rPr lang="en" sz="2400" noProof="0" smtClean="0">
                 <a:solidFill>
                   <a:srgbClr val="990000"/>
                 </a:solidFill>
               </a:rPr>
             </a:br>
-            <a:endParaRPr lang="en" sz="2400">
+            <a:endParaRPr lang="en" sz="2400" noProof="0" smtClean="0">
               <a:solidFill>
                 <a:srgbClr val="990000"/>
               </a:solidFill>
@@ -11442,11 +11374,11 @@
               <a:buChar char="●"/>
             </a:pPr>
             <a:r>
-              <a:rPr lang="en" sz="2400"/>
+              <a:rPr lang="en" sz="2400" noProof="0" smtClean="0"/>
               <a:t>Often </a:t>
             </a:r>
             <a:r>
-              <a:rPr lang="en" sz="2400">
+              <a:rPr lang="en" sz="2400" noProof="0" smtClean="0">
                 <a:solidFill>
                   <a:srgbClr val="990000"/>
                 </a:solidFill>
@@ -11467,11 +11399,11 @@
               <a:buChar char="o"/>
             </a:pPr>
             <a:r>
-              <a:rPr lang="en" sz="2400"/>
+              <a:rPr lang="en" sz="2400" noProof="0" smtClean="0"/>
               <a:t>Exploiting </a:t>
             </a:r>
             <a:r>
-              <a:rPr lang="en" sz="2400">
+              <a:rPr lang="en" sz="2400" noProof="0" smtClean="0">
                 <a:solidFill>
                   <a:srgbClr val="990000"/>
                 </a:solidFill>
@@ -11479,11 +11411,11 @@
               <a:t>regularities</a:t>
             </a:r>
             <a:r>
-              <a:rPr lang="en" sz="2400"/>
+              <a:rPr lang="en" sz="2400" noProof="0" smtClean="0"/>
               <a:t> in graphs, </a:t>
             </a:r>
             <a:r>
-              <a:rPr lang="en" sz="2400">
+              <a:rPr lang="en" sz="2400" noProof="0" smtClean="0">
                 <a:solidFill>
                   <a:srgbClr val="990000"/>
                 </a:solidFill>
@@ -11491,7 +11423,7 @@
               <a:t>difference</a:t>
             </a:r>
             <a:r>
-              <a:rPr lang="en" sz="2400"/>
+              <a:rPr lang="en" sz="2400" noProof="0" smtClean="0"/>
               <a:t> from other nodes, …</a:t>
             </a:r>
           </a:p>
@@ -11502,7 +11434,7 @@
               </a:spcBef>
               <a:buNone/>
             </a:pPr>
-            <a:endParaRPr sz="2400"/>
+            <a:endParaRPr lang="en" sz="2400" noProof="0"/>
           </a:p>
         </p:txBody>
       </p:sp>
@@ -11569,7 +11501,7 @@
               <a:buNone/>
             </a:pPr>
             <a:r>
-              <a:rPr lang="en" sz="2400"/>
+              <a:rPr lang="en" sz="2400" noProof="0"/>
               <a:t>Adjacency List: Example</a:t>
             </a:r>
           </a:p>
@@ -11612,7 +11544,7 @@
               <a:buChar char="●"/>
             </a:pPr>
             <a:r>
-              <a:rPr lang="en" sz="2400"/>
+              <a:rPr lang="en" sz="2400" noProof="0" smtClean="0"/>
               <a:t>Pros:</a:t>
             </a:r>
           </a:p>
@@ -11629,7 +11561,7 @@
               <a:buChar char="o"/>
             </a:pPr>
             <a:r>
-              <a:rPr lang="en" sz="2400"/>
+              <a:rPr lang="en" sz="2400" noProof="0" smtClean="0"/>
               <a:t>Getting the neighbours of a node</a:t>
             </a:r>
           </a:p>
@@ -11646,11 +11578,11 @@
               <a:buChar char="o"/>
             </a:pPr>
             <a:r>
-              <a:rPr lang="en" sz="2400"/>
+              <a:rPr lang="en" sz="2400" noProof="0" smtClean="0"/>
               <a:t>Cheap </a:t>
             </a:r>
             <a:r>
-              <a:rPr lang="en" sz="2400">
+              <a:rPr lang="en" sz="2400" noProof="0" smtClean="0">
                 <a:solidFill>
                   <a:srgbClr val="990000"/>
                 </a:solidFill>
@@ -11658,11 +11590,11 @@
               <a:t>addition</a:t>
             </a:r>
             <a:r>
-              <a:rPr lang="en" sz="2400"/>
+              <a:rPr lang="en" sz="2400" noProof="0" smtClean="0"/>
               <a:t> of </a:t>
             </a:r>
             <a:r>
-              <a:rPr lang="en" sz="2400">
+              <a:rPr lang="en" sz="2400" noProof="0" smtClean="0">
                 <a:solidFill>
                   <a:srgbClr val="990000"/>
                 </a:solidFill>
@@ -11683,11 +11615,11 @@
               <a:buChar char="o"/>
             </a:pPr>
             <a:r>
-              <a:rPr lang="en" sz="2400"/>
+              <a:rPr lang="en" sz="2400" noProof="0" smtClean="0"/>
               <a:t>More </a:t>
             </a:r>
             <a:r>
-              <a:rPr lang="en" sz="2400">
+              <a:rPr lang="en" sz="2400" noProof="0" smtClean="0">
                 <a:solidFill>
                   <a:srgbClr val="990000"/>
                 </a:solidFill>
@@ -11695,11 +11627,11 @@
               <a:t>compact</a:t>
             </a:r>
             <a:r>
-              <a:rPr lang="en" sz="2400"/>
+              <a:rPr lang="en" sz="2400" noProof="0" smtClean="0"/>
               <a:t> representation of </a:t>
             </a:r>
             <a:r>
-              <a:rPr lang="en" sz="2400">
+              <a:rPr lang="en" sz="2400" noProof="0" smtClean="0">
                 <a:solidFill>
                   <a:srgbClr val="990000"/>
                 </a:solidFill>
@@ -11707,13 +11639,13 @@
               <a:t>sparse</a:t>
             </a:r>
             <a:r>
-              <a:rPr lang="en" sz="2400"/>
+              <a:rPr lang="en" sz="2400" noProof="0" smtClean="0"/>
               <a:t> graphs</a:t>
             </a:r>
             <a:br>
-              <a:rPr lang="en" sz="2400"/>
+              <a:rPr lang="en" sz="2400" noProof="0" smtClean="0"/>
             </a:br>
-            <a:endParaRPr lang="en" sz="2400"/>
+            <a:endParaRPr lang="en" sz="2400" noProof="0" smtClean="0"/>
           </a:p>
           <a:p>
             <a:pPr marL="457200" lvl="0" indent="-419100" rtl="0">
@@ -11728,7 +11660,7 @@
               <a:buChar char="●"/>
             </a:pPr>
             <a:r>
-              <a:rPr lang="en" sz="2400"/>
+              <a:rPr lang="en" sz="2400" noProof="0" smtClean="0"/>
               <a:t>Cons:</a:t>
             </a:r>
           </a:p>
@@ -11745,7 +11677,7 @@
               <a:buChar char="o"/>
             </a:pPr>
             <a:r>
-              <a:rPr lang="en" sz="2400">
+              <a:rPr lang="en" sz="2400" noProof="0" smtClean="0">
                 <a:solidFill>
                   <a:srgbClr val="990000"/>
                 </a:solidFill>
@@ -11753,11 +11685,11 @@
               <a:t>Checking</a:t>
             </a:r>
             <a:r>
-              <a:rPr lang="en" sz="2400"/>
+              <a:rPr lang="en" sz="2400" noProof="0" smtClean="0"/>
               <a:t> if there is an </a:t>
             </a:r>
             <a:r>
-              <a:rPr lang="en" sz="2400">
+              <a:rPr lang="en" sz="2400" noProof="0" smtClean="0">
                 <a:solidFill>
                   <a:srgbClr val="990000"/>
                 </a:solidFill>
@@ -11765,7 +11697,7 @@
               <a:t>edge</a:t>
             </a:r>
             <a:r>
-              <a:rPr lang="en" sz="2400"/>
+              <a:rPr lang="en" sz="2400" noProof="0" smtClean="0"/>
               <a:t> between two nodes</a:t>
             </a:r>
           </a:p>
@@ -11782,7 +11714,7 @@
               <a:buChar char="§"/>
             </a:pPr>
             <a:r>
-              <a:rPr lang="en" sz="2400">
+              <a:rPr lang="en" sz="2400" noProof="0" smtClean="0">
                 <a:solidFill>
                   <a:srgbClr val="990000"/>
                 </a:solidFill>
@@ -11790,7 +11722,7 @@
               <a:t>Optimization</a:t>
             </a:r>
             <a:r>
-              <a:rPr lang="en" sz="2400"/>
+              <a:rPr lang="en" sz="2400" noProof="0" smtClean="0"/>
               <a:t>: sorted lists =&gt; logarithmic scan, but also logarithmic insertion</a:t>
             </a:r>
           </a:p>
@@ -11801,7 +11733,7 @@
               </a:spcBef>
               <a:buNone/>
             </a:pPr>
-            <a:endParaRPr sz="2400"/>
+            <a:endParaRPr lang="en" sz="2400" noProof="0"/>
           </a:p>
         </p:txBody>
       </p:sp>
@@ -11884,6 +11816,792 @@
   <p:cSld>
     <p:spTree>
       <p:nvGrpSpPr>
+        <p:cNvPr id="1" name=""/>
+        <p:cNvGrpSpPr/>
+        <p:nvPr/>
+      </p:nvGrpSpPr>
+      <p:grpSpPr>
+        <a:xfrm>
+          <a:off x="0" y="0"/>
+          <a:ext cx="0" cy="0"/>
+          <a:chOff x="0" y="0"/>
+          <a:chExt cx="0" cy="0"/>
+        </a:xfrm>
+      </p:grpSpPr>
+      <p:sp>
+        <p:nvSpPr>
+          <p:cNvPr id="2" name="Title 1"/>
+          <p:cNvSpPr>
+            <a:spLocks noGrp="1"/>
+          </p:cNvSpPr>
+          <p:nvPr>
+            <p:ph type="title"/>
+          </p:nvPr>
+        </p:nvSpPr>
+        <p:spPr/>
+        <p:txBody>
+          <a:bodyPr>
+            <a:normAutofit fontScale="90000"/>
+          </a:bodyPr>
+          <a:lstStyle/>
+          <a:p>
+            <a:r>
+              <a:rPr lang="en" noProof="0" smtClean="0"/>
+              <a:t>Excersice </a:t>
+            </a:r>
+            <a:endParaRPr lang="en" noProof="0"/>
+          </a:p>
+        </p:txBody>
+      </p:sp>
+      <p:sp>
+        <p:nvSpPr>
+          <p:cNvPr id="3" name="Text Placeholder 2"/>
+          <p:cNvSpPr>
+            <a:spLocks noGrp="1"/>
+          </p:cNvSpPr>
+          <p:nvPr>
+            <p:ph type="body" idx="1"/>
+          </p:nvPr>
+        </p:nvSpPr>
+        <p:spPr/>
+        <p:txBody>
+          <a:bodyPr/>
+          <a:lstStyle/>
+          <a:p>
+            <a:r>
+              <a:rPr lang="en" noProof="0" dirty="0" smtClean="0"/>
+              <a:t>Given the following </a:t>
+            </a:r>
+            <a:r>
+              <a:rPr lang="en-US" noProof="0" dirty="0" err="1" smtClean="0"/>
+              <a:t>directe</a:t>
+            </a:r>
+            <a:r>
+              <a:rPr lang="en-US" dirty="0" smtClean="0"/>
+              <a:t>d </a:t>
+            </a:r>
+            <a:r>
+              <a:rPr lang="en" noProof="0" dirty="0" smtClean="0"/>
+              <a:t>graph:</a:t>
+            </a:r>
+          </a:p>
+          <a:p>
+            <a:endParaRPr lang="en-US" noProof="0" dirty="0" smtClean="0"/>
+          </a:p>
+          <a:p>
+            <a:endParaRPr lang="en-US" dirty="0"/>
+          </a:p>
+          <a:p>
+            <a:endParaRPr lang="en-US" noProof="0" dirty="0" smtClean="0"/>
+          </a:p>
+          <a:p>
+            <a:endParaRPr lang="en-US" dirty="0"/>
+          </a:p>
+          <a:p>
+            <a:endParaRPr lang="en" noProof="0" dirty="0" smtClean="0"/>
+          </a:p>
+          <a:p>
+            <a:r>
+              <a:rPr lang="en" noProof="0" dirty="0" smtClean="0"/>
+              <a:t>Write the adjancecy matrix and list of it</a:t>
+            </a:r>
+            <a:r>
+              <a:rPr lang="en-US" noProof="0" dirty="0" smtClean="0"/>
+              <a:t>.</a:t>
+            </a:r>
+            <a:r>
+              <a:rPr lang="en" noProof="0" dirty="0" smtClean="0"/>
+              <a:t> </a:t>
+            </a:r>
+            <a:endParaRPr lang="en" noProof="0" dirty="0"/>
+          </a:p>
+        </p:txBody>
+      </p:sp>
+      <p:pic>
+        <p:nvPicPr>
+          <p:cNvPr id="4" name="Picture 3" descr="Screen Shot 2015-10-12 at 19.57.01.png"/>
+          <p:cNvPicPr>
+            <a:picLocks noChangeAspect="1"/>
+          </p:cNvPicPr>
+          <p:nvPr/>
+        </p:nvPicPr>
+        <p:blipFill rotWithShape="1">
+          <a:blip r:embed="rId2">
+            <a:extLst>
+              <a:ext uri="{28A0092B-C50C-407E-A947-70E740481C1C}">
+                <a14:useLocalDpi xmlns:a14="http://schemas.microsoft.com/office/drawing/2010/main" val="0"/>
+              </a:ext>
+            </a:extLst>
+          </a:blip>
+          <a:srcRect t="22304"/>
+          <a:stretch/>
+        </p:blipFill>
+        <p:spPr>
+          <a:xfrm>
+            <a:off x="1408001" y="2075697"/>
+            <a:ext cx="4258992" cy="2125943"/>
+          </a:xfrm>
+          <a:prstGeom prst="rect">
+            <a:avLst/>
+          </a:prstGeom>
+        </p:spPr>
+      </p:pic>
+    </p:spTree>
+    <p:extLst>
+      <p:ext uri="{BB962C8B-B14F-4D97-AF65-F5344CB8AC3E}">
+        <p14:creationId xmlns:p14="http://schemas.microsoft.com/office/powerpoint/2010/main" val="3445488927"/>
+      </p:ext>
+    </p:extLst>
+  </p:cSld>
+  <p:clrMapOvr>
+    <a:masterClrMapping/>
+  </p:clrMapOvr>
+</p:sld>
+</file>
+
+<file path=ppt/slides/slide19.xml><?xml version="1.0" encoding="utf-8"?>
+<p:sld xmlns:a="http://schemas.openxmlformats.org/drawingml/2006/main" xmlns:r="http://schemas.openxmlformats.org/officeDocument/2006/relationships" xmlns:p="http://schemas.openxmlformats.org/presentationml/2006/main">
+  <p:cSld>
+    <p:spTree>
+      <p:nvGrpSpPr>
+        <p:cNvPr id="1" name=""/>
+        <p:cNvGrpSpPr/>
+        <p:nvPr/>
+      </p:nvGrpSpPr>
+      <p:grpSpPr>
+        <a:xfrm>
+          <a:off x="0" y="0"/>
+          <a:ext cx="0" cy="0"/>
+          <a:chOff x="0" y="0"/>
+          <a:chExt cx="0" cy="0"/>
+        </a:xfrm>
+      </p:grpSpPr>
+      <p:sp>
+        <p:nvSpPr>
+          <p:cNvPr id="2" name="Title 1"/>
+          <p:cNvSpPr>
+            <a:spLocks noGrp="1"/>
+          </p:cNvSpPr>
+          <p:nvPr>
+            <p:ph type="title"/>
+          </p:nvPr>
+        </p:nvSpPr>
+        <p:spPr/>
+        <p:txBody>
+          <a:bodyPr>
+            <a:normAutofit fontScale="90000"/>
+          </a:bodyPr>
+          <a:lstStyle/>
+          <a:p>
+            <a:r>
+              <a:rPr lang="nl-NL" dirty="0" smtClean="0"/>
+              <a:t>Solution</a:t>
+            </a:r>
+            <a:endParaRPr lang="nl-NL" dirty="0"/>
+          </a:p>
+        </p:txBody>
+      </p:sp>
+      <p:sp>
+        <p:nvSpPr>
+          <p:cNvPr id="3" name="Text Placeholder 2"/>
+          <p:cNvSpPr>
+            <a:spLocks noGrp="1"/>
+          </p:cNvSpPr>
+          <p:nvPr>
+            <p:ph type="body" idx="1"/>
+          </p:nvPr>
+        </p:nvSpPr>
+        <p:spPr/>
+        <p:txBody>
+          <a:bodyPr/>
+          <a:lstStyle/>
+          <a:p>
+            <a:endParaRPr lang="nl-NL" dirty="0"/>
+          </a:p>
+        </p:txBody>
+      </p:sp>
+      <p:pic>
+        <p:nvPicPr>
+          <p:cNvPr id="4" name="Picture 3" descr="Screen Shot 2015-10-12 at 19.57.12.png"/>
+          <p:cNvPicPr>
+            <a:picLocks noChangeAspect="1"/>
+          </p:cNvPicPr>
+          <p:nvPr/>
+        </p:nvPicPr>
+        <p:blipFill>
+          <a:blip r:embed="rId2">
+            <a:extLst>
+              <a:ext uri="{28A0092B-C50C-407E-A947-70E740481C1C}">
+                <a14:useLocalDpi xmlns:a14="http://schemas.microsoft.com/office/drawing/2010/main" val="0"/>
+              </a:ext>
+            </a:extLst>
+          </a:blip>
+          <a:stretch>
+            <a:fillRect/>
+          </a:stretch>
+        </p:blipFill>
+        <p:spPr>
+          <a:xfrm>
+            <a:off x="704886" y="1229032"/>
+            <a:ext cx="3218339" cy="3940027"/>
+          </a:xfrm>
+          <a:prstGeom prst="rect">
+            <a:avLst/>
+          </a:prstGeom>
+        </p:spPr>
+      </p:pic>
+      <p:pic>
+        <p:nvPicPr>
+          <p:cNvPr id="5" name="Picture 4" descr="Screen Shot 2015-10-12 at 19.57.20.png"/>
+          <p:cNvPicPr>
+            <a:picLocks noChangeAspect="1"/>
+          </p:cNvPicPr>
+          <p:nvPr/>
+        </p:nvPicPr>
+        <p:blipFill>
+          <a:blip r:embed="rId3">
+            <a:extLst>
+              <a:ext uri="{28A0092B-C50C-407E-A947-70E740481C1C}">
+                <a14:useLocalDpi xmlns:a14="http://schemas.microsoft.com/office/drawing/2010/main" val="0"/>
+              </a:ext>
+            </a:extLst>
+          </a:blip>
+          <a:stretch>
+            <a:fillRect/>
+          </a:stretch>
+        </p:blipFill>
+        <p:spPr>
+          <a:xfrm>
+            <a:off x="4161895" y="1058025"/>
+            <a:ext cx="2802362" cy="4302218"/>
+          </a:xfrm>
+          <a:prstGeom prst="rect">
+            <a:avLst/>
+          </a:prstGeom>
+        </p:spPr>
+      </p:pic>
+    </p:spTree>
+    <p:extLst>
+      <p:ext uri="{BB962C8B-B14F-4D97-AF65-F5344CB8AC3E}">
+        <p14:creationId xmlns:p14="http://schemas.microsoft.com/office/powerpoint/2010/main" val="3215809257"/>
+      </p:ext>
+    </p:extLst>
+  </p:cSld>
+  <p:clrMapOvr>
+    <a:masterClrMapping/>
+  </p:clrMapOvr>
+</p:sld>
+</file>
+
+<file path=ppt/slides/slide2.xml><?xml version="1.0" encoding="utf-8"?>
+<p:sld xmlns:a="http://schemas.openxmlformats.org/drawingml/2006/main" xmlns:r="http://schemas.openxmlformats.org/officeDocument/2006/relationships" xmlns:p="http://schemas.openxmlformats.org/presentationml/2006/main">
+  <p:cSld>
+    <p:spTree>
+      <p:nvGrpSpPr>
+        <p:cNvPr id="1" name="Shape 63"/>
+        <p:cNvGrpSpPr/>
+        <p:nvPr/>
+      </p:nvGrpSpPr>
+      <p:grpSpPr>
+        <a:xfrm>
+          <a:off x="0" y="0"/>
+          <a:ext cx="0" cy="0"/>
+          <a:chOff x="0" y="0"/>
+          <a:chExt cx="0" cy="0"/>
+        </a:xfrm>
+      </p:grpSpPr>
+      <p:sp>
+        <p:nvSpPr>
+          <p:cNvPr id="64" name="Shape 64"/>
+          <p:cNvSpPr txBox="1">
+            <a:spLocks noGrp="1"/>
+          </p:cNvSpPr>
+          <p:nvPr>
+            <p:ph type="title"/>
+          </p:nvPr>
+        </p:nvSpPr>
+        <p:spPr>
+          <a:prstGeom prst="rect">
+            <a:avLst/>
+          </a:prstGeom>
+        </p:spPr>
+        <p:txBody>
+          <a:bodyPr lIns="91425" tIns="91425" rIns="91425" bIns="91425" anchor="b" anchorCtr="0">
+            <a:noAutofit/>
+          </a:bodyPr>
+          <a:lstStyle/>
+          <a:p>
+            <a:pPr>
+              <a:spcBef>
+                <a:spcPts val="0"/>
+              </a:spcBef>
+              <a:buNone/>
+            </a:pPr>
+            <a:r>
+              <a:rPr lang="en" sz="2400" noProof="0"/>
+              <a:t>Agenda</a:t>
+            </a:r>
+          </a:p>
+        </p:txBody>
+      </p:sp>
+      <p:sp>
+        <p:nvSpPr>
+          <p:cNvPr id="65" name="Shape 65"/>
+          <p:cNvSpPr txBox="1">
+            <a:spLocks noGrp="1"/>
+          </p:cNvSpPr>
+          <p:nvPr>
+            <p:ph type="body" idx="1"/>
+          </p:nvPr>
+        </p:nvSpPr>
+        <p:spPr>
+          <a:prstGeom prst="rect">
+            <a:avLst/>
+          </a:prstGeom>
+        </p:spPr>
+        <p:txBody>
+          <a:bodyPr lIns="91425" tIns="91425" rIns="91425" bIns="91425" anchor="t" anchorCtr="0">
+            <a:noAutofit/>
+          </a:bodyPr>
+          <a:lstStyle/>
+          <a:p>
+            <a:pPr marL="457200" marR="0" lvl="0" indent="-419100" algn="l" rtl="0">
+              <a:lnSpc>
+                <a:spcPct val="100000"/>
+              </a:lnSpc>
+              <a:spcBef>
+                <a:spcPts val="600"/>
+              </a:spcBef>
+              <a:spcAft>
+                <a:spcPts val="0"/>
+              </a:spcAft>
+              <a:buClr>
+                <a:srgbClr val="000000"/>
+              </a:buClr>
+              <a:buSzPct val="100000"/>
+              <a:buFont typeface="Arial"/>
+              <a:buChar char="●"/>
+            </a:pPr>
+            <a:r>
+              <a:rPr lang="en" sz="1800" noProof="0" smtClean="0">
+                <a:solidFill>
+                  <a:srgbClr val="000000"/>
+                </a:solidFill>
+              </a:rPr>
+              <a:t>Graph Databases: </a:t>
+            </a:r>
+            <a:r>
+              <a:rPr lang="en" sz="1800" noProof="0" smtClean="0">
+                <a:solidFill>
+                  <a:srgbClr val="990000"/>
+                </a:solidFill>
+              </a:rPr>
+              <a:t>Mission</a:t>
+            </a:r>
+            <a:r>
+              <a:rPr lang="en" sz="1800" noProof="0" smtClean="0">
+                <a:solidFill>
+                  <a:srgbClr val="000000"/>
+                </a:solidFill>
+              </a:rPr>
+              <a:t>, Data, Example</a:t>
+            </a:r>
+          </a:p>
+          <a:p>
+            <a:pPr marL="457200" marR="0" lvl="0" indent="-419100" algn="l" rtl="0">
+              <a:lnSpc>
+                <a:spcPct val="100000"/>
+              </a:lnSpc>
+              <a:spcBef>
+                <a:spcPts val="600"/>
+              </a:spcBef>
+              <a:spcAft>
+                <a:spcPts val="0"/>
+              </a:spcAft>
+              <a:buClr>
+                <a:srgbClr val="000000"/>
+              </a:buClr>
+              <a:buSzPct val="100000"/>
+              <a:buFont typeface="Arial"/>
+              <a:buChar char="●"/>
+            </a:pPr>
+            <a:r>
+              <a:rPr lang="en" sz="1800" noProof="0" smtClean="0">
+                <a:solidFill>
+                  <a:srgbClr val="000000"/>
+                </a:solidFill>
+              </a:rPr>
+              <a:t>A Bit of </a:t>
+            </a:r>
+            <a:r>
+              <a:rPr lang="en" sz="1800" noProof="0" smtClean="0">
+                <a:solidFill>
+                  <a:srgbClr val="990000"/>
+                </a:solidFill>
+              </a:rPr>
+              <a:t>Graph Theory</a:t>
+            </a:r>
+          </a:p>
+          <a:p>
+            <a:pPr marL="914400" marR="0" lvl="1" indent="-381000" algn="l" rtl="0">
+              <a:lnSpc>
+                <a:spcPct val="100000"/>
+              </a:lnSpc>
+              <a:spcBef>
+                <a:spcPts val="600"/>
+              </a:spcBef>
+              <a:spcAft>
+                <a:spcPts val="0"/>
+              </a:spcAft>
+              <a:buClr>
+                <a:srgbClr val="000000"/>
+              </a:buClr>
+              <a:buSzPct val="80000"/>
+              <a:buFont typeface="Courier New"/>
+              <a:buChar char="o"/>
+            </a:pPr>
+            <a:r>
+              <a:rPr lang="en" sz="1800" noProof="0" smtClean="0">
+                <a:solidFill>
+                  <a:srgbClr val="000000"/>
+                </a:solidFill>
+              </a:rPr>
+              <a:t>Graph </a:t>
+            </a:r>
+            <a:r>
+              <a:rPr lang="en" sz="1800" noProof="0" smtClean="0">
+                <a:solidFill>
+                  <a:srgbClr val="990000"/>
+                </a:solidFill>
+              </a:rPr>
+              <a:t>Representations</a:t>
+            </a:r>
+          </a:p>
+          <a:p>
+            <a:pPr marL="914400" marR="0" lvl="1" indent="-381000" algn="l" rtl="0">
+              <a:lnSpc>
+                <a:spcPct val="100000"/>
+              </a:lnSpc>
+              <a:spcBef>
+                <a:spcPts val="600"/>
+              </a:spcBef>
+              <a:spcAft>
+                <a:spcPts val="0"/>
+              </a:spcAft>
+              <a:buClr>
+                <a:srgbClr val="000000"/>
+              </a:buClr>
+              <a:buSzPct val="80000"/>
+              <a:buFont typeface="Courier New"/>
+              <a:buChar char="o"/>
+            </a:pPr>
+            <a:r>
+              <a:rPr lang="en" sz="1800" noProof="0" smtClean="0">
+                <a:solidFill>
+                  <a:srgbClr val="000000"/>
+                </a:solidFill>
+              </a:rPr>
+              <a:t>Improving Data </a:t>
+            </a:r>
+            <a:r>
+              <a:rPr lang="en" sz="1800" noProof="0" smtClean="0">
+                <a:solidFill>
+                  <a:srgbClr val="990000"/>
+                </a:solidFill>
+              </a:rPr>
+              <a:t>Locality</a:t>
+            </a:r>
+            <a:r>
+              <a:rPr lang="en" sz="1800" noProof="0" smtClean="0">
+                <a:solidFill>
+                  <a:srgbClr val="000000"/>
+                </a:solidFill>
+              </a:rPr>
+              <a:t> (efficient storage)</a:t>
+            </a:r>
+          </a:p>
+          <a:p>
+            <a:pPr marL="914400" marR="0" lvl="1" indent="-381000" algn="l" rtl="0">
+              <a:lnSpc>
+                <a:spcPct val="100000"/>
+              </a:lnSpc>
+              <a:spcBef>
+                <a:spcPts val="600"/>
+              </a:spcBef>
+              <a:spcAft>
+                <a:spcPts val="0"/>
+              </a:spcAft>
+              <a:buClr>
+                <a:srgbClr val="000000"/>
+              </a:buClr>
+              <a:buSzPct val="80000"/>
+              <a:buFont typeface="Courier New"/>
+              <a:buChar char="o"/>
+            </a:pPr>
+            <a:r>
+              <a:rPr lang="en" sz="1800" noProof="0" smtClean="0">
+                <a:solidFill>
+                  <a:srgbClr val="000000"/>
+                </a:solidFill>
+              </a:rPr>
+              <a:t>Graph </a:t>
+            </a:r>
+            <a:r>
+              <a:rPr lang="en" sz="1800" noProof="0" smtClean="0">
+                <a:solidFill>
+                  <a:srgbClr val="990000"/>
+                </a:solidFill>
+              </a:rPr>
+              <a:t>Partitioning </a:t>
+            </a:r>
+            <a:r>
+              <a:rPr lang="en" sz="1800" noProof="0" smtClean="0">
+                <a:solidFill>
+                  <a:srgbClr val="000000"/>
+                </a:solidFill>
+              </a:rPr>
+              <a:t>and </a:t>
+            </a:r>
+            <a:r>
+              <a:rPr lang="en" sz="1800" noProof="0" smtClean="0">
+                <a:solidFill>
+                  <a:srgbClr val="990000"/>
+                </a:solidFill>
+              </a:rPr>
+              <a:t>Traversal </a:t>
+            </a:r>
+            <a:r>
+              <a:rPr lang="en" sz="1800" noProof="0" smtClean="0">
+                <a:solidFill>
+                  <a:srgbClr val="000000"/>
+                </a:solidFill>
+              </a:rPr>
+              <a:t>Algorithm</a:t>
+            </a:r>
+          </a:p>
+          <a:p>
+            <a:pPr marL="914400" marR="0" lvl="1" indent="-381000" algn="l" rtl="0">
+              <a:lnSpc>
+                <a:spcPct val="100000"/>
+              </a:lnSpc>
+              <a:spcBef>
+                <a:spcPts val="600"/>
+              </a:spcBef>
+              <a:spcAft>
+                <a:spcPts val="0"/>
+              </a:spcAft>
+              <a:buClr>
+                <a:srgbClr val="000000"/>
+              </a:buClr>
+              <a:buSzPct val="80000"/>
+              <a:buFont typeface="Courier New"/>
+              <a:buChar char="o"/>
+            </a:pPr>
+            <a:r>
+              <a:rPr lang="en" sz="1800" noProof="0" smtClean="0">
+                <a:solidFill>
+                  <a:srgbClr val="000000"/>
+                </a:solidFill>
+              </a:rPr>
+              <a:t>Types of </a:t>
+            </a:r>
+            <a:r>
+              <a:rPr lang="en" sz="1800" noProof="0" smtClean="0">
+                <a:solidFill>
+                  <a:srgbClr val="990000"/>
+                </a:solidFill>
+              </a:rPr>
+              <a:t>Queries</a:t>
+            </a:r>
+          </a:p>
+          <a:p>
+            <a:pPr marL="457200" marR="0" lvl="0" indent="-419100" algn="l" rtl="0">
+              <a:lnSpc>
+                <a:spcPct val="100000"/>
+              </a:lnSpc>
+              <a:spcBef>
+                <a:spcPts val="600"/>
+              </a:spcBef>
+              <a:spcAft>
+                <a:spcPts val="0"/>
+              </a:spcAft>
+              <a:buClr>
+                <a:srgbClr val="000000"/>
+              </a:buClr>
+              <a:buSzPct val="100000"/>
+              <a:buFont typeface="Arial"/>
+              <a:buChar char="●"/>
+            </a:pPr>
+            <a:r>
+              <a:rPr lang="en" sz="1800" noProof="0" smtClean="0">
+                <a:solidFill>
+                  <a:srgbClr val="000000"/>
+                </a:solidFill>
+              </a:rPr>
+              <a:t>Graph Databases</a:t>
+            </a:r>
+          </a:p>
+          <a:p>
+            <a:pPr marL="457200" lvl="0" indent="-419100">
+              <a:buClr>
+                <a:srgbClr val="000000"/>
+              </a:buClr>
+              <a:buSzPct val="100000"/>
+              <a:buFont typeface="Arial"/>
+              <a:buChar char="●"/>
+            </a:pPr>
+            <a:r>
+              <a:rPr lang="en" sz="1800" noProof="0" smtClean="0">
+                <a:solidFill>
+                  <a:srgbClr val="0B5394"/>
+                </a:solidFill>
+              </a:rPr>
+              <a:t>Neo4j</a:t>
+            </a:r>
+            <a:r>
+              <a:rPr lang="en" sz="1800" noProof="0" smtClean="0">
+                <a:solidFill>
+                  <a:srgbClr val="000000"/>
+                </a:solidFill>
+              </a:rPr>
+              <a:t> </a:t>
+            </a:r>
+          </a:p>
+          <a:p>
+            <a:pPr marL="914400" lvl="1" indent="-381000">
+              <a:spcBef>
+                <a:spcPts val="600"/>
+              </a:spcBef>
+              <a:buClr>
+                <a:srgbClr val="000000"/>
+              </a:buClr>
+              <a:buSzPct val="80000"/>
+              <a:buFont typeface="Courier New"/>
+              <a:buChar char="o"/>
+            </a:pPr>
+            <a:r>
+              <a:rPr lang="en" sz="1800" noProof="0" smtClean="0">
+                <a:solidFill>
+                  <a:srgbClr val="000000"/>
+                </a:solidFill>
+              </a:rPr>
+              <a:t>Data </a:t>
+            </a:r>
+            <a:r>
+              <a:rPr lang="en" sz="1800" noProof="0" smtClean="0">
+                <a:solidFill>
+                  <a:srgbClr val="990000"/>
+                </a:solidFill>
+              </a:rPr>
+              <a:t>model</a:t>
+            </a:r>
+            <a:endParaRPr lang="en" sz="1800" noProof="0" smtClean="0">
+              <a:solidFill>
+                <a:srgbClr val="000000"/>
+              </a:solidFill>
+            </a:endParaRPr>
+          </a:p>
+          <a:p>
+            <a:pPr marL="914400" lvl="1" indent="-381000">
+              <a:spcBef>
+                <a:spcPts val="600"/>
+              </a:spcBef>
+              <a:buClr>
+                <a:srgbClr val="000000"/>
+              </a:buClr>
+              <a:buSzPct val="80000"/>
+              <a:buFont typeface="Courier New"/>
+              <a:buChar char="o"/>
+            </a:pPr>
+            <a:r>
+              <a:rPr lang="en" sz="1800" noProof="0" smtClean="0">
+                <a:solidFill>
+                  <a:srgbClr val="990000"/>
+                </a:solidFill>
+              </a:rPr>
+              <a:t>Traversal </a:t>
+            </a:r>
+            <a:r>
+              <a:rPr lang="en" sz="1800" noProof="0" smtClean="0">
+                <a:solidFill>
+                  <a:srgbClr val="000000"/>
+                </a:solidFill>
+              </a:rPr>
+              <a:t>of the graph</a:t>
+            </a:r>
+          </a:p>
+          <a:p>
+            <a:pPr marL="914400" lvl="1" indent="-381000">
+              <a:spcBef>
+                <a:spcPts val="600"/>
+              </a:spcBef>
+              <a:buClr>
+                <a:srgbClr val="000000"/>
+              </a:buClr>
+              <a:buSzPct val="80000"/>
+              <a:buFont typeface="Courier New"/>
+              <a:buChar char="o"/>
+            </a:pPr>
+            <a:r>
+              <a:rPr lang="en" sz="1800" noProof="0" smtClean="0">
+                <a:solidFill>
+                  <a:srgbClr val="990000"/>
+                </a:solidFill>
+              </a:rPr>
+              <a:t>Cypher</a:t>
+            </a:r>
+            <a:r>
+              <a:rPr lang="en" sz="1800" noProof="0" smtClean="0">
+                <a:solidFill>
+                  <a:srgbClr val="000000"/>
+                </a:solidFill>
+              </a:rPr>
+              <a:t> query </a:t>
+            </a:r>
+            <a:r>
+              <a:rPr lang="en" sz="1800" noProof="0" smtClean="0">
+                <a:solidFill>
+                  <a:srgbClr val="990000"/>
+                </a:solidFill>
+              </a:rPr>
+              <a:t>language</a:t>
+            </a:r>
+            <a:endParaRPr lang="en" sz="1800" noProof="0">
+              <a:solidFill>
+                <a:srgbClr val="990000"/>
+              </a:solidFill>
+            </a:endParaRPr>
+          </a:p>
+        </p:txBody>
+      </p:sp>
+    </p:spTree>
+    <p:extLst>
+      <p:ext uri="{BB962C8B-B14F-4D97-AF65-F5344CB8AC3E}">
+        <p14:creationId xmlns:p14="http://schemas.microsoft.com/office/powerpoint/2010/main" val="2729968699"/>
+      </p:ext>
+    </p:extLst>
+  </p:cSld>
+  <p:clrMapOvr>
+    <a:masterClrMapping/>
+  </p:clrMapOvr>
+  <p:transition xmlns:p14="http://schemas.microsoft.com/office/powerpoint/2010/main" spd="slow">
+    <p:cut/>
+  </p:transition>
+  <p:timing>
+    <p:tnLst>
+      <p:par>
+        <p:cTn xmlns:p14="http://schemas.microsoft.com/office/powerpoint/2010/main" id="1" dur="indefinite" restart="never" nodeType="tmRoot"/>
+      </p:par>
+    </p:tnLst>
+  </p:timing>
+</p:sld>
+</file>
+
+<file path=ppt/slides/slide20.xml><?xml version="1.0" encoding="utf-8"?>
+<p:sld xmlns:a="http://schemas.openxmlformats.org/drawingml/2006/main" xmlns:r="http://schemas.openxmlformats.org/officeDocument/2006/relationships" xmlns:p="http://schemas.openxmlformats.org/presentationml/2006/main">
+  <p:cSld>
+    <p:spTree>
+      <p:nvGrpSpPr>
         <p:cNvPr id="1" name="Shape 200"/>
         <p:cNvGrpSpPr/>
         <p:nvPr/>
@@ -11924,18 +12642,10 @@
               <a:buNone/>
             </a:pPr>
             <a:r>
-              <a:rPr lang="en" sz="2400" dirty="0"/>
-              <a:t>Bandwidth of a </a:t>
-            </a:r>
-            <a:r>
-              <a:rPr lang="en" sz="2400" dirty="0" smtClean="0"/>
-              <a:t>Matrix</a:t>
-            </a:r>
-            <a:r>
-              <a:rPr lang="en-US" sz="2400" dirty="0" smtClean="0"/>
-              <a:t> (optimization)</a:t>
-            </a:r>
-            <a:endParaRPr lang="en" sz="2400" dirty="0"/>
+              <a:rPr lang="en" sz="2400" noProof="0" smtClean="0"/>
+              <a:t>Bandwidth of a Matrix (optimization)</a:t>
+            </a:r>
+            <a:endParaRPr lang="en" sz="2400" noProof="0"/>
           </a:p>
         </p:txBody>
       </p:sp>
@@ -11976,7 +12686,7 @@
               <a:buChar char="●"/>
             </a:pPr>
             <a:r>
-              <a:rPr lang="en" sz="2400" dirty="0">
+              <a:rPr lang="en" sz="2400" noProof="0" smtClean="0">
                 <a:solidFill>
                   <a:srgbClr val="990000"/>
                 </a:solidFill>
@@ -11984,7 +12694,7 @@
               <a:t>Graphs</a:t>
             </a:r>
             <a:r>
-              <a:rPr lang="en" sz="2400" dirty="0"/>
+              <a:rPr lang="en" sz="2400" noProof="0" smtClean="0"/>
               <a:t> may be seen as matrices</a:t>
             </a:r>
           </a:p>
@@ -12001,11 +12711,11 @@
               <a:buChar char="o"/>
             </a:pPr>
             <a:r>
-              <a:rPr lang="en" sz="2400" dirty="0"/>
+              <a:rPr lang="en" sz="2400" noProof="0" smtClean="0"/>
               <a:t>Adjacency </a:t>
             </a:r>
             <a:r>
-              <a:rPr lang="en" sz="2400" dirty="0">
+              <a:rPr lang="en" sz="2400" noProof="0" smtClean="0">
                 <a:solidFill>
                   <a:srgbClr val="990000"/>
                 </a:solidFill>
@@ -12026,11 +12736,11 @@
               <a:buChar char="●"/>
             </a:pPr>
             <a:r>
-              <a:rPr lang="en" sz="2400" dirty="0"/>
+              <a:rPr lang="en" sz="2400" noProof="0" smtClean="0"/>
               <a:t>Locality problem </a:t>
             </a:r>
             <a:r>
-              <a:rPr lang="en" sz="2400" dirty="0">
+              <a:rPr lang="en" sz="2400" noProof="0" smtClean="0">
                 <a:solidFill>
                   <a:srgbClr val="990000"/>
                 </a:solidFill>
@@ -12038,7 +12748,7 @@
               <a:t>-&gt;</a:t>
             </a:r>
             <a:r>
-              <a:rPr lang="en" sz="2400" dirty="0"/>
+              <a:rPr lang="en" sz="2400" noProof="0" smtClean="0"/>
               <a:t> minimum bandwidth problem</a:t>
             </a:r>
           </a:p>
@@ -12055,7 +12765,7 @@
               <a:buChar char="o"/>
             </a:pPr>
             <a:r>
-              <a:rPr lang="en" sz="2400" dirty="0">
+              <a:rPr lang="en" sz="2400" noProof="0" smtClean="0">
                 <a:solidFill>
                   <a:srgbClr val="0B5394"/>
                 </a:solidFill>
@@ -12063,11 +12773,11 @@
               <a:t>Bandwidth of a row in a matrix</a:t>
             </a:r>
             <a:r>
-              <a:rPr lang="en" sz="2400" dirty="0"/>
+              <a:rPr lang="en" sz="2400" noProof="0" smtClean="0"/>
               <a:t> = the </a:t>
             </a:r>
             <a:r>
-              <a:rPr lang="en" sz="2400" dirty="0">
+              <a:rPr lang="en" sz="2400" noProof="0" smtClean="0">
                 <a:solidFill>
                   <a:srgbClr val="990000"/>
                 </a:solidFill>
@@ -12075,11 +12785,11 @@
               <a:t>maximum distance</a:t>
             </a:r>
             <a:r>
-              <a:rPr lang="en" sz="2400" dirty="0"/>
+              <a:rPr lang="en" sz="2400" noProof="0" smtClean="0"/>
               <a:t> between </a:t>
             </a:r>
             <a:r>
-              <a:rPr lang="en" sz="2400" dirty="0">
+              <a:rPr lang="en" sz="2400" noProof="0" smtClean="0">
                 <a:solidFill>
                   <a:srgbClr val="990000"/>
                 </a:solidFill>
@@ -12087,11 +12797,11 @@
               <a:t>nonzero elements</a:t>
             </a:r>
             <a:r>
-              <a:rPr lang="en" sz="2400" dirty="0"/>
+              <a:rPr lang="en" sz="2400" noProof="0" smtClean="0"/>
               <a:t>, where one is </a:t>
             </a:r>
             <a:r>
-              <a:rPr lang="en" sz="2400" dirty="0">
+              <a:rPr lang="en" sz="2400" noProof="0" smtClean="0">
                 <a:solidFill>
                   <a:srgbClr val="990000"/>
                 </a:solidFill>
@@ -12099,11 +12809,11 @@
               <a:t>left</a:t>
             </a:r>
             <a:r>
-              <a:rPr lang="en" sz="2400" dirty="0"/>
+              <a:rPr lang="en" sz="2400" noProof="0" smtClean="0"/>
               <a:t> of the diagonal and the other is </a:t>
             </a:r>
             <a:r>
-              <a:rPr lang="en" sz="2400" dirty="0">
+              <a:rPr lang="en" sz="2400" noProof="0" smtClean="0">
                 <a:solidFill>
                   <a:srgbClr val="990000"/>
                 </a:solidFill>
@@ -12111,7 +12821,7 @@
               <a:t>right</a:t>
             </a:r>
             <a:r>
-              <a:rPr lang="en" sz="2400" dirty="0"/>
+              <a:rPr lang="en" sz="2400" noProof="0" smtClean="0"/>
               <a:t> of the diagonal</a:t>
             </a:r>
           </a:p>
@@ -12128,7 +12838,7 @@
               <a:buChar char="o"/>
             </a:pPr>
             <a:r>
-              <a:rPr lang="en" sz="2400" dirty="0">
+              <a:rPr lang="en" sz="2400" noProof="0" smtClean="0">
                 <a:solidFill>
                   <a:srgbClr val="0B5394"/>
                 </a:solidFill>
@@ -12136,11 +12846,11 @@
               <a:t>Bandwidth of a matrix</a:t>
             </a:r>
             <a:r>
-              <a:rPr lang="en" sz="2400" dirty="0"/>
+              <a:rPr lang="en" sz="2400" noProof="0" smtClean="0"/>
               <a:t> = </a:t>
             </a:r>
             <a:r>
-              <a:rPr lang="en" sz="2400" dirty="0">
+              <a:rPr lang="en" sz="2400" noProof="0" smtClean="0">
                 <a:solidFill>
                   <a:srgbClr val="990000"/>
                 </a:solidFill>
@@ -12148,7 +12858,7 @@
               <a:t>maximum</a:t>
             </a:r>
             <a:r>
-              <a:rPr lang="en" sz="2400" dirty="0"/>
+              <a:rPr lang="en" sz="2400" noProof="0" smtClean="0"/>
               <a:t> bandwidth of its rows</a:t>
             </a:r>
           </a:p>
@@ -12165,7 +12875,7 @@
               <a:buChar char="●"/>
             </a:pPr>
             <a:r>
-              <a:rPr lang="en" sz="2400" dirty="0">
+              <a:rPr lang="en" sz="2400" noProof="0" smtClean="0">
                 <a:solidFill>
                   <a:srgbClr val="990000"/>
                 </a:solidFill>
@@ -12173,11 +12883,11 @@
               <a:t>Low bandwidth</a:t>
             </a:r>
             <a:r>
-              <a:rPr lang="en" sz="2400" dirty="0"/>
+              <a:rPr lang="en" sz="2400" noProof="0" smtClean="0"/>
               <a:t> matrices are more </a:t>
             </a:r>
             <a:r>
-              <a:rPr lang="en" sz="2400" dirty="0">
+              <a:rPr lang="en" sz="2400" noProof="0" smtClean="0">
                 <a:solidFill>
                   <a:srgbClr val="990000"/>
                 </a:solidFill>
@@ -12198,11 +12908,11 @@
               <a:buChar char="o"/>
             </a:pPr>
             <a:r>
-              <a:rPr lang="en" sz="2400" dirty="0"/>
+              <a:rPr lang="en" sz="2400" noProof="0" smtClean="0"/>
               <a:t>Non zero elements (</a:t>
             </a:r>
             <a:r>
-              <a:rPr lang="en" sz="2400" dirty="0">
+              <a:rPr lang="en" sz="2400" noProof="0" smtClean="0">
                 <a:solidFill>
                   <a:srgbClr val="990000"/>
                 </a:solidFill>
@@ -12210,11 +12920,11 @@
               <a:t>edges</a:t>
             </a:r>
             <a:r>
-              <a:rPr lang="en" sz="2400" dirty="0"/>
+              <a:rPr lang="en" sz="2400" noProof="0" smtClean="0"/>
               <a:t>) </a:t>
             </a:r>
             <a:r>
-              <a:rPr lang="en" sz="2400" dirty="0">
+              <a:rPr lang="en" sz="2400" noProof="0" smtClean="0">
                 <a:solidFill>
                   <a:srgbClr val="990000"/>
                 </a:solidFill>
@@ -12222,7 +12932,7 @@
               <a:t>clustered </a:t>
             </a:r>
             <a:r>
-              <a:rPr lang="en" sz="2400" dirty="0"/>
+              <a:rPr lang="en" sz="2400" noProof="0" smtClean="0"/>
               <a:t>about the diagonal</a:t>
             </a:r>
           </a:p>
@@ -12233,7 +12943,7 @@
               </a:spcBef>
               <a:buNone/>
             </a:pPr>
-            <a:endParaRPr sz="2400" dirty="0"/>
+            <a:endParaRPr lang="en" sz="2400" noProof="0"/>
           </a:p>
         </p:txBody>
       </p:sp>
@@ -12255,7 +12965,7 @@
 </p:sld>
 </file>
 
-<file path=ppt/slides/slide19.xml><?xml version="1.0" encoding="utf-8"?>
+<file path=ppt/slides/slide21.xml><?xml version="1.0" encoding="utf-8"?>
 <p:sld xmlns:a="http://schemas.openxmlformats.org/drawingml/2006/main" xmlns:r="http://schemas.openxmlformats.org/officeDocument/2006/relationships" xmlns:p="http://schemas.openxmlformats.org/presentationml/2006/main">
   <p:cSld>
     <p:spTree>
@@ -12300,7 +13010,7 @@
               <a:buNone/>
             </a:pPr>
             <a:r>
-              <a:rPr lang="en" sz="2400"/>
+              <a:rPr lang="en" sz="2400" noProof="0"/>
               <a:t>Matrix Bandwidth Minimization</a:t>
             </a:r>
           </a:p>
@@ -12528,532 +13238,7 @@
 </p:sld>
 </file>
 
-<file path=ppt/slides/slide2.xml><?xml version="1.0" encoding="utf-8"?>
-<p:sld xmlns:a="http://schemas.openxmlformats.org/drawingml/2006/main" xmlns:r="http://schemas.openxmlformats.org/officeDocument/2006/relationships" xmlns:p="http://schemas.openxmlformats.org/presentationml/2006/main">
-  <p:cSld>
-    <p:spTree>
-      <p:nvGrpSpPr>
-        <p:cNvPr id="1" name="Shape 63"/>
-        <p:cNvGrpSpPr/>
-        <p:nvPr/>
-      </p:nvGrpSpPr>
-      <p:grpSpPr>
-        <a:xfrm>
-          <a:off x="0" y="0"/>
-          <a:ext cx="0" cy="0"/>
-          <a:chOff x="0" y="0"/>
-          <a:chExt cx="0" cy="0"/>
-        </a:xfrm>
-      </p:grpSpPr>
-      <p:sp>
-        <p:nvSpPr>
-          <p:cNvPr id="64" name="Shape 64"/>
-          <p:cNvSpPr txBox="1">
-            <a:spLocks noGrp="1"/>
-          </p:cNvSpPr>
-          <p:nvPr>
-            <p:ph type="title"/>
-          </p:nvPr>
-        </p:nvSpPr>
-        <p:spPr>
-          <a:prstGeom prst="rect">
-            <a:avLst/>
-          </a:prstGeom>
-        </p:spPr>
-        <p:txBody>
-          <a:bodyPr lIns="91425" tIns="91425" rIns="91425" bIns="91425" anchor="b" anchorCtr="0">
-            <a:noAutofit/>
-          </a:bodyPr>
-          <a:lstStyle/>
-          <a:p>
-            <a:pPr>
-              <a:spcBef>
-                <a:spcPts val="0"/>
-              </a:spcBef>
-              <a:buNone/>
-            </a:pPr>
-            <a:r>
-              <a:rPr lang="en" sz="2400" dirty="0"/>
-              <a:t>Agenda</a:t>
-            </a:r>
-          </a:p>
-        </p:txBody>
-      </p:sp>
-      <p:sp>
-        <p:nvSpPr>
-          <p:cNvPr id="65" name="Shape 65"/>
-          <p:cNvSpPr txBox="1">
-            <a:spLocks noGrp="1"/>
-          </p:cNvSpPr>
-          <p:nvPr>
-            <p:ph type="body" idx="1"/>
-          </p:nvPr>
-        </p:nvSpPr>
-        <p:spPr>
-          <a:prstGeom prst="rect">
-            <a:avLst/>
-          </a:prstGeom>
-        </p:spPr>
-        <p:txBody>
-          <a:bodyPr lIns="91425" tIns="91425" rIns="91425" bIns="91425" anchor="t" anchorCtr="0">
-            <a:noAutofit/>
-          </a:bodyPr>
-          <a:lstStyle/>
-          <a:p>
-            <a:pPr marL="457200" marR="0" lvl="0" indent="-419100" algn="l" rtl="0">
-              <a:lnSpc>
-                <a:spcPct val="100000"/>
-              </a:lnSpc>
-              <a:spcBef>
-                <a:spcPts val="600"/>
-              </a:spcBef>
-              <a:spcAft>
-                <a:spcPts val="0"/>
-              </a:spcAft>
-              <a:buClr>
-                <a:srgbClr val="000000"/>
-              </a:buClr>
-              <a:buSzPct val="100000"/>
-              <a:buFont typeface="Arial"/>
-              <a:buChar char="●"/>
-            </a:pPr>
-            <a:r>
-              <a:rPr lang="en" sz="1800" dirty="0">
-                <a:solidFill>
-                  <a:srgbClr val="000000"/>
-                </a:solidFill>
-              </a:rPr>
-              <a:t>Graph Databases: </a:t>
-            </a:r>
-            <a:r>
-              <a:rPr lang="en" sz="1800" dirty="0">
-                <a:solidFill>
-                  <a:srgbClr val="990000"/>
-                </a:solidFill>
-              </a:rPr>
-              <a:t>Mission</a:t>
-            </a:r>
-            <a:r>
-              <a:rPr lang="en" sz="1800" dirty="0">
-                <a:solidFill>
-                  <a:srgbClr val="000000"/>
-                </a:solidFill>
-              </a:rPr>
-              <a:t>, Data, Example</a:t>
-            </a:r>
-          </a:p>
-          <a:p>
-            <a:pPr marL="457200" marR="0" lvl="0" indent="-419100" algn="l" rtl="0">
-              <a:lnSpc>
-                <a:spcPct val="100000"/>
-              </a:lnSpc>
-              <a:spcBef>
-                <a:spcPts val="600"/>
-              </a:spcBef>
-              <a:spcAft>
-                <a:spcPts val="0"/>
-              </a:spcAft>
-              <a:buClr>
-                <a:srgbClr val="000000"/>
-              </a:buClr>
-              <a:buSzPct val="100000"/>
-              <a:buFont typeface="Arial"/>
-              <a:buChar char="●"/>
-            </a:pPr>
-            <a:r>
-              <a:rPr lang="en" sz="1800" dirty="0">
-                <a:solidFill>
-                  <a:srgbClr val="000000"/>
-                </a:solidFill>
-              </a:rPr>
-              <a:t>A Bit of </a:t>
-            </a:r>
-            <a:r>
-              <a:rPr lang="en" sz="1800" dirty="0">
-                <a:solidFill>
-                  <a:srgbClr val="990000"/>
-                </a:solidFill>
-              </a:rPr>
-              <a:t>Graph Theory</a:t>
-            </a:r>
-          </a:p>
-          <a:p>
-            <a:pPr marL="914400" marR="0" lvl="1" indent="-381000" algn="l" rtl="0">
-              <a:lnSpc>
-                <a:spcPct val="100000"/>
-              </a:lnSpc>
-              <a:spcBef>
-                <a:spcPts val="600"/>
-              </a:spcBef>
-              <a:spcAft>
-                <a:spcPts val="0"/>
-              </a:spcAft>
-              <a:buClr>
-                <a:srgbClr val="000000"/>
-              </a:buClr>
-              <a:buSzPct val="80000"/>
-              <a:buFont typeface="Courier New"/>
-              <a:buChar char="o"/>
-            </a:pPr>
-            <a:r>
-              <a:rPr lang="en" sz="1800" dirty="0">
-                <a:solidFill>
-                  <a:srgbClr val="000000"/>
-                </a:solidFill>
-              </a:rPr>
-              <a:t>Graph </a:t>
-            </a:r>
-            <a:r>
-              <a:rPr lang="en" sz="1800" dirty="0">
-                <a:solidFill>
-                  <a:srgbClr val="990000"/>
-                </a:solidFill>
-              </a:rPr>
-              <a:t>Representations</a:t>
-            </a:r>
-          </a:p>
-          <a:p>
-            <a:pPr marL="914400" marR="0" lvl="1" indent="-381000" algn="l" rtl="0">
-              <a:lnSpc>
-                <a:spcPct val="100000"/>
-              </a:lnSpc>
-              <a:spcBef>
-                <a:spcPts val="600"/>
-              </a:spcBef>
-              <a:spcAft>
-                <a:spcPts val="0"/>
-              </a:spcAft>
-              <a:buClr>
-                <a:srgbClr val="000000"/>
-              </a:buClr>
-              <a:buSzPct val="80000"/>
-              <a:buFont typeface="Courier New"/>
-              <a:buChar char="o"/>
-            </a:pPr>
-            <a:r>
-              <a:rPr lang="en" sz="1800" dirty="0">
-                <a:solidFill>
-                  <a:srgbClr val="000000"/>
-                </a:solidFill>
-              </a:rPr>
-              <a:t>Improving Data </a:t>
-            </a:r>
-            <a:r>
-              <a:rPr lang="en" sz="1800" dirty="0">
-                <a:solidFill>
-                  <a:srgbClr val="990000"/>
-                </a:solidFill>
-              </a:rPr>
-              <a:t>Locality</a:t>
-            </a:r>
-            <a:r>
-              <a:rPr lang="en" sz="1800" dirty="0">
-                <a:solidFill>
-                  <a:srgbClr val="000000"/>
-                </a:solidFill>
-              </a:rPr>
-              <a:t> (efficient storage)</a:t>
-            </a:r>
-          </a:p>
-          <a:p>
-            <a:pPr marL="914400" marR="0" lvl="1" indent="-381000" algn="l" rtl="0">
-              <a:lnSpc>
-                <a:spcPct val="100000"/>
-              </a:lnSpc>
-              <a:spcBef>
-                <a:spcPts val="600"/>
-              </a:spcBef>
-              <a:spcAft>
-                <a:spcPts val="0"/>
-              </a:spcAft>
-              <a:buClr>
-                <a:srgbClr val="000000"/>
-              </a:buClr>
-              <a:buSzPct val="80000"/>
-              <a:buFont typeface="Courier New"/>
-              <a:buChar char="o"/>
-            </a:pPr>
-            <a:r>
-              <a:rPr lang="en" sz="1800" dirty="0">
-                <a:solidFill>
-                  <a:srgbClr val="000000"/>
-                </a:solidFill>
-              </a:rPr>
-              <a:t>Graph </a:t>
-            </a:r>
-            <a:r>
-              <a:rPr lang="en" sz="1800" dirty="0">
-                <a:solidFill>
-                  <a:srgbClr val="990000"/>
-                </a:solidFill>
-              </a:rPr>
-              <a:t>Partitioning </a:t>
-            </a:r>
-            <a:r>
-              <a:rPr lang="en" sz="1800" dirty="0">
-                <a:solidFill>
-                  <a:srgbClr val="000000"/>
-                </a:solidFill>
-              </a:rPr>
-              <a:t>and </a:t>
-            </a:r>
-            <a:r>
-              <a:rPr lang="en" sz="1800" dirty="0">
-                <a:solidFill>
-                  <a:srgbClr val="990000"/>
-                </a:solidFill>
-              </a:rPr>
-              <a:t>Traversal </a:t>
-            </a:r>
-            <a:r>
-              <a:rPr lang="en" sz="1800" dirty="0">
-                <a:solidFill>
-                  <a:srgbClr val="000000"/>
-                </a:solidFill>
-              </a:rPr>
-              <a:t>Algorithm</a:t>
-            </a:r>
-          </a:p>
-          <a:p>
-            <a:pPr marL="914400" marR="0" lvl="1" indent="-381000" algn="l" rtl="0">
-              <a:lnSpc>
-                <a:spcPct val="100000"/>
-              </a:lnSpc>
-              <a:spcBef>
-                <a:spcPts val="600"/>
-              </a:spcBef>
-              <a:spcAft>
-                <a:spcPts val="0"/>
-              </a:spcAft>
-              <a:buClr>
-                <a:srgbClr val="000000"/>
-              </a:buClr>
-              <a:buSzPct val="80000"/>
-              <a:buFont typeface="Courier New"/>
-              <a:buChar char="o"/>
-            </a:pPr>
-            <a:r>
-              <a:rPr lang="en" sz="1800" dirty="0">
-                <a:solidFill>
-                  <a:srgbClr val="000000"/>
-                </a:solidFill>
-              </a:rPr>
-              <a:t>Types of </a:t>
-            </a:r>
-            <a:r>
-              <a:rPr lang="en" sz="1800" dirty="0">
-                <a:solidFill>
-                  <a:srgbClr val="990000"/>
-                </a:solidFill>
-              </a:rPr>
-              <a:t>Queries</a:t>
-            </a:r>
-          </a:p>
-          <a:p>
-            <a:pPr marL="457200" marR="0" lvl="0" indent="-419100" algn="l" rtl="0">
-              <a:lnSpc>
-                <a:spcPct val="100000"/>
-              </a:lnSpc>
-              <a:spcBef>
-                <a:spcPts val="600"/>
-              </a:spcBef>
-              <a:spcAft>
-                <a:spcPts val="0"/>
-              </a:spcAft>
-              <a:buClr>
-                <a:srgbClr val="000000"/>
-              </a:buClr>
-              <a:buSzPct val="100000"/>
-              <a:buFont typeface="Arial"/>
-              <a:buChar char="●"/>
-            </a:pPr>
-            <a:r>
-              <a:rPr lang="en" sz="1800" dirty="0">
-                <a:solidFill>
-                  <a:srgbClr val="000000"/>
-                </a:solidFill>
-              </a:rPr>
-              <a:t>Graph </a:t>
-            </a:r>
-            <a:r>
-              <a:rPr lang="en" sz="1800" dirty="0" smtClean="0">
-                <a:solidFill>
-                  <a:srgbClr val="000000"/>
-                </a:solidFill>
-              </a:rPr>
-              <a:t>Databases</a:t>
-            </a:r>
-            <a:endParaRPr lang="en-US" sz="1800" dirty="0" smtClean="0">
-              <a:solidFill>
-                <a:srgbClr val="000000"/>
-              </a:solidFill>
-            </a:endParaRPr>
-          </a:p>
-          <a:p>
-            <a:pPr marL="457200" lvl="0" indent="-419100">
-              <a:buClr>
-                <a:srgbClr val="000000"/>
-              </a:buClr>
-              <a:buSzPct val="100000"/>
-              <a:buFont typeface="Arial"/>
-              <a:buChar char="●"/>
-            </a:pPr>
-            <a:r>
-              <a:rPr lang="en" sz="1800" dirty="0">
-                <a:solidFill>
-                  <a:srgbClr val="0B5394"/>
-                </a:solidFill>
-              </a:rPr>
-              <a:t>Neo4j</a:t>
-            </a:r>
-            <a:r>
-              <a:rPr lang="en" sz="1800" dirty="0">
-                <a:solidFill>
-                  <a:srgbClr val="000000"/>
-                </a:solidFill>
-              </a:rPr>
-              <a:t> </a:t>
-            </a:r>
-          </a:p>
-          <a:p>
-            <a:pPr marL="914400" lvl="1" indent="-381000">
-              <a:spcBef>
-                <a:spcPts val="600"/>
-              </a:spcBef>
-              <a:buClr>
-                <a:srgbClr val="000000"/>
-              </a:buClr>
-              <a:buSzPct val="80000"/>
-              <a:buFont typeface="Courier New"/>
-              <a:buChar char="o"/>
-            </a:pPr>
-            <a:r>
-              <a:rPr lang="en" sz="1800" dirty="0" smtClean="0">
-                <a:solidFill>
-                  <a:srgbClr val="000000"/>
-                </a:solidFill>
-              </a:rPr>
-              <a:t>Data </a:t>
-            </a:r>
-            <a:r>
-              <a:rPr lang="en" sz="1800" dirty="0" smtClean="0">
-                <a:solidFill>
-                  <a:srgbClr val="990000"/>
-                </a:solidFill>
-              </a:rPr>
-              <a:t>model</a:t>
-            </a:r>
-            <a:endParaRPr lang="en" sz="1800" dirty="0">
-              <a:solidFill>
-                <a:srgbClr val="000000"/>
-              </a:solidFill>
-            </a:endParaRPr>
-          </a:p>
-          <a:p>
-            <a:pPr marL="914400" lvl="1" indent="-381000">
-              <a:spcBef>
-                <a:spcPts val="600"/>
-              </a:spcBef>
-              <a:buClr>
-                <a:srgbClr val="000000"/>
-              </a:buClr>
-              <a:buSzPct val="80000"/>
-              <a:buFont typeface="Courier New"/>
-              <a:buChar char="o"/>
-            </a:pPr>
-            <a:r>
-              <a:rPr lang="en" sz="1800" dirty="0">
-                <a:solidFill>
-                  <a:srgbClr val="990000"/>
-                </a:solidFill>
-              </a:rPr>
-              <a:t>Traversal </a:t>
-            </a:r>
-            <a:r>
-              <a:rPr lang="en" sz="1800" dirty="0">
-                <a:solidFill>
-                  <a:srgbClr val="000000"/>
-                </a:solidFill>
-              </a:rPr>
-              <a:t>of the graph</a:t>
-            </a:r>
-          </a:p>
-          <a:p>
-            <a:pPr marL="914400" lvl="1" indent="-381000">
-              <a:spcBef>
-                <a:spcPts val="600"/>
-              </a:spcBef>
-              <a:buClr>
-                <a:srgbClr val="000000"/>
-              </a:buClr>
-              <a:buSzPct val="80000"/>
-              <a:buFont typeface="Courier New"/>
-              <a:buChar char="o"/>
-            </a:pPr>
-            <a:r>
-              <a:rPr lang="en" sz="1800" dirty="0" smtClean="0">
-                <a:solidFill>
-                  <a:srgbClr val="990000"/>
-                </a:solidFill>
-              </a:rPr>
-              <a:t>Cypher</a:t>
-            </a:r>
-            <a:r>
-              <a:rPr lang="en" sz="1800" dirty="0" smtClean="0">
-                <a:solidFill>
-                  <a:srgbClr val="000000"/>
-                </a:solidFill>
-              </a:rPr>
-              <a:t> </a:t>
-            </a:r>
-            <a:r>
-              <a:rPr lang="en" sz="1800" dirty="0">
-                <a:solidFill>
-                  <a:srgbClr val="000000"/>
-                </a:solidFill>
-              </a:rPr>
-              <a:t>query </a:t>
-            </a:r>
-            <a:r>
-              <a:rPr lang="en" sz="1800" dirty="0" smtClean="0">
-                <a:solidFill>
-                  <a:srgbClr val="990000"/>
-                </a:solidFill>
-              </a:rPr>
-              <a:t>language</a:t>
-            </a:r>
-            <a:endParaRPr lang="en" sz="1800" dirty="0">
-              <a:solidFill>
-                <a:srgbClr val="990000"/>
-              </a:solidFill>
-            </a:endParaRPr>
-          </a:p>
-        </p:txBody>
-      </p:sp>
-    </p:spTree>
-    <p:extLst>
-      <p:ext uri="{BB962C8B-B14F-4D97-AF65-F5344CB8AC3E}">
-        <p14:creationId xmlns:p14="http://schemas.microsoft.com/office/powerpoint/2010/main" val="2729968699"/>
-      </p:ext>
-    </p:extLst>
-  </p:cSld>
-  <p:clrMapOvr>
-    <a:masterClrMapping/>
-  </p:clrMapOvr>
-  <p:transition xmlns:p14="http://schemas.microsoft.com/office/powerpoint/2010/main" spd="slow">
-    <p:cut/>
-  </p:transition>
-  <p:timing>
-    <p:tnLst>
-      <p:par>
-        <p:cTn xmlns:p14="http://schemas.microsoft.com/office/powerpoint/2010/main" id="1" dur="indefinite" restart="never" nodeType="tmRoot"/>
-      </p:par>
-    </p:tnLst>
-  </p:timing>
-</p:sld>
-</file>
-
-<file path=ppt/slides/slide20.xml><?xml version="1.0" encoding="utf-8"?>
+<file path=ppt/slides/slide22.xml><?xml version="1.0" encoding="utf-8"?>
 <p:sld xmlns:a="http://schemas.openxmlformats.org/drawingml/2006/main" xmlns:r="http://schemas.openxmlformats.org/officeDocument/2006/relationships" xmlns:p="http://schemas.openxmlformats.org/presentationml/2006/main">
   <p:cSld>
     <p:spTree>
@@ -13098,18 +13283,10 @@
               <a:buNone/>
             </a:pPr>
             <a:r>
-              <a:rPr lang="en-US" sz="2400" dirty="0"/>
-              <a:t>G</a:t>
-            </a:r>
-            <a:r>
-              <a:rPr lang="en" sz="2400" dirty="0" smtClean="0"/>
-              <a:t>raph</a:t>
-            </a:r>
-            <a:r>
-              <a:rPr lang="en-US" sz="2400" dirty="0" smtClean="0"/>
-              <a:t>s relationships</a:t>
-            </a:r>
-            <a:endParaRPr lang="en" sz="2400" dirty="0"/>
+              <a:rPr lang="en" sz="2400" noProof="0" smtClean="0"/>
+              <a:t>Graphs relationships</a:t>
+            </a:r>
+            <a:endParaRPr lang="en" sz="2400" noProof="0"/>
           </a:p>
         </p:txBody>
       </p:sp>
@@ -13146,7 +13323,7 @@
               <a:buChar char="●"/>
             </a:pPr>
             <a:r>
-              <a:rPr lang="en" sz="2400" dirty="0">
+              <a:rPr lang="en" sz="2400" noProof="0" smtClean="0">
                 <a:solidFill>
                   <a:srgbClr val="0B5394"/>
                 </a:solidFill>
@@ -13154,7 +13331,7 @@
               <a:t>Single-relational</a:t>
             </a:r>
             <a:r>
-              <a:rPr lang="en" sz="2400" dirty="0">
+              <a:rPr lang="en" sz="2400" noProof="0" smtClean="0">
                 <a:solidFill>
                   <a:srgbClr val="000000"/>
                 </a:solidFill>
@@ -13175,11 +13352,11 @@
               <a:buChar char="o"/>
             </a:pPr>
             <a:r>
-              <a:rPr lang="en" sz="2400" dirty="0"/>
+              <a:rPr lang="en" sz="2400" noProof="0" smtClean="0"/>
               <a:t>Edges are </a:t>
             </a:r>
             <a:r>
-              <a:rPr lang="en" sz="2400" dirty="0">
+              <a:rPr lang="en" sz="2400" noProof="0" smtClean="0">
                 <a:solidFill>
                   <a:srgbClr val="990000"/>
                 </a:solidFill>
@@ -13187,7 +13364,7 @@
               <a:t>homogeneous</a:t>
             </a:r>
             <a:r>
-              <a:rPr lang="en" sz="2400" dirty="0"/>
+              <a:rPr lang="en" sz="2400" noProof="0" smtClean="0"/>
               <a:t> in meaning</a:t>
             </a:r>
           </a:p>
@@ -13204,13 +13381,13 @@
               <a:buChar char="§"/>
             </a:pPr>
             <a:r>
-              <a:rPr lang="en" sz="2400" dirty="0"/>
+              <a:rPr lang="en" sz="2400" noProof="0" smtClean="0"/>
               <a:t>e.g., all edges represent friendship</a:t>
             </a:r>
             <a:br>
-              <a:rPr lang="en" sz="2400" dirty="0"/>
+              <a:rPr lang="en" sz="2400" noProof="0" smtClean="0"/>
             </a:br>
-            <a:endParaRPr lang="en" sz="2400" dirty="0"/>
+            <a:endParaRPr lang="en" sz="2400" noProof="0" smtClean="0"/>
           </a:p>
           <a:p>
             <a:pPr>
@@ -13219,7 +13396,7 @@
               </a:spcBef>
               <a:buNone/>
             </a:pPr>
-            <a:endParaRPr sz="2400" dirty="0"/>
+            <a:endParaRPr lang="en" sz="2400" noProof="0"/>
           </a:p>
         </p:txBody>
       </p:sp>
@@ -13269,7 +13446,7 @@
 </p:sld>
 </file>
 
-<file path=ppt/slides/slide21.xml><?xml version="1.0" encoding="utf-8"?>
+<file path=ppt/slides/slide23.xml><?xml version="1.0" encoding="utf-8"?>
 <p:sld xmlns:a="http://schemas.openxmlformats.org/drawingml/2006/main" xmlns:r="http://schemas.openxmlformats.org/officeDocument/2006/relationships" xmlns:p="http://schemas.openxmlformats.org/presentationml/2006/main">
   <p:cSld>
     <p:spTree>
@@ -13304,14 +13481,10 @@
           <a:lstStyle/>
           <a:p>
             <a:r>
-              <a:rPr lang="en" sz="2400" dirty="0" smtClean="0"/>
-              <a:t>Graph</a:t>
-            </a:r>
-            <a:r>
-              <a:rPr lang="en-US" sz="2400" dirty="0" smtClean="0"/>
-              <a:t>s Relationships</a:t>
-            </a:r>
-            <a:endParaRPr lang="nl-NL" sz="2400" dirty="0"/>
+              <a:rPr lang="en" sz="2400" noProof="0" smtClean="0"/>
+              <a:t>Graphs Relationships</a:t>
+            </a:r>
+            <a:endParaRPr lang="en" sz="2400" noProof="0"/>
           </a:p>
         </p:txBody>
       </p:sp>
@@ -13339,7 +13512,7 @@
               <a:buChar char="●"/>
             </a:pPr>
             <a:r>
-              <a:rPr lang="en" sz="2400" dirty="0">
+              <a:rPr lang="en" sz="2400" noProof="0" smtClean="0">
                 <a:solidFill>
                   <a:srgbClr val="0B5394"/>
                 </a:solidFill>
@@ -13347,7 +13520,7 @@
               <a:t>Multi-relational</a:t>
             </a:r>
             <a:r>
-              <a:rPr lang="en" sz="2400" dirty="0"/>
+              <a:rPr lang="en" sz="2400" noProof="0" smtClean="0"/>
               <a:t> (property) graphs</a:t>
             </a:r>
           </a:p>
@@ -13361,7 +13534,7 @@
               <a:buChar char="o"/>
             </a:pPr>
             <a:r>
-              <a:rPr lang="en" sz="2400" dirty="0">
+              <a:rPr lang="en" sz="2400" noProof="0" smtClean="0">
                 <a:solidFill>
                   <a:srgbClr val="990000"/>
                 </a:solidFill>
@@ -13369,11 +13542,11 @@
               <a:t>Edges</a:t>
             </a:r>
             <a:r>
-              <a:rPr lang="en" sz="2400" dirty="0"/>
+              <a:rPr lang="en" sz="2400" noProof="0" smtClean="0"/>
               <a:t> are </a:t>
             </a:r>
             <a:r>
-              <a:rPr lang="en" sz="2400" dirty="0">
+              <a:rPr lang="en" sz="2400" noProof="0" smtClean="0">
                 <a:solidFill>
                   <a:srgbClr val="990000"/>
                 </a:solidFill>
@@ -13381,7 +13554,7 @@
               <a:t>typed</a:t>
             </a:r>
             <a:r>
-              <a:rPr lang="en" sz="2400" dirty="0"/>
+              <a:rPr lang="en" sz="2400" noProof="0" smtClean="0"/>
               <a:t> or labeled</a:t>
             </a:r>
           </a:p>
@@ -13395,7 +13568,7 @@
               <a:buChar char="§"/>
             </a:pPr>
             <a:r>
-              <a:rPr lang="en" sz="2400" dirty="0"/>
+              <a:rPr lang="en" sz="2400" noProof="0" smtClean="0"/>
               <a:t>e.g., friendship, business, communication</a:t>
             </a:r>
           </a:p>
@@ -13409,11 +13582,11 @@
               <a:buChar char="o"/>
             </a:pPr>
             <a:r>
-              <a:rPr lang="en" sz="2400" dirty="0"/>
+              <a:rPr lang="en" sz="2400" noProof="0" smtClean="0"/>
               <a:t>Vertices and edges maintain a </a:t>
             </a:r>
             <a:r>
-              <a:rPr lang="en" sz="2400" dirty="0">
+              <a:rPr lang="en" sz="2400" noProof="0" smtClean="0">
                 <a:solidFill>
                   <a:srgbClr val="990000"/>
                 </a:solidFill>
@@ -13421,7 +13594,7 @@
               <a:t>set</a:t>
             </a:r>
             <a:r>
-              <a:rPr lang="en" sz="2400" dirty="0"/>
+              <a:rPr lang="en" sz="2400" noProof="0" smtClean="0"/>
               <a:t> of key/value pairs </a:t>
             </a:r>
           </a:p>
@@ -13435,11 +13608,11 @@
               <a:buChar char="§"/>
             </a:pPr>
             <a:r>
-              <a:rPr lang="en" sz="2400" dirty="0"/>
+              <a:rPr lang="en" sz="2400" noProof="0" smtClean="0"/>
               <a:t>Representation of non-graphical data (</a:t>
             </a:r>
             <a:r>
-              <a:rPr lang="en" sz="2400" dirty="0">
+              <a:rPr lang="en" sz="2400" noProof="0" smtClean="0">
                 <a:solidFill>
                   <a:srgbClr val="990000"/>
                 </a:solidFill>
@@ -13447,7 +13620,7 @@
               <a:t>properties</a:t>
             </a:r>
             <a:r>
-              <a:rPr lang="en" sz="2400" dirty="0"/>
+              <a:rPr lang="en" sz="2400" noProof="0" smtClean="0"/>
               <a:t>)</a:t>
             </a:r>
           </a:p>
@@ -13461,12 +13634,12 @@
               <a:buChar char="§"/>
             </a:pPr>
             <a:r>
-              <a:rPr lang="en" sz="2400" dirty="0"/>
+              <a:rPr lang="en" sz="2400" noProof="0" smtClean="0"/>
               <a:t>e.g., name of a vertex, the weight of an edge</a:t>
             </a:r>
           </a:p>
           <a:p>
-            <a:endParaRPr lang="nl-NL" dirty="0"/>
+            <a:endParaRPr lang="en" noProof="0"/>
           </a:p>
         </p:txBody>
       </p:sp>
@@ -13518,7 +13691,7 @@
 </p:sld>
 </file>
 
-<file path=ppt/slides/slide22.xml><?xml version="1.0" encoding="utf-8"?>
+<file path=ppt/slides/slide24.xml><?xml version="1.0" encoding="utf-8"?>
 <p:sld xmlns:a="http://schemas.openxmlformats.org/drawingml/2006/main" xmlns:r="http://schemas.openxmlformats.org/officeDocument/2006/relationships" xmlns:p="http://schemas.openxmlformats.org/presentationml/2006/main">
   <p:cSld>
     <p:spTree>
@@ -13563,7 +13736,7 @@
               <a:buNone/>
             </a:pPr>
             <a:r>
-              <a:rPr lang="en" sz="1800" dirty="0"/>
+              <a:rPr lang="en" sz="1800" noProof="0"/>
               <a:t>Neo4j: Data Model</a:t>
             </a:r>
           </a:p>
@@ -13602,11 +13775,11 @@
               <a:buChar char="●"/>
             </a:pPr>
             <a:r>
-              <a:rPr lang="en" sz="1800" dirty="0"/>
+              <a:rPr lang="en" sz="1800" noProof="0"/>
               <a:t>Fundamental units: </a:t>
             </a:r>
             <a:r>
-              <a:rPr lang="en" sz="1800" dirty="0">
+              <a:rPr lang="en" sz="1800" noProof="0">
                 <a:solidFill>
                   <a:srgbClr val="0B5394"/>
                 </a:solidFill>
@@ -13614,11 +13787,11 @@
               <a:t>nodes</a:t>
             </a:r>
             <a:r>
-              <a:rPr lang="en" sz="1800" dirty="0"/>
+              <a:rPr lang="en" sz="1800" noProof="0"/>
               <a:t> + </a:t>
             </a:r>
             <a:r>
-              <a:rPr lang="en" sz="1800" dirty="0">
+              <a:rPr lang="en" sz="1800" noProof="0">
                 <a:solidFill>
                   <a:srgbClr val="0B5394"/>
                 </a:solidFill>
@@ -13639,11 +13812,11 @@
               <a:buChar char="●"/>
             </a:pPr>
             <a:r>
-              <a:rPr lang="en" sz="1800" dirty="0"/>
+              <a:rPr lang="en" sz="1800" noProof="0"/>
               <a:t>Both can contain </a:t>
             </a:r>
             <a:r>
-              <a:rPr lang="en" sz="1800" dirty="0">
+              <a:rPr lang="en" sz="1800" noProof="0">
                 <a:solidFill>
                   <a:srgbClr val="0B5394"/>
                 </a:solidFill>
@@ -13664,7 +13837,7 @@
               <a:buChar char="o"/>
             </a:pPr>
             <a:r>
-              <a:rPr lang="en" sz="1800" dirty="0">
+              <a:rPr lang="en" sz="1800" noProof="0">
                 <a:solidFill>
                   <a:srgbClr val="990000"/>
                 </a:solidFill>
@@ -13672,7 +13845,7 @@
               <a:t>Key-value</a:t>
             </a:r>
             <a:r>
-              <a:rPr lang="en" sz="1800" dirty="0"/>
+              <a:rPr lang="en" sz="1800" noProof="0"/>
               <a:t> pairs</a:t>
             </a:r>
           </a:p>
@@ -13689,14 +13862,14 @@
               <a:buChar char="o"/>
             </a:pPr>
             <a:r>
-              <a:rPr lang="en" sz="1800" dirty="0"/>
+              <a:rPr lang="en" sz="1800" noProof="0"/>
               <a:t>Value can be of primitive type </a:t>
             </a:r>
             <a:br>
-              <a:rPr lang="en" sz="1800" dirty="0"/>
+              <a:rPr lang="en" sz="1800" noProof="0"/>
             </a:br>
             <a:r>
-              <a:rPr lang="en" sz="1800" dirty="0"/>
+              <a:rPr lang="en" sz="1800" noProof="0"/>
               <a:t>or an array of primitive type</a:t>
             </a:r>
           </a:p>
@@ -13713,7 +13886,7 @@
               <a:buChar char="o"/>
             </a:pPr>
             <a:r>
-              <a:rPr lang="en" sz="1800" dirty="0">
+              <a:rPr lang="en" sz="1800" noProof="0">
                 <a:solidFill>
                   <a:srgbClr val="0B5394"/>
                 </a:solidFill>
@@ -13721,11 +13894,11 @@
               <a:t>null</a:t>
             </a:r>
             <a:r>
-              <a:rPr lang="en" sz="1800" dirty="0"/>
+              <a:rPr lang="en" sz="1800" noProof="0"/>
               <a:t> is </a:t>
             </a:r>
             <a:r>
-              <a:rPr lang="en" sz="1800" dirty="0">
+              <a:rPr lang="en" sz="1800" noProof="0">
                 <a:solidFill>
                   <a:srgbClr val="990000"/>
                 </a:solidFill>
@@ -13733,11 +13906,11 @@
               <a:t>not</a:t>
             </a:r>
             <a:r>
-              <a:rPr lang="en" sz="1800" dirty="0"/>
+              <a:rPr lang="en" sz="1800" noProof="0"/>
               <a:t> a </a:t>
             </a:r>
             <a:r>
-              <a:rPr lang="en" sz="1800" dirty="0">
+              <a:rPr lang="en" sz="1800" noProof="0">
                 <a:solidFill>
                   <a:srgbClr val="990000"/>
                 </a:solidFill>
@@ -13745,7 +13918,7 @@
               <a:t>valid</a:t>
             </a:r>
             <a:r>
-              <a:rPr lang="en" sz="1800" dirty="0"/>
+              <a:rPr lang="en" sz="1800" noProof="0"/>
               <a:t> property value</a:t>
             </a:r>
           </a:p>
@@ -13762,14 +13935,14 @@
               <a:buChar char="§"/>
             </a:pPr>
             <a:r>
-              <a:rPr lang="en" sz="1800" dirty="0"/>
+              <a:rPr lang="en" sz="1800" noProof="0"/>
               <a:t>nulls can be modelled by </a:t>
             </a:r>
             <a:br>
-              <a:rPr lang="en" sz="1800" dirty="0"/>
+              <a:rPr lang="en" sz="1800" noProof="0"/>
             </a:br>
             <a:r>
-              <a:rPr lang="en" sz="1800" dirty="0"/>
+              <a:rPr lang="en" sz="1800" noProof="0"/>
               <a:t>the absence of a key</a:t>
             </a:r>
           </a:p>
@@ -13862,7 +14035,7 @@
 </p:sld>
 </file>
 
-<file path=ppt/slides/slide23.xml><?xml version="1.0" encoding="utf-8"?>
+<file path=ppt/slides/slide25.xml><?xml version="1.0" encoding="utf-8"?>
 <p:sld xmlns:a="http://schemas.openxmlformats.org/drawingml/2006/main" xmlns:r="http://schemas.openxmlformats.org/officeDocument/2006/relationships" xmlns:p="http://schemas.openxmlformats.org/presentationml/2006/main">
   <p:cSld>
     <p:spTree>
@@ -13935,7 +14108,7 @@
               <a:buNone/>
             </a:pPr>
             <a:r>
-              <a:rPr lang="en" sz="1800" dirty="0"/>
+              <a:rPr lang="en" sz="1800" noProof="0"/>
               <a:t>Data Model: Relationships</a:t>
             </a:r>
           </a:p>
@@ -13974,7 +14147,7 @@
               <a:buChar char="●"/>
             </a:pPr>
             <a:r>
-              <a:rPr lang="en" sz="1800" dirty="0">
+              <a:rPr lang="en" sz="1800" noProof="0" smtClean="0">
                 <a:solidFill>
                   <a:srgbClr val="0B5394"/>
                 </a:solidFill>
@@ -13982,7 +14155,7 @@
               <a:t>Directed relationships</a:t>
             </a:r>
             <a:r>
-              <a:rPr lang="en" sz="1800" dirty="0"/>
+              <a:rPr lang="en" sz="1800" noProof="0" smtClean="0"/>
               <a:t> </a:t>
             </a:r>
           </a:p>
@@ -13999,11 +14172,11 @@
               <a:buChar char="o"/>
             </a:pPr>
             <a:r>
-              <a:rPr lang="en" sz="1800" dirty="0"/>
+              <a:rPr lang="en" sz="1800" noProof="0" smtClean="0"/>
               <a:t>Incoming and outgoing </a:t>
             </a:r>
             <a:r>
-              <a:rPr lang="en" sz="1800" dirty="0">
+              <a:rPr lang="en" sz="1800" noProof="0" smtClean="0">
                 <a:solidFill>
                   <a:srgbClr val="990000"/>
                 </a:solidFill>
@@ -14024,11 +14197,11 @@
               <a:buChar char="§"/>
             </a:pPr>
             <a:r>
-              <a:rPr lang="en" sz="1800" dirty="0"/>
+              <a:rPr lang="en" sz="1800" noProof="0" smtClean="0"/>
               <a:t>Equally </a:t>
             </a:r>
             <a:r>
-              <a:rPr lang="en" sz="1800" dirty="0">
+              <a:rPr lang="en" sz="1800" noProof="0" smtClean="0">
                 <a:solidFill>
                   <a:srgbClr val="990000"/>
                 </a:solidFill>
@@ -14036,7 +14209,7 @@
               <a:t>efficient traversal</a:t>
             </a:r>
             <a:r>
-              <a:rPr lang="en" sz="1800" dirty="0"/>
+              <a:rPr lang="en" sz="1800" noProof="0" smtClean="0"/>
               <a:t> in both directions</a:t>
             </a:r>
           </a:p>
@@ -14053,11 +14226,11 @@
               <a:buChar char="§"/>
             </a:pPr>
             <a:r>
-              <a:rPr lang="en" sz="1800" dirty="0"/>
+              <a:rPr lang="en" sz="1800" noProof="0" smtClean="0"/>
               <a:t>Direction </a:t>
             </a:r>
             <a:r>
-              <a:rPr lang="en" sz="1800" dirty="0">
+              <a:rPr lang="en" sz="1800" noProof="0" smtClean="0">
                 <a:solidFill>
                   <a:srgbClr val="990000"/>
                 </a:solidFill>
@@ -14065,11 +14238,11 @@
               <a:t>can</a:t>
             </a:r>
             <a:r>
-              <a:rPr lang="en" sz="1800" dirty="0"/>
+              <a:rPr lang="en" sz="1800" noProof="0" smtClean="0"/>
               <a:t> be </a:t>
             </a:r>
             <a:r>
-              <a:rPr lang="en" sz="1800" dirty="0">
+              <a:rPr lang="en" sz="1800" noProof="0" smtClean="0">
                 <a:solidFill>
                   <a:srgbClr val="990000"/>
                 </a:solidFill>
@@ -14077,14 +14250,14 @@
               <a:t>ignored </a:t>
             </a:r>
             <a:r>
-              <a:rPr lang="en" sz="1800" dirty="0"/>
+              <a:rPr lang="en" sz="1800" noProof="0" smtClean="0"/>
               <a:t/>
             </a:r>
             <a:br>
-              <a:rPr lang="en" sz="1800" dirty="0"/>
+              <a:rPr lang="en" sz="1800" noProof="0" smtClean="0"/>
             </a:br>
             <a:r>
-              <a:rPr lang="en" sz="1800" dirty="0"/>
+              <a:rPr lang="en" sz="1800" noProof="0" smtClean="0"/>
               <a:t>when not needed by applications</a:t>
             </a:r>
           </a:p>
@@ -14101,14 +14274,14 @@
               <a:buChar char="o"/>
             </a:pPr>
             <a:r>
-              <a:rPr lang="en" sz="1800" dirty="0"/>
+              <a:rPr lang="en" sz="1800" noProof="0" smtClean="0"/>
               <a:t>Always have start </a:t>
             </a:r>
             <a:br>
-              <a:rPr lang="en" sz="1800" dirty="0"/>
+              <a:rPr lang="en" sz="1800" noProof="0" smtClean="0"/>
             </a:br>
             <a:r>
-              <a:rPr lang="en" sz="1800" dirty="0"/>
+              <a:rPr lang="en" sz="1800" noProof="0" smtClean="0"/>
               <a:t>and end node</a:t>
             </a:r>
           </a:p>
@@ -14125,7 +14298,7 @@
               <a:buChar char="§"/>
             </a:pPr>
             <a:r>
-              <a:rPr lang="en" sz="1800" dirty="0"/>
+              <a:rPr lang="en" sz="1800" noProof="0" smtClean="0"/>
               <a:t>Can be recursive</a:t>
             </a:r>
           </a:p>
@@ -14136,7 +14309,7 @@
               </a:spcBef>
               <a:buNone/>
             </a:pPr>
-            <a:endParaRPr sz="1800" dirty="0"/>
+            <a:endParaRPr lang="en" sz="1800" noProof="0"/>
           </a:p>
         </p:txBody>
       </p:sp>
@@ -14184,7 +14357,7 @@
 </p:sld>
 </file>
 
-<file path=ppt/slides/slide24.xml><?xml version="1.0" encoding="utf-8"?>
+<file path=ppt/slides/slide26.xml><?xml version="1.0" encoding="utf-8"?>
 <p:sld xmlns:a="http://schemas.openxmlformats.org/drawingml/2006/main" xmlns:r="http://schemas.openxmlformats.org/officeDocument/2006/relationships" xmlns:p="http://schemas.openxmlformats.org/presentationml/2006/main">
   <p:cSld>
     <p:spTree>
@@ -14229,7 +14402,7 @@
               <a:buNone/>
             </a:pPr>
             <a:r>
-              <a:rPr lang="en" sz="1800" dirty="0"/>
+              <a:rPr lang="en" sz="1800" noProof="0"/>
               <a:t>Data Model: Properties</a:t>
             </a:r>
           </a:p>
@@ -15457,7 +15630,7 @@
 </p:sld>
 </file>
 
-<file path=ppt/slides/slide25.xml><?xml version="1.0" encoding="utf-8"?>
+<file path=ppt/slides/slide27.xml><?xml version="1.0" encoding="utf-8"?>
 <p:sld xmlns:a="http://schemas.openxmlformats.org/drawingml/2006/main" xmlns:r="http://schemas.openxmlformats.org/officeDocument/2006/relationships" xmlns:p="http://schemas.openxmlformats.org/presentationml/2006/main">
   <p:cSld>
     <p:spTree>
@@ -15502,7 +15675,7 @@
               <a:buNone/>
             </a:pPr>
             <a:r>
-              <a:rPr lang="en" sz="2400"/>
+              <a:rPr lang="en" sz="2400" noProof="0"/>
               <a:t>Graphs (Neo4j) vs. RDBMS</a:t>
             </a:r>
           </a:p>
@@ -15545,7 +15718,7 @@
               <a:buChar char="●"/>
             </a:pPr>
             <a:r>
-              <a:rPr lang="en" sz="2400">
+              <a:rPr lang="en" sz="2400" noProof="0" smtClean="0">
                 <a:solidFill>
                   <a:srgbClr val="990000"/>
                 </a:solidFill>
@@ -15553,11 +15726,11 @@
               <a:t>RDBMS</a:t>
             </a:r>
             <a:r>
-              <a:rPr lang="en" sz="2400"/>
+              <a:rPr lang="en" sz="2400" noProof="0" smtClean="0"/>
               <a:t> designed for a </a:t>
             </a:r>
             <a:r>
-              <a:rPr lang="en" sz="2400">
+              <a:rPr lang="en" sz="2400" noProof="0" smtClean="0">
                 <a:solidFill>
                   <a:srgbClr val="990000"/>
                 </a:solidFill>
@@ -15565,11 +15738,11 @@
               <a:t>single</a:t>
             </a:r>
             <a:r>
-              <a:rPr lang="en" sz="2400"/>
+              <a:rPr lang="en" sz="2400" noProof="0" smtClean="0"/>
               <a:t> type of </a:t>
             </a:r>
             <a:r>
-              <a:rPr lang="en" sz="2400">
+              <a:rPr lang="en" sz="2400" noProof="0" smtClean="0">
                 <a:solidFill>
                   <a:srgbClr val="990000"/>
                 </a:solidFill>
@@ -15590,7 +15763,7 @@
               <a:buChar char="o"/>
             </a:pPr>
             <a:r>
-              <a:rPr lang="en" sz="2400"/>
+              <a:rPr lang="en" sz="2400" noProof="0" smtClean="0"/>
               <a:t>“Who is my manager”</a:t>
             </a:r>
           </a:p>
@@ -15607,7 +15780,7 @@
               <a:buChar char="●"/>
             </a:pPr>
             <a:r>
-              <a:rPr lang="en" sz="2400">
+              <a:rPr lang="en" sz="2400" noProof="0" smtClean="0">
                 <a:solidFill>
                   <a:srgbClr val="990000"/>
                 </a:solidFill>
@@ -15615,11 +15788,11 @@
               <a:t>Adding</a:t>
             </a:r>
             <a:r>
-              <a:rPr lang="en" sz="2400"/>
+              <a:rPr lang="en" sz="2400" noProof="0" smtClean="0"/>
               <a:t> another relationship usually means a lot of </a:t>
             </a:r>
             <a:r>
-              <a:rPr lang="en" sz="2400">
+              <a:rPr lang="en" sz="2400" noProof="0" smtClean="0">
                 <a:solidFill>
                   <a:srgbClr val="990000"/>
                 </a:solidFill>
@@ -15640,11 +15813,11 @@
               <a:buChar char="●"/>
             </a:pPr>
             <a:r>
-              <a:rPr lang="en" sz="2400"/>
+              <a:rPr lang="en" sz="2400" noProof="0" smtClean="0"/>
               <a:t>In RDBMS </a:t>
             </a:r>
             <a:r>
-              <a:rPr lang="en" sz="2400">
+              <a:rPr lang="en" sz="2400" noProof="0" smtClean="0">
                 <a:solidFill>
                   <a:srgbClr val="990000"/>
                 </a:solidFill>
@@ -15652,11 +15825,11 @@
               <a:t>we model</a:t>
             </a:r>
             <a:r>
-              <a:rPr lang="en" sz="2400"/>
+              <a:rPr lang="en" sz="2400" noProof="0" smtClean="0"/>
               <a:t> the graph </a:t>
             </a:r>
             <a:r>
-              <a:rPr lang="en" sz="2400">
+              <a:rPr lang="en" sz="2400" noProof="0" smtClean="0">
                 <a:solidFill>
                   <a:srgbClr val="990000"/>
                 </a:solidFill>
@@ -15664,11 +15837,11 @@
               <a:t>beforehand</a:t>
             </a:r>
             <a:r>
-              <a:rPr lang="en" sz="2400"/>
+              <a:rPr lang="en" sz="2400" noProof="0" smtClean="0"/>
               <a:t> based on the </a:t>
             </a:r>
             <a:r>
-              <a:rPr lang="en" sz="2400">
+              <a:rPr lang="en" sz="2400" noProof="0" smtClean="0">
                 <a:solidFill>
                   <a:srgbClr val="990000"/>
                 </a:solidFill>
@@ -15676,7 +15849,7 @@
               <a:t>traversal</a:t>
             </a:r>
             <a:r>
-              <a:rPr lang="en" sz="2400"/>
+              <a:rPr lang="en" sz="2400" noProof="0" smtClean="0"/>
               <a:t> we want</a:t>
             </a:r>
           </a:p>
@@ -15693,7 +15866,7 @@
               <a:buChar char="o"/>
             </a:pPr>
             <a:r>
-              <a:rPr lang="en" sz="2400"/>
+              <a:rPr lang="en" sz="2400" noProof="0" smtClean="0"/>
               <a:t>If the traversal changes, the data will have to change</a:t>
             </a:r>
           </a:p>
@@ -15710,7 +15883,7 @@
               <a:buChar char="o"/>
             </a:pPr>
             <a:r>
-              <a:rPr lang="en" sz="2400">
+              <a:rPr lang="en" sz="2400" noProof="0" smtClean="0">
                 <a:solidFill>
                   <a:srgbClr val="990000"/>
                 </a:solidFill>
@@ -15718,7 +15891,7 @@
               <a:t>Graph DBs:</a:t>
             </a:r>
             <a:r>
-              <a:rPr lang="en" sz="2400"/>
+              <a:rPr lang="en" sz="2400" noProof="0" smtClean="0"/>
               <a:t> the relationship is not calculated but persisted</a:t>
             </a:r>
           </a:p>
@@ -15729,7 +15902,7 @@
               </a:spcBef>
               <a:buNone/>
             </a:pPr>
-            <a:endParaRPr sz="2400"/>
+            <a:endParaRPr lang="en" sz="2400" noProof="0"/>
           </a:p>
         </p:txBody>
       </p:sp>
@@ -15744,7 +15917,7 @@
 </p:sld>
 </file>
 
-<file path=ppt/slides/slide26.xml><?xml version="1.0" encoding="utf-8"?>
+<file path=ppt/slides/slide28.xml><?xml version="1.0" encoding="utf-8"?>
 <p:sld xmlns:a="http://schemas.openxmlformats.org/drawingml/2006/main" xmlns:r="http://schemas.openxmlformats.org/officeDocument/2006/relationships" xmlns:p="http://schemas.openxmlformats.org/presentationml/2006/main">
   <p:cSld>
     <p:spTree>
@@ -15789,7 +15962,7 @@
               <a:buNone/>
             </a:pPr>
             <a:r>
-              <a:rPr lang="en" sz="2400"/>
+              <a:rPr lang="en" sz="2400" noProof="0"/>
               <a:t>Graphs (Neo4j) vs. RDBMS (2)</a:t>
             </a:r>
           </a:p>
@@ -15828,7 +16001,7 @@
               <a:buChar char="●"/>
             </a:pPr>
             <a:r>
-              <a:rPr lang="en" sz="2400" dirty="0">
+              <a:rPr lang="en" sz="2400" noProof="0" smtClean="0">
                 <a:solidFill>
                   <a:srgbClr val="0B5394"/>
                 </a:solidFill>
@@ -15836,7 +16009,7 @@
               <a:t>RDBMS</a:t>
             </a:r>
             <a:r>
-              <a:rPr lang="en" sz="2400" dirty="0">
+              <a:rPr lang="en" sz="2400" noProof="0" smtClean="0">
                 <a:solidFill>
                   <a:srgbClr val="000000"/>
                 </a:solidFill>
@@ -15844,7 +16017,7 @@
               <a:t> is optimized for </a:t>
             </a:r>
             <a:r>
-              <a:rPr lang="en" sz="2400" dirty="0">
+              <a:rPr lang="en" sz="2400" noProof="0" smtClean="0">
                 <a:solidFill>
                   <a:srgbClr val="990000"/>
                 </a:solidFill>
@@ -15852,7 +16025,7 @@
               <a:t>aggregated</a:t>
             </a:r>
             <a:r>
-              <a:rPr lang="en" sz="2400" dirty="0">
+              <a:rPr lang="en" sz="2400" noProof="0" smtClean="0">
                 <a:solidFill>
                   <a:srgbClr val="000000"/>
                 </a:solidFill>
@@ -15873,7 +16046,7 @@
               <a:buChar char="●"/>
             </a:pPr>
             <a:r>
-              <a:rPr lang="en" sz="2400" dirty="0">
+              <a:rPr lang="en" sz="2400" noProof="0" smtClean="0">
                 <a:solidFill>
                   <a:srgbClr val="0B5394"/>
                 </a:solidFill>
@@ -15881,7 +16054,7 @@
               <a:t>Neo4j</a:t>
             </a:r>
             <a:r>
-              <a:rPr lang="en" sz="2400" dirty="0">
+              <a:rPr lang="en" sz="2400" noProof="0" smtClean="0">
                 <a:solidFill>
                   <a:srgbClr val="000000"/>
                 </a:solidFill>
@@ -15889,7 +16062,7 @@
               <a:t> is optimized for </a:t>
             </a:r>
             <a:r>
-              <a:rPr lang="en" sz="2400" dirty="0">
+              <a:rPr lang="en" sz="2400" noProof="0" smtClean="0">
                 <a:solidFill>
                   <a:srgbClr val="990000"/>
                 </a:solidFill>
@@ -15897,26 +16070,13 @@
               <a:t>highly connected</a:t>
             </a:r>
             <a:r>
-              <a:rPr lang="en" sz="2400" dirty="0">
+              <a:rPr lang="en" sz="2400" noProof="0" smtClean="0">
                 <a:solidFill>
                   <a:srgbClr val="000000"/>
                 </a:solidFill>
               </a:rPr>
-              <a:t> </a:t>
-            </a:r>
-            <a:r>
-              <a:rPr lang="en" sz="2400" dirty="0" smtClean="0">
-                <a:solidFill>
-                  <a:srgbClr val="000000"/>
-                </a:solidFill>
-              </a:rPr>
-              <a:t>data</a:t>
-            </a:r>
-            <a:endParaRPr lang="en-US" sz="2400" dirty="0" smtClean="0">
-              <a:solidFill>
-                <a:srgbClr val="000000"/>
-              </a:solidFill>
-            </a:endParaRPr>
+              <a:t> data</a:t>
+            </a:r>
           </a:p>
           <a:p>
             <a:pPr marL="857250" lvl="1" indent="-419100">
@@ -15931,14 +16091,14 @@
               <a:buChar char="●"/>
             </a:pPr>
             <a:r>
-              <a:rPr lang="en-US" sz="2000" dirty="0" smtClean="0">
+              <a:rPr lang="en" sz="2000" noProof="0" smtClean="0">
                 <a:solidFill>
                   <a:srgbClr val="000000"/>
                 </a:solidFill>
               </a:rPr>
               <a:t>It uses adjacency list as a data structure</a:t>
             </a:r>
-            <a:endParaRPr lang="en" sz="2000" dirty="0">
+            <a:endParaRPr lang="en" sz="2000" noProof="0">
               <a:solidFill>
                 <a:srgbClr val="000000"/>
               </a:solidFill>
@@ -16123,7 +16283,7 @@
 </p:sld>
 </file>
 
-<file path=ppt/slides/slide27.xml><?xml version="1.0" encoding="utf-8"?>
+<file path=ppt/slides/slide29.xml><?xml version="1.0" encoding="utf-8"?>
 <p:sld xmlns:a="http://schemas.openxmlformats.org/drawingml/2006/main" xmlns:r="http://schemas.openxmlformats.org/officeDocument/2006/relationships" xmlns:p="http://schemas.openxmlformats.org/presentationml/2006/main">
   <p:cSld>
     <p:spTree>
@@ -16168,7 +16328,7 @@
               <a:buNone/>
             </a:pPr>
             <a:r>
-              <a:rPr lang="en" sz="2400"/>
+              <a:rPr lang="en" sz="2400" noProof="0"/>
               <a:t>Graph DBs: Suitable Use Cases</a:t>
             </a:r>
           </a:p>
@@ -16211,7 +16371,7 @@
               <a:buChar char="●"/>
             </a:pPr>
             <a:r>
-              <a:rPr lang="en" sz="2400"/>
+              <a:rPr lang="en" sz="2400" noProof="0"/>
               <a:t>Connected Data</a:t>
             </a:r>
           </a:p>
@@ -16228,7 +16388,7 @@
               <a:buChar char="o"/>
             </a:pPr>
             <a:r>
-              <a:rPr lang="en" sz="2400">
+              <a:rPr lang="en" sz="2400" noProof="0">
                 <a:solidFill>
                   <a:srgbClr val="990000"/>
                 </a:solidFill>
@@ -16236,7 +16396,7 @@
               <a:t>Social</a:t>
             </a:r>
             <a:r>
-              <a:rPr lang="en" sz="2400"/>
+              <a:rPr lang="en" sz="2400" noProof="0"/>
               <a:t> networks</a:t>
             </a:r>
           </a:p>
@@ -16256,7 +16416,7 @@
               <a:buChar char="o"/>
             </a:pPr>
             <a:r>
-              <a:rPr lang="en" sz="2400"/>
+              <a:rPr lang="en" sz="2400" noProof="0"/>
               <a:t>Any link-rich domain is well suited for graph databases</a:t>
             </a:r>
           </a:p>
@@ -16273,7 +16433,7 @@
               <a:buChar char="●"/>
             </a:pPr>
             <a:r>
-              <a:rPr lang="en" sz="2400"/>
+              <a:rPr lang="en" sz="2400" noProof="0"/>
               <a:t>Routing, Dispatch, and Location-Based Services</a:t>
             </a:r>
           </a:p>
@@ -16290,7 +16450,7 @@
               <a:buChar char="o"/>
             </a:pPr>
             <a:r>
-              <a:rPr lang="en" sz="2400">
+              <a:rPr lang="en" sz="2400" noProof="0">
                 <a:solidFill>
                   <a:srgbClr val="0B5394"/>
                 </a:solidFill>
@@ -16298,11 +16458,11 @@
               <a:t>Node</a:t>
             </a:r>
             <a:r>
-              <a:rPr lang="en" sz="2400"/>
+              <a:rPr lang="en" sz="2400" noProof="0"/>
               <a:t> = </a:t>
             </a:r>
             <a:r>
-              <a:rPr lang="en" sz="2400">
+              <a:rPr lang="en" sz="2400" noProof="0">
                 <a:solidFill>
                   <a:srgbClr val="990000"/>
                 </a:solidFill>
@@ -16310,7 +16470,7 @@
               <a:t>location</a:t>
             </a:r>
             <a:r>
-              <a:rPr lang="en" sz="2400"/>
+              <a:rPr lang="en" sz="2400" noProof="0"/>
               <a:t> or address that has a delivery</a:t>
             </a:r>
           </a:p>
@@ -16327,7 +16487,7 @@
               <a:buChar char="o"/>
             </a:pPr>
             <a:r>
-              <a:rPr lang="en" sz="2400">
+              <a:rPr lang="en" sz="2400" noProof="0">
                 <a:solidFill>
                   <a:srgbClr val="0B5394"/>
                 </a:solidFill>
@@ -16335,11 +16495,11 @@
               <a:t>Graph</a:t>
             </a:r>
             <a:r>
-              <a:rPr lang="en" sz="2400"/>
+              <a:rPr lang="en" sz="2400" noProof="0"/>
               <a:t> = </a:t>
             </a:r>
             <a:r>
-              <a:rPr lang="en" sz="2400">
+              <a:rPr lang="en" sz="2400" noProof="0">
                 <a:solidFill>
                   <a:srgbClr val="990000"/>
                 </a:solidFill>
@@ -16347,7 +16507,7 @@
               <a:t>nodes</a:t>
             </a:r>
             <a:r>
-              <a:rPr lang="en" sz="2400"/>
+              <a:rPr lang="en" sz="2400" noProof="0"/>
               <a:t> where a delivery has to be made</a:t>
             </a:r>
           </a:p>
@@ -16367,7 +16527,7 @@
               <a:buChar char="o"/>
             </a:pPr>
             <a:r>
-              <a:rPr lang="en" sz="2400">
+              <a:rPr lang="en" sz="2400" noProof="0">
                 <a:solidFill>
                   <a:srgbClr val="0B5394"/>
                 </a:solidFill>
@@ -16375,11 +16535,11 @@
               <a:t>Relationships</a:t>
             </a:r>
             <a:r>
-              <a:rPr lang="en" sz="2400"/>
+              <a:rPr lang="en" sz="2400" noProof="0"/>
               <a:t> = </a:t>
             </a:r>
             <a:r>
-              <a:rPr lang="en" sz="2400">
+              <a:rPr lang="en" sz="2400" noProof="0">
                 <a:solidFill>
                   <a:srgbClr val="990000"/>
                 </a:solidFill>
@@ -16400,7 +16560,7 @@
               <a:buChar char="●"/>
             </a:pPr>
             <a:r>
-              <a:rPr lang="en" sz="2400">
+              <a:rPr lang="en" sz="2400" noProof="0">
                 <a:solidFill>
                   <a:srgbClr val="990000"/>
                 </a:solidFill>
@@ -16408,7 +16568,7 @@
               <a:t>Recommendation</a:t>
             </a:r>
             <a:r>
-              <a:rPr lang="en" sz="2400"/>
+              <a:rPr lang="en" sz="2400" noProof="0"/>
               <a:t> Engines</a:t>
             </a:r>
           </a:p>
@@ -16425,7 +16585,7 @@
               <a:buChar char="o"/>
             </a:pPr>
             <a:r>
-              <a:rPr lang="en" sz="2400"/>
+              <a:rPr lang="en" sz="2400" noProof="0"/>
               <a:t>“your friends also bought this product”</a:t>
             </a:r>
           </a:p>
@@ -16442,7 +16602,7 @@
               <a:buChar char="o"/>
             </a:pPr>
             <a:r>
-              <a:rPr lang="en" sz="2400"/>
+              <a:rPr lang="en" sz="2400" noProof="0"/>
               <a:t>“when buying this item, these others are usually bought”</a:t>
             </a:r>
           </a:p>
@@ -16454,7 +16614,7 @@
               <a:buNone/>
             </a:pPr>
             <a:r>
-              <a:rPr lang="en" sz="2400"/>
+              <a:rPr lang="en" sz="2400" noProof="0"/>
               <a:t>	</a:t>
             </a:r>
           </a:p>
@@ -16464,534 +16624,6 @@
     <p:extLst>
       <p:ext uri="{BB962C8B-B14F-4D97-AF65-F5344CB8AC3E}">
         <p14:creationId xmlns:p14="http://schemas.microsoft.com/office/powerpoint/2010/main" val="2063446282"/>
-      </p:ext>
-    </p:extLst>
-  </p:cSld>
-  <p:clrMapOvr>
-    <a:masterClrMapping/>
-  </p:clrMapOvr>
-  <p:transition xmlns:p14="http://schemas.microsoft.com/office/powerpoint/2010/main" spd="slow">
-    <p:cut/>
-  </p:transition>
-</p:sld>
-</file>
-
-<file path=ppt/slides/slide28.xml><?xml version="1.0" encoding="utf-8"?>
-<p:sld xmlns:a="http://schemas.openxmlformats.org/drawingml/2006/main" xmlns:r="http://schemas.openxmlformats.org/officeDocument/2006/relationships" xmlns:p="http://schemas.openxmlformats.org/presentationml/2006/main">
-  <p:cSld>
-    <p:spTree>
-      <p:nvGrpSpPr>
-        <p:cNvPr id="1" name="Shape 355"/>
-        <p:cNvGrpSpPr/>
-        <p:nvPr/>
-      </p:nvGrpSpPr>
-      <p:grpSpPr>
-        <a:xfrm>
-          <a:off x="0" y="0"/>
-          <a:ext cx="0" cy="0"/>
-          <a:chOff x="0" y="0"/>
-          <a:chExt cx="0" cy="0"/>
-        </a:xfrm>
-      </p:grpSpPr>
-      <p:sp>
-        <p:nvSpPr>
-          <p:cNvPr id="356" name="Shape 356"/>
-          <p:cNvSpPr txBox="1">
-            <a:spLocks noGrp="1"/>
-          </p:cNvSpPr>
-          <p:nvPr>
-            <p:ph type="title"/>
-          </p:nvPr>
-        </p:nvSpPr>
-        <p:spPr>
-          <a:prstGeom prst="rect">
-            <a:avLst/>
-          </a:prstGeom>
-        </p:spPr>
-        <p:txBody>
-          <a:bodyPr lIns="91425" tIns="91425" rIns="91425" bIns="91425" anchor="b" anchorCtr="0">
-            <a:noAutofit/>
-          </a:bodyPr>
-          <a:lstStyle/>
-          <a:p>
-            <a:pPr lvl="0" rtl="0">
-              <a:spcBef>
-                <a:spcPts val="0"/>
-              </a:spcBef>
-              <a:buNone/>
-            </a:pPr>
-            <a:r>
-              <a:rPr lang="en" sz="2400"/>
-              <a:t>Graph DBs: When Not to Use</a:t>
-            </a:r>
-          </a:p>
-        </p:txBody>
-      </p:sp>
-      <p:sp>
-        <p:nvSpPr>
-          <p:cNvPr id="357" name="Shape 357"/>
-          <p:cNvSpPr txBox="1">
-            <a:spLocks noGrp="1"/>
-          </p:cNvSpPr>
-          <p:nvPr>
-            <p:ph type="body" idx="1"/>
-          </p:nvPr>
-        </p:nvSpPr>
-        <p:spPr>
-          <a:xfrm>
-            <a:off x="457200" y="1038400"/>
-            <a:ext cx="8462099" cy="4434599"/>
-          </a:xfrm>
-          <a:prstGeom prst="rect">
-            <a:avLst/>
-          </a:prstGeom>
-        </p:spPr>
-        <p:txBody>
-          <a:bodyPr lIns="91425" tIns="91425" rIns="91425" bIns="91425" anchor="t" anchorCtr="0">
-            <a:noAutofit/>
-          </a:bodyPr>
-          <a:lstStyle/>
-          <a:p>
-            <a:pPr marL="457200" lvl="0" indent="-419100" rtl="0">
-              <a:spcBef>
-                <a:spcPts val="0"/>
-              </a:spcBef>
-              <a:buClr>
-                <a:schemeClr val="dk1"/>
-              </a:buClr>
-              <a:buSzPct val="100000"/>
-              <a:buFont typeface="Arial"/>
-              <a:buChar char="●"/>
-            </a:pPr>
-            <a:r>
-              <a:rPr lang="en" sz="2400" dirty="0"/>
-              <a:t>If we want to </a:t>
-            </a:r>
-            <a:r>
-              <a:rPr lang="en" sz="2400" dirty="0">
-                <a:solidFill>
-                  <a:srgbClr val="990000"/>
-                </a:solidFill>
-              </a:rPr>
-              <a:t>update</a:t>
-            </a:r>
-            <a:r>
-              <a:rPr lang="en" sz="2400" dirty="0"/>
-              <a:t> all or a </a:t>
-            </a:r>
-            <a:r>
-              <a:rPr lang="en" sz="2400" dirty="0">
-                <a:solidFill>
-                  <a:srgbClr val="990000"/>
-                </a:solidFill>
-              </a:rPr>
-              <a:t>subset</a:t>
-            </a:r>
-            <a:r>
-              <a:rPr lang="en" sz="2400" dirty="0"/>
-              <a:t> of entities</a:t>
-            </a:r>
-          </a:p>
-          <a:p>
-            <a:pPr marL="914400" lvl="1" indent="-381000" rtl="0">
-              <a:spcBef>
-                <a:spcPts val="0"/>
-              </a:spcBef>
-              <a:buClr>
-                <a:schemeClr val="dk1"/>
-              </a:buClr>
-              <a:buSzPct val="80000"/>
-              <a:buFont typeface="Courier New"/>
-              <a:buChar char="o"/>
-            </a:pPr>
-            <a:r>
-              <a:rPr lang="en" sz="2400" dirty="0"/>
-              <a:t>Changing a property on many nodes is not straightforward</a:t>
-            </a:r>
-          </a:p>
-          <a:p>
-            <a:pPr marL="1371600" lvl="2" indent="-342900" rtl="0">
-              <a:spcBef>
-                <a:spcPts val="0"/>
-              </a:spcBef>
-              <a:buClr>
-                <a:schemeClr val="dk1"/>
-              </a:buClr>
-              <a:buSzPct val="60000"/>
-              <a:buFont typeface="Wingdings"/>
-              <a:buChar char="§"/>
-            </a:pPr>
-            <a:r>
-              <a:rPr lang="en" sz="2400" dirty="0"/>
-              <a:t>e.g., analytics solution where all entities may need to be updated with a changed property</a:t>
-            </a:r>
-            <a:br>
-              <a:rPr lang="en" sz="2400" dirty="0"/>
-            </a:br>
-            <a:endParaRPr lang="en" sz="2400" dirty="0"/>
-          </a:p>
-          <a:p>
-            <a:pPr marL="457200" lvl="0" indent="-419100" rtl="0">
-              <a:spcBef>
-                <a:spcPts val="0"/>
-              </a:spcBef>
-              <a:buClr>
-                <a:schemeClr val="dk1"/>
-              </a:buClr>
-              <a:buSzPct val="100000"/>
-              <a:buFont typeface="Arial"/>
-              <a:buChar char="●"/>
-            </a:pPr>
-            <a:r>
-              <a:rPr lang="en" sz="2400" dirty="0">
-                <a:solidFill>
-                  <a:srgbClr val="990000"/>
-                </a:solidFill>
-              </a:rPr>
-              <a:t>Some</a:t>
-            </a:r>
-            <a:r>
-              <a:rPr lang="en" sz="2400" dirty="0"/>
-              <a:t> graph databases may be </a:t>
-            </a:r>
-            <a:r>
-              <a:rPr lang="en" sz="2400" dirty="0">
-                <a:solidFill>
-                  <a:srgbClr val="990000"/>
-                </a:solidFill>
-              </a:rPr>
-              <a:t>unable </a:t>
-            </a:r>
-            <a:r>
-              <a:rPr lang="en" sz="2400" dirty="0"/>
-              <a:t>to handle </a:t>
-            </a:r>
-            <a:r>
-              <a:rPr lang="en" sz="2400" dirty="0">
-                <a:solidFill>
-                  <a:srgbClr val="990000"/>
-                </a:solidFill>
-              </a:rPr>
-              <a:t>lots</a:t>
-            </a:r>
-            <a:r>
-              <a:rPr lang="en" sz="2400" dirty="0"/>
-              <a:t> of data</a:t>
-            </a:r>
-          </a:p>
-          <a:p>
-            <a:pPr marL="914400" lvl="1" indent="-381000" rtl="0">
-              <a:spcBef>
-                <a:spcPts val="0"/>
-              </a:spcBef>
-              <a:buClr>
-                <a:schemeClr val="dk1"/>
-              </a:buClr>
-              <a:buSzPct val="80000"/>
-              <a:buFont typeface="Courier New"/>
-              <a:buChar char="o"/>
-            </a:pPr>
-            <a:r>
-              <a:rPr lang="en" sz="2400" dirty="0">
-                <a:solidFill>
-                  <a:srgbClr val="990000"/>
-                </a:solidFill>
-              </a:rPr>
-              <a:t>Distribution </a:t>
-            </a:r>
-            <a:r>
-              <a:rPr lang="en" sz="2400" dirty="0"/>
-              <a:t>of a graph is </a:t>
-            </a:r>
-            <a:r>
-              <a:rPr lang="en" sz="2400" dirty="0">
-                <a:solidFill>
-                  <a:srgbClr val="990000"/>
-                </a:solidFill>
-              </a:rPr>
-              <a:t>difficult</a:t>
-            </a:r>
-          </a:p>
-          <a:p>
-            <a:pPr lvl="0" rtl="0">
-              <a:spcBef>
-                <a:spcPts val="0"/>
-              </a:spcBef>
-              <a:buNone/>
-            </a:pPr>
-            <a:endParaRPr sz="2400" dirty="0"/>
-          </a:p>
-        </p:txBody>
-      </p:sp>
-    </p:spTree>
-    <p:extLst>
-      <p:ext uri="{BB962C8B-B14F-4D97-AF65-F5344CB8AC3E}">
-        <p14:creationId xmlns:p14="http://schemas.microsoft.com/office/powerpoint/2010/main" val="1001513704"/>
-      </p:ext>
-    </p:extLst>
-  </p:cSld>
-  <p:clrMapOvr>
-    <a:masterClrMapping/>
-  </p:clrMapOvr>
-  <p:transition xmlns:p14="http://schemas.microsoft.com/office/powerpoint/2010/main" spd="slow">
-    <p:cut/>
-  </p:transition>
-</p:sld>
-</file>
-
-<file path=ppt/slides/slide29.xml><?xml version="1.0" encoding="utf-8"?>
-<p:sld xmlns:a="http://schemas.openxmlformats.org/drawingml/2006/main" xmlns:r="http://schemas.openxmlformats.org/officeDocument/2006/relationships" xmlns:p="http://schemas.openxmlformats.org/presentationml/2006/main">
-  <p:cSld>
-    <p:spTree>
-      <p:nvGrpSpPr>
-        <p:cNvPr id="1" name="Shape 62"/>
-        <p:cNvGrpSpPr/>
-        <p:nvPr/>
-      </p:nvGrpSpPr>
-      <p:grpSpPr>
-        <a:xfrm>
-          <a:off x="0" y="0"/>
-          <a:ext cx="0" cy="0"/>
-          <a:chOff x="0" y="0"/>
-          <a:chExt cx="0" cy="0"/>
-        </a:xfrm>
-      </p:grpSpPr>
-      <p:sp>
-        <p:nvSpPr>
-          <p:cNvPr id="63" name="Shape 63"/>
-          <p:cNvSpPr txBox="1">
-            <a:spLocks noGrp="1"/>
-          </p:cNvSpPr>
-          <p:nvPr>
-            <p:ph type="title"/>
-          </p:nvPr>
-        </p:nvSpPr>
-        <p:spPr>
-          <a:prstGeom prst="rect">
-            <a:avLst/>
-          </a:prstGeom>
-        </p:spPr>
-        <p:txBody>
-          <a:bodyPr lIns="91425" tIns="91425" rIns="91425" bIns="91425" anchor="b" anchorCtr="0">
-            <a:noAutofit/>
-          </a:bodyPr>
-          <a:lstStyle/>
-          <a:p>
-            <a:pPr lvl="0" rtl="0">
-              <a:spcBef>
-                <a:spcPts val="0"/>
-              </a:spcBef>
-              <a:buNone/>
-            </a:pPr>
-            <a:r>
-              <a:rPr lang="en" sz="1800" dirty="0"/>
-              <a:t>Neo4j: Basic Info</a:t>
-            </a:r>
-          </a:p>
-        </p:txBody>
-      </p:sp>
-      <p:sp>
-        <p:nvSpPr>
-          <p:cNvPr id="64" name="Shape 64"/>
-          <p:cNvSpPr txBox="1">
-            <a:spLocks noGrp="1"/>
-          </p:cNvSpPr>
-          <p:nvPr>
-            <p:ph type="body" idx="1"/>
-          </p:nvPr>
-        </p:nvSpPr>
-        <p:spPr>
-          <a:prstGeom prst="rect">
-            <a:avLst/>
-          </a:prstGeom>
-        </p:spPr>
-        <p:txBody>
-          <a:bodyPr lIns="91425" tIns="91425" rIns="91425" bIns="91425" anchor="t" anchorCtr="0">
-            <a:noAutofit/>
-          </a:bodyPr>
-          <a:lstStyle/>
-          <a:p>
-            <a:pPr marL="457200" lvl="0" indent="-419100" rtl="0">
-              <a:spcBef>
-                <a:spcPts val="0"/>
-              </a:spcBef>
-              <a:buClr>
-                <a:schemeClr val="dk1"/>
-              </a:buClr>
-              <a:buSzPct val="100000"/>
-              <a:buFont typeface="Arial"/>
-              <a:buChar char="●"/>
-            </a:pPr>
-            <a:r>
-              <a:rPr lang="en" sz="1800" dirty="0">
-                <a:solidFill>
-                  <a:srgbClr val="990000"/>
-                </a:solidFill>
-              </a:rPr>
-              <a:t>Open source</a:t>
-            </a:r>
-            <a:r>
-              <a:rPr lang="en" sz="1800" dirty="0"/>
-              <a:t> graph database</a:t>
-            </a:r>
-          </a:p>
-          <a:p>
-            <a:pPr marL="457200" lvl="0" indent="-419100" rtl="0">
-              <a:spcBef>
-                <a:spcPts val="0"/>
-              </a:spcBef>
-              <a:buClr>
-                <a:schemeClr val="dk1"/>
-              </a:buClr>
-              <a:buSzPct val="100000"/>
-              <a:buFont typeface="Arial"/>
-              <a:buChar char="●"/>
-            </a:pPr>
-            <a:r>
-              <a:rPr lang="en" sz="1800" dirty="0" smtClean="0"/>
-              <a:t>Initial </a:t>
-            </a:r>
-            <a:r>
-              <a:rPr lang="en" sz="1800" dirty="0"/>
-              <a:t>release: 2007</a:t>
-            </a:r>
-          </a:p>
-          <a:p>
-            <a:pPr marL="457200" lvl="0" indent="-419100" rtl="0">
-              <a:spcBef>
-                <a:spcPts val="0"/>
-              </a:spcBef>
-              <a:buClr>
-                <a:schemeClr val="dk1"/>
-              </a:buClr>
-              <a:buSzPct val="100000"/>
-              <a:buFont typeface="Arial"/>
-              <a:buChar char="●"/>
-            </a:pPr>
-            <a:r>
-              <a:rPr lang="en" sz="1800" dirty="0"/>
-              <a:t>Written in: </a:t>
-            </a:r>
-            <a:r>
-              <a:rPr lang="en" sz="1800" dirty="0">
-                <a:solidFill>
-                  <a:srgbClr val="990000"/>
-                </a:solidFill>
-              </a:rPr>
-              <a:t>Java</a:t>
-            </a:r>
-          </a:p>
-          <a:p>
-            <a:pPr marL="457200" lvl="0" indent="-419100" rtl="0">
-              <a:spcBef>
-                <a:spcPts val="0"/>
-              </a:spcBef>
-              <a:buClr>
-                <a:schemeClr val="dk1"/>
-              </a:buClr>
-              <a:buSzPct val="100000"/>
-              <a:buFont typeface="Arial"/>
-              <a:buChar char="●"/>
-            </a:pPr>
-            <a:r>
-              <a:rPr lang="en" sz="1800" dirty="0"/>
-              <a:t>OS: cross-platform</a:t>
-            </a:r>
-          </a:p>
-          <a:p>
-            <a:pPr marL="457200" lvl="0" indent="-419100" rtl="0">
-              <a:spcBef>
-                <a:spcPts val="0"/>
-              </a:spcBef>
-              <a:buClr>
-                <a:schemeClr val="dk1"/>
-              </a:buClr>
-              <a:buSzPct val="100000"/>
-              <a:buFont typeface="Arial"/>
-              <a:buChar char="●"/>
-            </a:pPr>
-            <a:r>
-              <a:rPr lang="en" sz="1800" dirty="0"/>
-              <a:t>Full </a:t>
-            </a:r>
-            <a:r>
-              <a:rPr lang="en" sz="1800" dirty="0">
-                <a:solidFill>
-                  <a:srgbClr val="990000"/>
-                </a:solidFill>
-              </a:rPr>
-              <a:t>transactions</a:t>
-            </a:r>
-            <a:r>
-              <a:rPr lang="en" sz="1800" dirty="0"/>
-              <a:t> (ACID)</a:t>
-            </a:r>
-          </a:p>
-          <a:p>
-            <a:pPr marL="457200" lvl="0" indent="-419100" rtl="0">
-              <a:spcBef>
-                <a:spcPts val="0"/>
-              </a:spcBef>
-              <a:buClr>
-                <a:schemeClr val="dk1"/>
-              </a:buClr>
-              <a:buSzPct val="100000"/>
-              <a:buFont typeface="Arial"/>
-              <a:buChar char="●"/>
-            </a:pPr>
-            <a:r>
-              <a:rPr lang="en" sz="1800" dirty="0"/>
-              <a:t>Partitioning: None</a:t>
-            </a:r>
-          </a:p>
-          <a:p>
-            <a:pPr marL="457200" lvl="0" indent="-419100" rtl="0">
-              <a:spcBef>
-                <a:spcPts val="0"/>
-              </a:spcBef>
-              <a:buClr>
-                <a:schemeClr val="dk1"/>
-              </a:buClr>
-              <a:buSzPct val="100000"/>
-              <a:buFont typeface="Arial"/>
-              <a:buChar char="●"/>
-            </a:pPr>
-            <a:r>
-              <a:rPr lang="en" sz="1800" dirty="0">
-                <a:solidFill>
-                  <a:srgbClr val="990000"/>
-                </a:solidFill>
-              </a:rPr>
-              <a:t>Replication</a:t>
-            </a:r>
-            <a:r>
-              <a:rPr lang="en" sz="1800" dirty="0"/>
-              <a:t>: Master-slave</a:t>
-            </a:r>
-          </a:p>
-          <a:p>
-            <a:pPr marL="914400" lvl="1" indent="-381000" rtl="0">
-              <a:spcBef>
-                <a:spcPts val="0"/>
-              </a:spcBef>
-              <a:buClr>
-                <a:schemeClr val="dk1"/>
-              </a:buClr>
-              <a:buSzPct val="80000"/>
-              <a:buFont typeface="Courier New"/>
-              <a:buChar char="o"/>
-            </a:pPr>
-            <a:r>
-              <a:rPr lang="en" sz="1800" dirty="0"/>
-              <a:t>Eventual consistency</a:t>
-            </a:r>
-          </a:p>
-        </p:txBody>
-      </p:sp>
-    </p:spTree>
-    <p:extLst>
-      <p:ext uri="{BB962C8B-B14F-4D97-AF65-F5344CB8AC3E}">
-        <p14:creationId xmlns:p14="http://schemas.microsoft.com/office/powerpoint/2010/main" val="625055517"/>
       </p:ext>
     </p:extLst>
   </p:cSld>
@@ -17053,10 +16685,10 @@
               <a:buNone/>
             </a:pPr>
             <a:r>
-              <a:rPr lang="en-US" sz="2400" dirty="0" smtClean="0"/>
+              <a:rPr lang="en" sz="2400" noProof="0" smtClean="0"/>
               <a:t>RDBMS recap</a:t>
             </a:r>
-            <a:endParaRPr lang="en" sz="2400" dirty="0"/>
+            <a:endParaRPr lang="en" sz="2400" noProof="0"/>
           </a:p>
         </p:txBody>
       </p:sp>
@@ -17097,11 +16729,11 @@
               <a:buChar char="●"/>
             </a:pPr>
             <a:r>
-              <a:rPr lang="en" sz="2400" dirty="0"/>
+              <a:rPr lang="en" sz="2400" noProof="0" smtClean="0"/>
               <a:t>RDBMS are </a:t>
             </a:r>
             <a:r>
-              <a:rPr lang="en" sz="2400" dirty="0">
+              <a:rPr lang="en" sz="2400" noProof="0" smtClean="0">
                 <a:solidFill>
                   <a:srgbClr val="990000"/>
                 </a:solidFill>
@@ -17109,7 +16741,7 @@
               <a:t>predominant</a:t>
             </a:r>
             <a:r>
-              <a:rPr lang="en" sz="2400" dirty="0"/>
+              <a:rPr lang="en" sz="2400" noProof="0" smtClean="0"/>
               <a:t> database technologies</a:t>
             </a:r>
           </a:p>
@@ -17126,22 +16758,9 @@
               <a:buChar char="o"/>
             </a:pPr>
             <a:r>
-              <a:rPr lang="en" sz="2400" dirty="0" smtClean="0"/>
-              <a:t>S</a:t>
-            </a:r>
-            <a:r>
-              <a:rPr lang="en-US" sz="2400" dirty="0" err="1" smtClean="0"/>
-              <a:t>ince</a:t>
-            </a:r>
-            <a:r>
-              <a:rPr lang="en-US" sz="2400" dirty="0" smtClean="0"/>
-              <a:t> </a:t>
-            </a:r>
-            <a:r>
-              <a:rPr lang="en" sz="2400" dirty="0" smtClean="0"/>
-              <a:t>1970</a:t>
-            </a:r>
-            <a:endParaRPr lang="en-US" sz="2400" dirty="0" smtClean="0"/>
+              <a:rPr lang="en" sz="2400" noProof="0" smtClean="0"/>
+              <a:t>Since 1970</a:t>
+            </a:r>
           </a:p>
           <a:p>
             <a:pPr marL="914400" lvl="1" indent="-381000" rtl="0">
@@ -17155,7 +16774,7 @@
               <a:buFont typeface="Courier New"/>
               <a:buChar char="o"/>
             </a:pPr>
-            <a:endParaRPr lang="en" sz="2400" dirty="0"/>
+            <a:endParaRPr lang="en" sz="2400" noProof="0" smtClean="0"/>
           </a:p>
           <a:p>
             <a:pPr marL="457200" lvl="0" indent="-419100" rtl="0">
@@ -17170,11 +16789,11 @@
               <a:buChar char="●"/>
             </a:pPr>
             <a:r>
-              <a:rPr lang="en" sz="2400" dirty="0"/>
+              <a:rPr lang="en" sz="2400" noProof="0" smtClean="0"/>
               <a:t>Data modeled as relations (</a:t>
             </a:r>
             <a:r>
-              <a:rPr lang="en" sz="2400" dirty="0">
+              <a:rPr lang="en" sz="2400" noProof="0" smtClean="0">
                 <a:solidFill>
                   <a:srgbClr val="990000"/>
                 </a:solidFill>
@@ -17182,7 +16801,7 @@
               <a:t>tables</a:t>
             </a:r>
             <a:r>
-              <a:rPr lang="en" sz="2400" dirty="0"/>
+              <a:rPr lang="en" sz="2400" noProof="0" smtClean="0"/>
               <a:t>)</a:t>
             </a:r>
           </a:p>
@@ -17199,11 +16818,11 @@
               <a:buChar char="o"/>
             </a:pPr>
             <a:r>
-              <a:rPr lang="en" sz="2400" dirty="0"/>
+              <a:rPr lang="en" sz="2400" noProof="0" smtClean="0"/>
               <a:t>object = </a:t>
             </a:r>
             <a:r>
-              <a:rPr lang="en" sz="2400" dirty="0">
+              <a:rPr lang="en" sz="2400" noProof="0" smtClean="0">
                 <a:solidFill>
                   <a:srgbClr val="990000"/>
                 </a:solidFill>
@@ -17211,7 +16830,7 @@
               <a:t>tuple</a:t>
             </a:r>
             <a:r>
-              <a:rPr lang="en" sz="2400" dirty="0"/>
+              <a:rPr lang="en" sz="2400" noProof="0" smtClean="0"/>
               <a:t> of attribute values</a:t>
             </a:r>
           </a:p>
@@ -17228,7 +16847,7 @@
               <a:buChar char="o"/>
             </a:pPr>
             <a:r>
-              <a:rPr lang="en" sz="2400" dirty="0">
+              <a:rPr lang="en" sz="2400" noProof="0" smtClean="0">
                 <a:solidFill>
                   <a:srgbClr val="990000"/>
                 </a:solidFill>
@@ -17236,11 +16855,11 @@
               <a:t>tables </a:t>
             </a:r>
             <a:r>
-              <a:rPr lang="en" sz="2400" dirty="0"/>
+              <a:rPr lang="en" sz="2400" noProof="0" smtClean="0"/>
               <a:t>contain objects of the </a:t>
             </a:r>
             <a:r>
-              <a:rPr lang="en" sz="2400" dirty="0">
+              <a:rPr lang="en" sz="2400" noProof="0" smtClean="0">
                 <a:solidFill>
                   <a:srgbClr val="990000"/>
                 </a:solidFill>
@@ -17261,11 +16880,11 @@
               <a:buChar char="o"/>
             </a:pPr>
             <a:r>
-              <a:rPr lang="en" sz="2400" dirty="0"/>
+              <a:rPr lang="en" sz="2400" noProof="0" smtClean="0"/>
               <a:t>tables interconnected via </a:t>
             </a:r>
             <a:r>
-              <a:rPr lang="en" sz="2400" dirty="0">
+              <a:rPr lang="en" sz="2400" noProof="0" smtClean="0">
                 <a:solidFill>
                   <a:srgbClr val="990000"/>
                 </a:solidFill>
@@ -17273,13 +16892,13 @@
               <a:t>foreign keys</a:t>
             </a:r>
             <a:r>
-              <a:rPr lang="en" sz="2400" dirty="0"/>
+              <a:rPr lang="en" sz="2400" noProof="0" smtClean="0"/>
               <a:t/>
             </a:r>
             <a:br>
-              <a:rPr lang="en" sz="2400" dirty="0"/>
+              <a:rPr lang="en" sz="2400" noProof="0" smtClean="0"/>
             </a:br>
-            <a:endParaRPr lang="en" sz="2400" dirty="0"/>
+            <a:endParaRPr lang="en" sz="2400" noProof="0" smtClean="0"/>
           </a:p>
           <a:p>
             <a:pPr marL="457200" lvl="0" indent="-419100" rtl="0">
@@ -17294,11 +16913,11 @@
               <a:buChar char="●"/>
             </a:pPr>
             <a:r>
-              <a:rPr lang="en-US" sz="2400" dirty="0" smtClean="0"/>
+              <a:rPr lang="en" sz="2400" noProof="0" smtClean="0"/>
               <a:t>Use </a:t>
             </a:r>
             <a:r>
-              <a:rPr lang="en" sz="2400" dirty="0" smtClean="0">
+              <a:rPr lang="en" sz="2400" noProof="0" smtClean="0">
                 <a:solidFill>
                   <a:srgbClr val="990000"/>
                 </a:solidFill>
@@ -17306,12 +16925,8 @@
               <a:t>SQL</a:t>
             </a:r>
             <a:r>
-              <a:rPr lang="en" sz="2400" dirty="0" smtClean="0"/>
-              <a:t> </a:t>
-            </a:r>
-            <a:r>
-              <a:rPr lang="en" sz="2400" dirty="0"/>
-              <a:t>query language</a:t>
+              <a:rPr lang="en" sz="2400" noProof="0" smtClean="0"/>
+              <a:t> query language</a:t>
             </a:r>
           </a:p>
           <a:p>
@@ -17321,7 +16936,7 @@
               </a:spcBef>
               <a:buNone/>
             </a:pPr>
-            <a:endParaRPr sz="2400" dirty="0"/>
+            <a:endParaRPr lang="en" sz="2400" noProof="0"/>
           </a:p>
         </p:txBody>
       </p:sp>
@@ -17346,6 +16961,534 @@
   <p:cSld>
     <p:spTree>
       <p:nvGrpSpPr>
+        <p:cNvPr id="1" name="Shape 355"/>
+        <p:cNvGrpSpPr/>
+        <p:nvPr/>
+      </p:nvGrpSpPr>
+      <p:grpSpPr>
+        <a:xfrm>
+          <a:off x="0" y="0"/>
+          <a:ext cx="0" cy="0"/>
+          <a:chOff x="0" y="0"/>
+          <a:chExt cx="0" cy="0"/>
+        </a:xfrm>
+      </p:grpSpPr>
+      <p:sp>
+        <p:nvSpPr>
+          <p:cNvPr id="356" name="Shape 356"/>
+          <p:cNvSpPr txBox="1">
+            <a:spLocks noGrp="1"/>
+          </p:cNvSpPr>
+          <p:nvPr>
+            <p:ph type="title"/>
+          </p:nvPr>
+        </p:nvSpPr>
+        <p:spPr>
+          <a:prstGeom prst="rect">
+            <a:avLst/>
+          </a:prstGeom>
+        </p:spPr>
+        <p:txBody>
+          <a:bodyPr lIns="91425" tIns="91425" rIns="91425" bIns="91425" anchor="b" anchorCtr="0">
+            <a:noAutofit/>
+          </a:bodyPr>
+          <a:lstStyle/>
+          <a:p>
+            <a:pPr lvl="0" rtl="0">
+              <a:spcBef>
+                <a:spcPts val="0"/>
+              </a:spcBef>
+              <a:buNone/>
+            </a:pPr>
+            <a:r>
+              <a:rPr lang="en" sz="2400" noProof="0"/>
+              <a:t>Graph DBs: When Not to Use</a:t>
+            </a:r>
+          </a:p>
+        </p:txBody>
+      </p:sp>
+      <p:sp>
+        <p:nvSpPr>
+          <p:cNvPr id="357" name="Shape 357"/>
+          <p:cNvSpPr txBox="1">
+            <a:spLocks noGrp="1"/>
+          </p:cNvSpPr>
+          <p:nvPr>
+            <p:ph type="body" idx="1"/>
+          </p:nvPr>
+        </p:nvSpPr>
+        <p:spPr>
+          <a:xfrm>
+            <a:off x="457200" y="1038400"/>
+            <a:ext cx="8462099" cy="4434599"/>
+          </a:xfrm>
+          <a:prstGeom prst="rect">
+            <a:avLst/>
+          </a:prstGeom>
+        </p:spPr>
+        <p:txBody>
+          <a:bodyPr lIns="91425" tIns="91425" rIns="91425" bIns="91425" anchor="t" anchorCtr="0">
+            <a:noAutofit/>
+          </a:bodyPr>
+          <a:lstStyle/>
+          <a:p>
+            <a:pPr marL="457200" lvl="0" indent="-419100" rtl="0">
+              <a:spcBef>
+                <a:spcPts val="0"/>
+              </a:spcBef>
+              <a:buClr>
+                <a:schemeClr val="dk1"/>
+              </a:buClr>
+              <a:buSzPct val="100000"/>
+              <a:buFont typeface="Arial"/>
+              <a:buChar char="●"/>
+            </a:pPr>
+            <a:r>
+              <a:rPr lang="en" sz="2400" noProof="0" smtClean="0"/>
+              <a:t>If we want to </a:t>
+            </a:r>
+            <a:r>
+              <a:rPr lang="en" sz="2400" noProof="0" smtClean="0">
+                <a:solidFill>
+                  <a:srgbClr val="990000"/>
+                </a:solidFill>
+              </a:rPr>
+              <a:t>update</a:t>
+            </a:r>
+            <a:r>
+              <a:rPr lang="en" sz="2400" noProof="0" smtClean="0"/>
+              <a:t> all or a </a:t>
+            </a:r>
+            <a:r>
+              <a:rPr lang="en" sz="2400" noProof="0" smtClean="0">
+                <a:solidFill>
+                  <a:srgbClr val="990000"/>
+                </a:solidFill>
+              </a:rPr>
+              <a:t>subset</a:t>
+            </a:r>
+            <a:r>
+              <a:rPr lang="en" sz="2400" noProof="0" smtClean="0"/>
+              <a:t> of entities</a:t>
+            </a:r>
+          </a:p>
+          <a:p>
+            <a:pPr marL="914400" lvl="1" indent="-381000" rtl="0">
+              <a:spcBef>
+                <a:spcPts val="0"/>
+              </a:spcBef>
+              <a:buClr>
+                <a:schemeClr val="dk1"/>
+              </a:buClr>
+              <a:buSzPct val="80000"/>
+              <a:buFont typeface="Courier New"/>
+              <a:buChar char="o"/>
+            </a:pPr>
+            <a:r>
+              <a:rPr lang="en" sz="2400" noProof="0" smtClean="0"/>
+              <a:t>Changing a property on many nodes is not straightforward</a:t>
+            </a:r>
+          </a:p>
+          <a:p>
+            <a:pPr marL="1371600" lvl="2" indent="-342900" rtl="0">
+              <a:spcBef>
+                <a:spcPts val="0"/>
+              </a:spcBef>
+              <a:buClr>
+                <a:schemeClr val="dk1"/>
+              </a:buClr>
+              <a:buSzPct val="60000"/>
+              <a:buFont typeface="Wingdings"/>
+              <a:buChar char="§"/>
+            </a:pPr>
+            <a:r>
+              <a:rPr lang="en" sz="2400" noProof="0" smtClean="0"/>
+              <a:t>e.g., analytics solution where all entities may need to be updated with a changed property</a:t>
+            </a:r>
+            <a:br>
+              <a:rPr lang="en" sz="2400" noProof="0" smtClean="0"/>
+            </a:br>
+            <a:endParaRPr lang="en" sz="2400" noProof="0" smtClean="0"/>
+          </a:p>
+          <a:p>
+            <a:pPr marL="457200" lvl="0" indent="-419100" rtl="0">
+              <a:spcBef>
+                <a:spcPts val="0"/>
+              </a:spcBef>
+              <a:buClr>
+                <a:schemeClr val="dk1"/>
+              </a:buClr>
+              <a:buSzPct val="100000"/>
+              <a:buFont typeface="Arial"/>
+              <a:buChar char="●"/>
+            </a:pPr>
+            <a:r>
+              <a:rPr lang="en" sz="2400" noProof="0" smtClean="0">
+                <a:solidFill>
+                  <a:srgbClr val="990000"/>
+                </a:solidFill>
+              </a:rPr>
+              <a:t>Some</a:t>
+            </a:r>
+            <a:r>
+              <a:rPr lang="en" sz="2400" noProof="0" smtClean="0"/>
+              <a:t> graph databases may be </a:t>
+            </a:r>
+            <a:r>
+              <a:rPr lang="en" sz="2400" noProof="0" smtClean="0">
+                <a:solidFill>
+                  <a:srgbClr val="990000"/>
+                </a:solidFill>
+              </a:rPr>
+              <a:t>unable </a:t>
+            </a:r>
+            <a:r>
+              <a:rPr lang="en" sz="2400" noProof="0" smtClean="0"/>
+              <a:t>to handle </a:t>
+            </a:r>
+            <a:r>
+              <a:rPr lang="en" sz="2400" noProof="0" smtClean="0">
+                <a:solidFill>
+                  <a:srgbClr val="990000"/>
+                </a:solidFill>
+              </a:rPr>
+              <a:t>lots</a:t>
+            </a:r>
+            <a:r>
+              <a:rPr lang="en" sz="2400" noProof="0" smtClean="0"/>
+              <a:t> of data</a:t>
+            </a:r>
+          </a:p>
+          <a:p>
+            <a:pPr marL="914400" lvl="1" indent="-381000" rtl="0">
+              <a:spcBef>
+                <a:spcPts val="0"/>
+              </a:spcBef>
+              <a:buClr>
+                <a:schemeClr val="dk1"/>
+              </a:buClr>
+              <a:buSzPct val="80000"/>
+              <a:buFont typeface="Courier New"/>
+              <a:buChar char="o"/>
+            </a:pPr>
+            <a:r>
+              <a:rPr lang="en" sz="2400" noProof="0" smtClean="0">
+                <a:solidFill>
+                  <a:srgbClr val="990000"/>
+                </a:solidFill>
+              </a:rPr>
+              <a:t>Distribution </a:t>
+            </a:r>
+            <a:r>
+              <a:rPr lang="en" sz="2400" noProof="0" smtClean="0"/>
+              <a:t>of a graph is </a:t>
+            </a:r>
+            <a:r>
+              <a:rPr lang="en" sz="2400" noProof="0" smtClean="0">
+                <a:solidFill>
+                  <a:srgbClr val="990000"/>
+                </a:solidFill>
+              </a:rPr>
+              <a:t>difficult</a:t>
+            </a:r>
+          </a:p>
+          <a:p>
+            <a:pPr lvl="0" rtl="0">
+              <a:spcBef>
+                <a:spcPts val="0"/>
+              </a:spcBef>
+              <a:buNone/>
+            </a:pPr>
+            <a:endParaRPr lang="en" sz="2400" noProof="0"/>
+          </a:p>
+        </p:txBody>
+      </p:sp>
+    </p:spTree>
+    <p:extLst>
+      <p:ext uri="{BB962C8B-B14F-4D97-AF65-F5344CB8AC3E}">
+        <p14:creationId xmlns:p14="http://schemas.microsoft.com/office/powerpoint/2010/main" val="1001513704"/>
+      </p:ext>
+    </p:extLst>
+  </p:cSld>
+  <p:clrMapOvr>
+    <a:masterClrMapping/>
+  </p:clrMapOvr>
+  <p:transition xmlns:p14="http://schemas.microsoft.com/office/powerpoint/2010/main" spd="slow">
+    <p:cut/>
+  </p:transition>
+</p:sld>
+</file>
+
+<file path=ppt/slides/slide31.xml><?xml version="1.0" encoding="utf-8"?>
+<p:sld xmlns:a="http://schemas.openxmlformats.org/drawingml/2006/main" xmlns:r="http://schemas.openxmlformats.org/officeDocument/2006/relationships" xmlns:p="http://schemas.openxmlformats.org/presentationml/2006/main">
+  <p:cSld>
+    <p:spTree>
+      <p:nvGrpSpPr>
+        <p:cNvPr id="1" name="Shape 62"/>
+        <p:cNvGrpSpPr/>
+        <p:nvPr/>
+      </p:nvGrpSpPr>
+      <p:grpSpPr>
+        <a:xfrm>
+          <a:off x="0" y="0"/>
+          <a:ext cx="0" cy="0"/>
+          <a:chOff x="0" y="0"/>
+          <a:chExt cx="0" cy="0"/>
+        </a:xfrm>
+      </p:grpSpPr>
+      <p:sp>
+        <p:nvSpPr>
+          <p:cNvPr id="63" name="Shape 63"/>
+          <p:cNvSpPr txBox="1">
+            <a:spLocks noGrp="1"/>
+          </p:cNvSpPr>
+          <p:nvPr>
+            <p:ph type="title"/>
+          </p:nvPr>
+        </p:nvSpPr>
+        <p:spPr>
+          <a:prstGeom prst="rect">
+            <a:avLst/>
+          </a:prstGeom>
+        </p:spPr>
+        <p:txBody>
+          <a:bodyPr lIns="91425" tIns="91425" rIns="91425" bIns="91425" anchor="b" anchorCtr="0">
+            <a:noAutofit/>
+          </a:bodyPr>
+          <a:lstStyle/>
+          <a:p>
+            <a:pPr lvl="0" rtl="0">
+              <a:spcBef>
+                <a:spcPts val="0"/>
+              </a:spcBef>
+              <a:buNone/>
+            </a:pPr>
+            <a:r>
+              <a:rPr lang="en" sz="1800" noProof="0"/>
+              <a:t>Neo4j: Basic Info</a:t>
+            </a:r>
+          </a:p>
+        </p:txBody>
+      </p:sp>
+      <p:sp>
+        <p:nvSpPr>
+          <p:cNvPr id="64" name="Shape 64"/>
+          <p:cNvSpPr txBox="1">
+            <a:spLocks noGrp="1"/>
+          </p:cNvSpPr>
+          <p:nvPr>
+            <p:ph type="body" idx="1"/>
+          </p:nvPr>
+        </p:nvSpPr>
+        <p:spPr>
+          <a:prstGeom prst="rect">
+            <a:avLst/>
+          </a:prstGeom>
+        </p:spPr>
+        <p:txBody>
+          <a:bodyPr lIns="91425" tIns="91425" rIns="91425" bIns="91425" anchor="t" anchorCtr="0">
+            <a:noAutofit/>
+          </a:bodyPr>
+          <a:lstStyle/>
+          <a:p>
+            <a:pPr marL="457200" lvl="0" indent="-419100" rtl="0">
+              <a:spcBef>
+                <a:spcPts val="0"/>
+              </a:spcBef>
+              <a:buClr>
+                <a:schemeClr val="dk1"/>
+              </a:buClr>
+              <a:buSzPct val="100000"/>
+              <a:buFont typeface="Arial"/>
+              <a:buChar char="●"/>
+            </a:pPr>
+            <a:r>
+              <a:rPr lang="en" sz="1800" noProof="0">
+                <a:solidFill>
+                  <a:srgbClr val="990000"/>
+                </a:solidFill>
+              </a:rPr>
+              <a:t>Open source</a:t>
+            </a:r>
+            <a:r>
+              <a:rPr lang="en" sz="1800" noProof="0"/>
+              <a:t> graph database</a:t>
+            </a:r>
+          </a:p>
+          <a:p>
+            <a:pPr marL="457200" lvl="0" indent="-419100" rtl="0">
+              <a:spcBef>
+                <a:spcPts val="0"/>
+              </a:spcBef>
+              <a:buClr>
+                <a:schemeClr val="dk1"/>
+              </a:buClr>
+              <a:buSzPct val="100000"/>
+              <a:buFont typeface="Arial"/>
+              <a:buChar char="●"/>
+            </a:pPr>
+            <a:r>
+              <a:rPr lang="en" sz="1800" noProof="0" smtClean="0"/>
+              <a:t>Initial </a:t>
+            </a:r>
+            <a:r>
+              <a:rPr lang="en" sz="1800" noProof="0"/>
+              <a:t>release: 2007</a:t>
+            </a:r>
+          </a:p>
+          <a:p>
+            <a:pPr marL="457200" lvl="0" indent="-419100" rtl="0">
+              <a:spcBef>
+                <a:spcPts val="0"/>
+              </a:spcBef>
+              <a:buClr>
+                <a:schemeClr val="dk1"/>
+              </a:buClr>
+              <a:buSzPct val="100000"/>
+              <a:buFont typeface="Arial"/>
+              <a:buChar char="●"/>
+            </a:pPr>
+            <a:r>
+              <a:rPr lang="en" sz="1800" noProof="0"/>
+              <a:t>Written in: </a:t>
+            </a:r>
+            <a:r>
+              <a:rPr lang="en" sz="1800" noProof="0">
+                <a:solidFill>
+                  <a:srgbClr val="990000"/>
+                </a:solidFill>
+              </a:rPr>
+              <a:t>Java</a:t>
+            </a:r>
+          </a:p>
+          <a:p>
+            <a:pPr marL="457200" lvl="0" indent="-419100" rtl="0">
+              <a:spcBef>
+                <a:spcPts val="0"/>
+              </a:spcBef>
+              <a:buClr>
+                <a:schemeClr val="dk1"/>
+              </a:buClr>
+              <a:buSzPct val="100000"/>
+              <a:buFont typeface="Arial"/>
+              <a:buChar char="●"/>
+            </a:pPr>
+            <a:r>
+              <a:rPr lang="en" sz="1800" noProof="0"/>
+              <a:t>OS: cross-platform</a:t>
+            </a:r>
+          </a:p>
+          <a:p>
+            <a:pPr marL="457200" lvl="0" indent="-419100" rtl="0">
+              <a:spcBef>
+                <a:spcPts val="0"/>
+              </a:spcBef>
+              <a:buClr>
+                <a:schemeClr val="dk1"/>
+              </a:buClr>
+              <a:buSzPct val="100000"/>
+              <a:buFont typeface="Arial"/>
+              <a:buChar char="●"/>
+            </a:pPr>
+            <a:r>
+              <a:rPr lang="en" sz="1800" noProof="0"/>
+              <a:t>Full </a:t>
+            </a:r>
+            <a:r>
+              <a:rPr lang="en" sz="1800" noProof="0">
+                <a:solidFill>
+                  <a:srgbClr val="990000"/>
+                </a:solidFill>
+              </a:rPr>
+              <a:t>transactions</a:t>
+            </a:r>
+            <a:r>
+              <a:rPr lang="en" sz="1800" noProof="0"/>
+              <a:t> (ACID)</a:t>
+            </a:r>
+          </a:p>
+          <a:p>
+            <a:pPr marL="457200" lvl="0" indent="-419100" rtl="0">
+              <a:spcBef>
+                <a:spcPts val="0"/>
+              </a:spcBef>
+              <a:buClr>
+                <a:schemeClr val="dk1"/>
+              </a:buClr>
+              <a:buSzPct val="100000"/>
+              <a:buFont typeface="Arial"/>
+              <a:buChar char="●"/>
+            </a:pPr>
+            <a:r>
+              <a:rPr lang="en" sz="1800" noProof="0"/>
+              <a:t>Partitioning: None</a:t>
+            </a:r>
+          </a:p>
+          <a:p>
+            <a:pPr marL="457200" lvl="0" indent="-419100" rtl="0">
+              <a:spcBef>
+                <a:spcPts val="0"/>
+              </a:spcBef>
+              <a:buClr>
+                <a:schemeClr val="dk1"/>
+              </a:buClr>
+              <a:buSzPct val="100000"/>
+              <a:buFont typeface="Arial"/>
+              <a:buChar char="●"/>
+            </a:pPr>
+            <a:r>
+              <a:rPr lang="en" sz="1800" noProof="0">
+                <a:solidFill>
+                  <a:srgbClr val="990000"/>
+                </a:solidFill>
+              </a:rPr>
+              <a:t>Replication</a:t>
+            </a:r>
+            <a:r>
+              <a:rPr lang="en" sz="1800" noProof="0"/>
+              <a:t>: Master-slave</a:t>
+            </a:r>
+          </a:p>
+          <a:p>
+            <a:pPr marL="914400" lvl="1" indent="-381000" rtl="0">
+              <a:spcBef>
+                <a:spcPts val="0"/>
+              </a:spcBef>
+              <a:buClr>
+                <a:schemeClr val="dk1"/>
+              </a:buClr>
+              <a:buSzPct val="80000"/>
+              <a:buFont typeface="Courier New"/>
+              <a:buChar char="o"/>
+            </a:pPr>
+            <a:r>
+              <a:rPr lang="en" sz="1800" noProof="0"/>
+              <a:t>Eventual consistency</a:t>
+            </a:r>
+          </a:p>
+        </p:txBody>
+      </p:sp>
+    </p:spTree>
+    <p:extLst>
+      <p:ext uri="{BB962C8B-B14F-4D97-AF65-F5344CB8AC3E}">
+        <p14:creationId xmlns:p14="http://schemas.microsoft.com/office/powerpoint/2010/main" val="625055517"/>
+      </p:ext>
+    </p:extLst>
+  </p:cSld>
+  <p:clrMapOvr>
+    <a:masterClrMapping/>
+  </p:clrMapOvr>
+  <p:transition xmlns:p14="http://schemas.microsoft.com/office/powerpoint/2010/main" spd="slow">
+    <p:cut/>
+  </p:transition>
+</p:sld>
+</file>
+
+<file path=ppt/slides/slide32.xml><?xml version="1.0" encoding="utf-8"?>
+<p:sld xmlns:a="http://schemas.openxmlformats.org/drawingml/2006/main" xmlns:r="http://schemas.openxmlformats.org/officeDocument/2006/relationships" xmlns:p="http://schemas.openxmlformats.org/presentationml/2006/main">
+  <p:cSld>
+    <p:spTree>
+      <p:nvGrpSpPr>
         <p:cNvPr id="1" name="Shape 68"/>
         <p:cNvGrpSpPr/>
         <p:nvPr/>
@@ -17386,7 +17529,7 @@
               <a:buNone/>
             </a:pPr>
             <a:r>
-              <a:rPr lang="en" sz="1800" dirty="0"/>
+              <a:rPr lang="en" sz="1800" noProof="0"/>
               <a:t>Neo4j in Server mode</a:t>
             </a:r>
           </a:p>
@@ -17425,7 +17568,7 @@
               <a:buChar char="●"/>
             </a:pPr>
             <a:r>
-              <a:rPr lang="en" sz="1800" dirty="0">
+              <a:rPr lang="en" sz="1800" noProof="0">
                 <a:solidFill>
                   <a:srgbClr val="990000"/>
                 </a:solidFill>
@@ -17433,7 +17576,7 @@
               <a:t>Two</a:t>
             </a:r>
             <a:r>
-              <a:rPr lang="en" sz="1800" dirty="0">
+              <a:rPr lang="en" sz="1800" noProof="0">
                 <a:solidFill>
                   <a:srgbClr val="000000"/>
                 </a:solidFill>
@@ -17441,7 +17584,7 @@
               <a:t> ways to </a:t>
             </a:r>
             <a:r>
-              <a:rPr lang="en" sz="1800" dirty="0">
+              <a:rPr lang="en" sz="1800" noProof="0">
                 <a:solidFill>
                   <a:srgbClr val="990000"/>
                 </a:solidFill>
@@ -17449,7 +17592,7 @@
               <a:t>use</a:t>
             </a:r>
             <a:r>
-              <a:rPr lang="en" sz="1800" dirty="0">
+              <a:rPr lang="en" sz="1800" noProof="0">
                 <a:solidFill>
                   <a:srgbClr val="000000"/>
                 </a:solidFill>
@@ -17470,7 +17613,7 @@
               <a:buChar char="o"/>
             </a:pPr>
             <a:r>
-              <a:rPr lang="en" sz="1800" dirty="0">
+              <a:rPr lang="en" sz="1800" noProof="0">
                 <a:solidFill>
                   <a:srgbClr val="0B5394"/>
                 </a:solidFill>
@@ -17478,7 +17621,7 @@
               <a:t>Self-standing</a:t>
             </a:r>
             <a:r>
-              <a:rPr lang="en" sz="1800" dirty="0">
+              <a:rPr lang="en" sz="1800" noProof="0">
                 <a:solidFill>
                   <a:srgbClr val="000000"/>
                 </a:solidFill>
@@ -17499,7 +17642,7 @@
               <a:buChar char="o"/>
             </a:pPr>
             <a:r>
-              <a:rPr lang="en" sz="1800" dirty="0">
+              <a:rPr lang="en" sz="1800" noProof="0">
                 <a:solidFill>
                   <a:srgbClr val="0B5394"/>
                 </a:solidFill>
@@ -17507,7 +17650,7 @@
               <a:t>Embeded</a:t>
             </a:r>
             <a:r>
-              <a:rPr lang="en" sz="1800" dirty="0">
+              <a:rPr lang="en" sz="1800" noProof="0">
                 <a:solidFill>
                   <a:srgbClr val="000000"/>
                 </a:solidFill>
@@ -17515,13 +17658,13 @@
               <a:t>: Used directly within a Java application</a:t>
             </a:r>
             <a:br>
-              <a:rPr lang="en" sz="1800" dirty="0">
+              <a:rPr lang="en" sz="1800" noProof="0">
                 <a:solidFill>
                   <a:srgbClr val="000000"/>
                 </a:solidFill>
               </a:rPr>
             </a:br>
-            <a:endParaRPr lang="en" sz="1800" dirty="0">
+            <a:endParaRPr lang="en" sz="1800" noProof="0">
               <a:solidFill>
                 <a:srgbClr val="000000"/>
               </a:solidFill>
@@ -17540,7 +17683,7 @@
               <a:buChar char="●"/>
             </a:pPr>
             <a:r>
-              <a:rPr lang="en" sz="1800" dirty="0">
+              <a:rPr lang="en" sz="1800" noProof="0">
                 <a:solidFill>
                   <a:srgbClr val="000000"/>
                 </a:solidFill>
@@ -17561,7 +17704,7 @@
               <a:buChar char="o"/>
             </a:pPr>
             <a:r>
-              <a:rPr lang="en" sz="1800" dirty="0">
+              <a:rPr lang="en" sz="1800" noProof="0">
                 <a:solidFill>
                   <a:srgbClr val="990000"/>
                 </a:solidFill>
@@ -17569,7 +17712,7 @@
               <a:t>download</a:t>
             </a:r>
             <a:r>
-              <a:rPr lang="en" sz="1800" dirty="0">
+              <a:rPr lang="en" sz="1800" noProof="0">
                 <a:solidFill>
                   <a:srgbClr val="000000"/>
                 </a:solidFill>
@@ -17577,7 +17720,7 @@
               <a:t> from </a:t>
             </a:r>
             <a:r>
-              <a:rPr lang="en" sz="1800" u="sng" dirty="0">
+              <a:rPr lang="en" sz="1800" u="sng" noProof="0">
                 <a:solidFill>
                   <a:schemeClr val="hlink"/>
                 </a:solidFill>
@@ -17599,7 +17742,7 @@
               <a:buChar char="o"/>
             </a:pPr>
             <a:r>
-              <a:rPr lang="en" sz="1800" dirty="0">
+              <a:rPr lang="en" sz="1800" noProof="0">
                 <a:solidFill>
                   <a:srgbClr val="000000"/>
                 </a:solidFill>
@@ -17607,7 +17750,7 @@
               <a:t>extract </a:t>
             </a:r>
             <a:r>
-              <a:rPr lang="en" sz="1800" dirty="0">
+              <a:rPr lang="en" sz="1800" noProof="0">
                 <a:solidFill>
                   <a:srgbClr val="000000"/>
                 </a:solidFill>
@@ -17632,7 +17775,7 @@
               <a:buChar char="o"/>
             </a:pPr>
             <a:r>
-              <a:rPr lang="en" sz="1800" dirty="0">
+              <a:rPr lang="en" sz="1800" noProof="0">
                 <a:solidFill>
                   <a:srgbClr val="000000"/>
                 </a:solidFill>
@@ -17657,7 +17800,7 @@
               <a:buChar char="o"/>
             </a:pPr>
             <a:r>
-              <a:rPr lang="en" sz="1800" dirty="0">
+              <a:rPr lang="en" sz="1800" noProof="0">
                 <a:solidFill>
                   <a:srgbClr val="000000"/>
                 </a:solidFill>
@@ -17665,7 +17808,7 @@
               <a:t>go to: </a:t>
             </a:r>
             <a:r>
-              <a:rPr lang="en" sz="1800" u="sng" dirty="0">
+              <a:rPr lang="en" sz="1800" u="sng" noProof="0">
                 <a:solidFill>
                   <a:schemeClr val="hlink"/>
                 </a:solidFill>
@@ -17674,7 +17817,7 @@
               <a:t>http://localhost:7474</a:t>
             </a:r>
             <a:r>
-              <a:rPr lang="en" sz="1800" u="sng" dirty="0" smtClean="0">
+              <a:rPr lang="en" sz="1800" u="sng" noProof="0" smtClean="0">
                 <a:solidFill>
                   <a:schemeClr val="hlink"/>
                 </a:solidFill>
@@ -17682,7 +17825,7 @@
               </a:rPr>
               <a:t>/</a:t>
             </a:r>
-            <a:endParaRPr lang="en" sz="1800" u="sng" dirty="0">
+            <a:endParaRPr lang="en" sz="1800" u="sng" noProof="0">
               <a:solidFill>
                 <a:schemeClr val="hlink"/>
               </a:solidFill>
@@ -17707,7 +17850,7 @@
 </p:sld>
 </file>
 
-<file path=ppt/slides/slide31.xml><?xml version="1.0" encoding="utf-8"?>
+<file path=ppt/slides/slide33.xml><?xml version="1.0" encoding="utf-8"?>
 <p:sld xmlns:a="http://schemas.openxmlformats.org/drawingml/2006/main" xmlns:r="http://schemas.openxmlformats.org/officeDocument/2006/relationships" xmlns:p="http://schemas.openxmlformats.org/presentationml/2006/main">
   <p:cSld>
     <p:spTree>
@@ -17780,7 +17923,7 @@
               <a:buNone/>
             </a:pPr>
             <a:r>
-              <a:rPr lang="en" sz="1800" dirty="0"/>
+              <a:rPr lang="en" sz="1800" noProof="0"/>
               <a:t>Data Model: Traversal + Path</a:t>
             </a:r>
           </a:p>
@@ -17819,7 +17962,7 @@
               <a:buChar char="●"/>
             </a:pPr>
             <a:r>
-              <a:rPr lang="en" sz="1800" dirty="0">
+              <a:rPr lang="en" sz="1800" noProof="0" smtClean="0">
                 <a:solidFill>
                   <a:srgbClr val="0B5394"/>
                 </a:solidFill>
@@ -17827,7 +17970,7 @@
               <a:t>Path</a:t>
             </a:r>
             <a:r>
-              <a:rPr lang="en" sz="1800" dirty="0"/>
+              <a:rPr lang="en" sz="1800" noProof="0" smtClean="0"/>
               <a:t> = one or more nodes + connecting relationships</a:t>
             </a:r>
           </a:p>
@@ -17844,11 +17987,11 @@
               <a:buChar char="o"/>
             </a:pPr>
             <a:r>
-              <a:rPr lang="en" sz="1800" dirty="0"/>
+              <a:rPr lang="en" sz="1800" noProof="0" smtClean="0"/>
               <a:t>Typically </a:t>
             </a:r>
             <a:r>
-              <a:rPr lang="en" sz="1800" dirty="0">
+              <a:rPr lang="en" sz="1800" noProof="0" smtClean="0">
                 <a:solidFill>
                   <a:srgbClr val="990000"/>
                 </a:solidFill>
@@ -17856,11 +17999,11 @@
               <a:t>retrieved as</a:t>
             </a:r>
             <a:r>
-              <a:rPr lang="en" sz="1800" dirty="0"/>
+              <a:rPr lang="en" sz="1800" noProof="0" smtClean="0"/>
               <a:t> a query or traversal </a:t>
             </a:r>
             <a:r>
-              <a:rPr lang="en" sz="1800" dirty="0">
+              <a:rPr lang="en" sz="1800" noProof="0" smtClean="0">
                 <a:solidFill>
                   <a:srgbClr val="990000"/>
                 </a:solidFill>
@@ -17881,7 +18024,7 @@
               <a:buChar char="●"/>
             </a:pPr>
             <a:r>
-              <a:rPr lang="en" sz="1800" dirty="0">
+              <a:rPr lang="en" sz="1800" noProof="0" smtClean="0">
                 <a:solidFill>
                   <a:srgbClr val="0B5394"/>
                 </a:solidFill>
@@ -17889,32 +18032,32 @@
               <a:t>Traversing a graph</a:t>
             </a:r>
             <a:r>
-              <a:rPr lang="en" sz="1800" dirty="0"/>
+              <a:rPr lang="en" sz="1800" noProof="0" smtClean="0"/>
               <a:t> = visiting </a:t>
             </a:r>
             <a:br>
-              <a:rPr lang="en" sz="1800" dirty="0"/>
+              <a:rPr lang="en" sz="1800" noProof="0" smtClean="0"/>
             </a:br>
             <a:r>
-              <a:rPr lang="en" sz="1800" dirty="0"/>
+              <a:rPr lang="en" sz="1800" noProof="0" smtClean="0"/>
               <a:t>its nodes, following</a:t>
             </a:r>
             <a:br>
-              <a:rPr lang="en" sz="1800" dirty="0"/>
+              <a:rPr lang="en" sz="1800" noProof="0" smtClean="0"/>
             </a:br>
             <a:r>
-              <a:rPr lang="en" sz="1800" dirty="0"/>
+              <a:rPr lang="en" sz="1800" noProof="0" smtClean="0"/>
               <a:t>relationships according </a:t>
             </a:r>
             <a:br>
-              <a:rPr lang="en" sz="1800" dirty="0"/>
+              <a:rPr lang="en" sz="1800" noProof="0" smtClean="0"/>
             </a:br>
             <a:r>
-              <a:rPr lang="en" sz="1800" dirty="0"/>
+              <a:rPr lang="en" sz="1800" noProof="0" smtClean="0"/>
               <a:t>to some </a:t>
             </a:r>
             <a:r>
-              <a:rPr lang="en" sz="1800" dirty="0">
+              <a:rPr lang="en" sz="1800" noProof="0" smtClean="0">
                 <a:solidFill>
                   <a:srgbClr val="990000"/>
                 </a:solidFill>
@@ -17935,7 +18078,7 @@
               <a:buChar char="o"/>
             </a:pPr>
             <a:r>
-              <a:rPr lang="en" sz="1800" dirty="0"/>
+              <a:rPr lang="en" sz="1800" noProof="0" smtClean="0"/>
               <a:t>Typically, a subgraph is visited</a:t>
             </a:r>
           </a:p>
@@ -17952,29 +18095,16 @@
               <a:buChar char="o"/>
             </a:pPr>
             <a:r>
-              <a:rPr lang="en" sz="1800" dirty="0"/>
+              <a:rPr lang="en" sz="1800" noProof="0" smtClean="0"/>
               <a:t>Neo4j: Traversal framework </a:t>
             </a:r>
             <a:br>
-              <a:rPr lang="en" sz="1800" dirty="0"/>
+              <a:rPr lang="en" sz="1800" noProof="0" smtClean="0"/>
             </a:br>
             <a:r>
-              <a:rPr lang="en" sz="1800" dirty="0"/>
-              <a:t>+ Java </a:t>
-            </a:r>
-            <a:r>
-              <a:rPr lang="en" sz="1800" dirty="0" smtClean="0"/>
-              <a:t>API</a:t>
-            </a:r>
-            <a:r>
-              <a:rPr lang="en-US" sz="1800" dirty="0" smtClean="0"/>
-              <a:t> , </a:t>
-            </a:r>
-            <a:r>
-              <a:rPr lang="en" sz="1800" dirty="0" smtClean="0"/>
-              <a:t>Cypher </a:t>
-            </a:r>
-            <a:endParaRPr lang="en" sz="1800" dirty="0"/>
+              <a:rPr lang="en" sz="1800" noProof="0" smtClean="0"/>
+              <a:t>+ Java API , Cypher </a:t>
+            </a:r>
           </a:p>
           <a:p>
             <a:pPr lvl="0" rtl="0">
@@ -17983,7 +18113,7 @@
               </a:spcBef>
               <a:buNone/>
             </a:pPr>
-            <a:endParaRPr sz="1800" dirty="0"/>
+            <a:endParaRPr lang="en" sz="1800" noProof="0"/>
           </a:p>
         </p:txBody>
       </p:sp>
@@ -18003,7 +18133,7 @@
 </p:sld>
 </file>
 
-<file path=ppt/slides/slide32.xml><?xml version="1.0" encoding="utf-8"?>
+<file path=ppt/slides/slide34.xml><?xml version="1.0" encoding="utf-8"?>
 <p:sld xmlns:a="http://schemas.openxmlformats.org/drawingml/2006/main" xmlns:r="http://schemas.openxmlformats.org/officeDocument/2006/relationships" xmlns:p="http://schemas.openxmlformats.org/presentationml/2006/main">
   <p:cSld>
     <p:spTree>
@@ -18048,7 +18178,7 @@
               <a:buNone/>
             </a:pPr>
             <a:r>
-              <a:rPr lang="en" sz="1800" dirty="0"/>
+              <a:rPr lang="en" sz="1800" noProof="0"/>
               <a:t>Traversal Framework</a:t>
             </a:r>
           </a:p>
@@ -18087,7 +18217,7 @@
               <a:buChar char="●"/>
             </a:pPr>
             <a:r>
-              <a:rPr lang="en-US" sz="1800" dirty="0" smtClean="0"/>
+              <a:rPr lang="en" sz="1800" noProof="0" smtClean="0"/>
               <a:t>To use traverse framework you need to know more about the algorithm you might use</a:t>
             </a:r>
           </a:p>
@@ -18104,11 +18234,11 @@
               <a:buChar char="●"/>
             </a:pPr>
             <a:r>
-              <a:rPr lang="en" sz="1800" dirty="0" smtClean="0"/>
+              <a:rPr lang="en" sz="1800" noProof="0" smtClean="0"/>
               <a:t>A </a:t>
             </a:r>
             <a:r>
-              <a:rPr lang="en" sz="1800" dirty="0">
+              <a:rPr lang="en" sz="1800" noProof="0" smtClean="0">
                 <a:solidFill>
                   <a:srgbClr val="990000"/>
                 </a:solidFill>
@@ -18116,7 +18246,7 @@
               <a:t>traversal</a:t>
             </a:r>
             <a:r>
-              <a:rPr lang="en" sz="1800" dirty="0"/>
+              <a:rPr lang="en" sz="1800" noProof="0" smtClean="0"/>
               <a:t> is influenced by</a:t>
             </a:r>
           </a:p>
@@ -18133,7 +18263,7 @@
               <a:buChar char="o"/>
             </a:pPr>
             <a:r>
-              <a:rPr lang="en" sz="1800" dirty="0">
+              <a:rPr lang="en" sz="1800" noProof="0" smtClean="0">
                 <a:solidFill>
                   <a:srgbClr val="0B5394"/>
                 </a:solidFill>
@@ -18141,7 +18271,7 @@
               <a:t>Starting node(s)</a:t>
             </a:r>
             <a:r>
-              <a:rPr lang="en" sz="1800" dirty="0"/>
+              <a:rPr lang="en" sz="1800" noProof="0" smtClean="0"/>
               <a:t> where the traversal will begin</a:t>
             </a:r>
           </a:p>
@@ -18158,7 +18288,7 @@
               <a:buChar char="o"/>
             </a:pPr>
             <a:r>
-              <a:rPr lang="en" sz="1800" dirty="0">
+              <a:rPr lang="en" sz="1800" noProof="0" smtClean="0">
                 <a:solidFill>
                   <a:srgbClr val="0B5394"/>
                 </a:solidFill>
@@ -18166,7 +18296,7 @@
               <a:t>Expanders</a:t>
             </a:r>
             <a:r>
-              <a:rPr lang="en" sz="1800" dirty="0"/>
+              <a:rPr lang="en" sz="1800" noProof="0" smtClean="0"/>
               <a:t> – define what to traverse</a:t>
             </a:r>
           </a:p>
@@ -18183,7 +18313,7 @@
               <a:buChar char="§"/>
             </a:pPr>
             <a:r>
-              <a:rPr lang="en" sz="1800" dirty="0"/>
+              <a:rPr lang="en" sz="1800" noProof="0" smtClean="0"/>
               <a:t>i.e., relationship direction and type </a:t>
             </a:r>
           </a:p>
@@ -18200,7 +18330,7 @@
               <a:buChar char="o"/>
             </a:pPr>
             <a:r>
-              <a:rPr lang="en" sz="1800" dirty="0">
+              <a:rPr lang="en" sz="1800" noProof="0" smtClean="0">
                 <a:solidFill>
                   <a:srgbClr val="0B5394"/>
                 </a:solidFill>
@@ -18208,7 +18338,7 @@
               <a:t>Order</a:t>
             </a:r>
             <a:r>
-              <a:rPr lang="en" sz="1800" dirty="0"/>
+              <a:rPr lang="en" sz="1800" noProof="0" smtClean="0"/>
               <a:t> – depth-first / breadth-first</a:t>
             </a:r>
           </a:p>
@@ -18225,7 +18355,7 @@
               <a:buChar char="o"/>
             </a:pPr>
             <a:r>
-              <a:rPr lang="en" sz="1800" dirty="0">
+              <a:rPr lang="en" sz="1800" noProof="0" smtClean="0">
                 <a:solidFill>
                   <a:srgbClr val="0B5394"/>
                 </a:solidFill>
@@ -18233,7 +18363,7 @@
               <a:t>Uniqueness</a:t>
             </a:r>
             <a:r>
-              <a:rPr lang="en" sz="1800" dirty="0"/>
+              <a:rPr lang="en" sz="1800" noProof="0" smtClean="0"/>
               <a:t> – visit nodes (relationships, paths) only once</a:t>
             </a:r>
           </a:p>
@@ -18250,7 +18380,7 @@
               <a:buChar char="o"/>
             </a:pPr>
             <a:r>
-              <a:rPr lang="en" sz="1800" dirty="0">
+              <a:rPr lang="en" sz="1800" noProof="0" smtClean="0">
                 <a:solidFill>
                   <a:srgbClr val="0B5394"/>
                 </a:solidFill>
@@ -18258,14 +18388,9 @@
               <a:t>Evaluator</a:t>
             </a:r>
             <a:r>
-              <a:rPr lang="en" sz="1800" dirty="0"/>
-              <a:t> – what to return and whether to stop or continue traversal beyond a current </a:t>
-            </a:r>
-            <a:r>
-              <a:rPr lang="en" sz="1800" dirty="0" smtClean="0"/>
-              <a:t>position</a:t>
-            </a:r>
-            <a:endParaRPr lang="en-US" sz="1800" dirty="0" smtClean="0"/>
+              <a:rPr lang="en" sz="1800" noProof="0" smtClean="0"/>
+              <a:t> – what to return and whether to stop or continue traversal beyond a current position</a:t>
+            </a:r>
           </a:p>
           <a:p>
             <a:pPr marL="914400" lvl="1" indent="-381000" rtl="0">
@@ -18279,7 +18404,7 @@
               <a:buFont typeface="Courier New"/>
               <a:buChar char="o"/>
             </a:pPr>
-            <a:endParaRPr lang="en" sz="1800" dirty="0"/>
+            <a:endParaRPr lang="en" sz="1800" noProof="0" smtClean="0"/>
           </a:p>
           <a:p>
             <a:pPr>
@@ -18288,7 +18413,7 @@
               </a:spcBef>
               <a:buNone/>
             </a:pPr>
-            <a:endParaRPr sz="1800" dirty="0"/>
+            <a:endParaRPr lang="en" sz="1800" noProof="0"/>
           </a:p>
         </p:txBody>
       </p:sp>
@@ -18308,7 +18433,7 @@
 </p:sld>
 </file>
 
-<file path=ppt/slides/slide33.xml><?xml version="1.0" encoding="utf-8"?>
+<file path=ppt/slides/slide35.xml><?xml version="1.0" encoding="utf-8"?>
 <p:sld xmlns:a="http://schemas.openxmlformats.org/drawingml/2006/main" xmlns:r="http://schemas.openxmlformats.org/officeDocument/2006/relationships" xmlns:p="http://schemas.openxmlformats.org/presentationml/2006/main">
   <p:cSld>
     <p:spTree>
@@ -18353,7 +18478,7 @@
               <a:buNone/>
             </a:pPr>
             <a:r>
-              <a:rPr lang="en" sz="1800" dirty="0"/>
+              <a:rPr lang="en" sz="1800" noProof="0"/>
               <a:t>Traversal Framework</a:t>
             </a:r>
           </a:p>
@@ -18403,7 +18528,7 @@
 </p:sld>
 </file>
 
-<file path=ppt/slides/slide34.xml><?xml version="1.0" encoding="utf-8"?>
+<file path=ppt/slides/slide36.xml><?xml version="1.0" encoding="utf-8"?>
 <p:sld xmlns:a="http://schemas.openxmlformats.org/drawingml/2006/main" xmlns:r="http://schemas.openxmlformats.org/officeDocument/2006/relationships" xmlns:p="http://schemas.openxmlformats.org/presentationml/2006/main">
   <p:cSld>
     <p:spTree>
@@ -18448,7 +18573,7 @@
               <a:buNone/>
             </a:pPr>
             <a:r>
-              <a:rPr lang="en" sz="1800" dirty="0"/>
+              <a:rPr lang="en" sz="1800" noProof="0"/>
               <a:t>Cypher: Clauses</a:t>
             </a:r>
           </a:p>
@@ -18491,15 +18616,15 @@
               <a:buChar char="●"/>
             </a:pPr>
             <a:r>
-              <a:rPr lang="en" sz="1800" b="1" dirty="0"/>
+              <a:rPr lang="en" sz="1800" b="1" noProof="0"/>
               <a:t>MATCH</a:t>
             </a:r>
             <a:r>
-              <a:rPr lang="en" sz="1800" dirty="0"/>
+              <a:rPr lang="en" sz="1800" noProof="0"/>
               <a:t>: The graph </a:t>
             </a:r>
             <a:r>
-              <a:rPr lang="en" sz="1800" dirty="0">
+              <a:rPr lang="en" sz="1800" noProof="0">
                 <a:solidFill>
                   <a:srgbClr val="990000"/>
                 </a:solidFill>
@@ -18507,7 +18632,7 @@
               <a:t>pattern</a:t>
             </a:r>
             <a:r>
-              <a:rPr lang="en" sz="1800" dirty="0"/>
+              <a:rPr lang="en" sz="1800" noProof="0"/>
               <a:t> to match</a:t>
             </a:r>
           </a:p>
@@ -18524,15 +18649,15 @@
               <a:buChar char="●"/>
             </a:pPr>
             <a:r>
-              <a:rPr lang="en" sz="1800" b="1" dirty="0"/>
+              <a:rPr lang="en" sz="1800" b="1" noProof="0"/>
               <a:t>WHERE</a:t>
             </a:r>
             <a:r>
-              <a:rPr lang="en" sz="1800" dirty="0"/>
+              <a:rPr lang="en" sz="1800" noProof="0"/>
               <a:t>: </a:t>
             </a:r>
             <a:r>
-              <a:rPr lang="en" sz="1800" dirty="0">
+              <a:rPr lang="en" sz="1800" noProof="0">
                 <a:solidFill>
                   <a:srgbClr val="990000"/>
                 </a:solidFill>
@@ -18540,7 +18665,7 @@
               <a:t>Filtering</a:t>
             </a:r>
             <a:r>
-              <a:rPr lang="en" sz="1800" dirty="0"/>
+              <a:rPr lang="en" sz="1800" noProof="0"/>
               <a:t> criteria</a:t>
             </a:r>
           </a:p>
@@ -18557,11 +18682,11 @@
               <a:buChar char="●"/>
             </a:pPr>
             <a:r>
-              <a:rPr lang="en" sz="1800" b="1" dirty="0"/>
+              <a:rPr lang="en" sz="1800" b="1" noProof="0"/>
               <a:t>RETURN</a:t>
             </a:r>
             <a:r>
-              <a:rPr lang="en" sz="1800" dirty="0"/>
+              <a:rPr lang="en" sz="1800" noProof="0"/>
               <a:t>: What to return </a:t>
             </a:r>
           </a:p>
@@ -18578,11 +18703,11 @@
               <a:buChar char="●"/>
             </a:pPr>
             <a:r>
-              <a:rPr lang="en" sz="1800" b="1" dirty="0"/>
+              <a:rPr lang="en" sz="1800" b="1" noProof="0"/>
               <a:t>CREATE</a:t>
             </a:r>
             <a:r>
-              <a:rPr lang="en" sz="1800" dirty="0"/>
+              <a:rPr lang="en" sz="1800" noProof="0"/>
               <a:t>: Creates nodes and relationships. </a:t>
             </a:r>
           </a:p>
@@ -18599,11 +18724,11 @@
               <a:buChar char="●"/>
             </a:pPr>
             <a:r>
-              <a:rPr lang="en" sz="1800" b="1" dirty="0"/>
+              <a:rPr lang="en" sz="1800" b="1" noProof="0"/>
               <a:t>DELETE</a:t>
             </a:r>
             <a:r>
-              <a:rPr lang="en" sz="1800" dirty="0"/>
+              <a:rPr lang="en" sz="1800" noProof="0"/>
               <a:t>: Remove nodes, relationships, properties</a:t>
             </a:r>
           </a:p>
@@ -18620,15 +18745,15 @@
               <a:buChar char="●"/>
             </a:pPr>
             <a:r>
-              <a:rPr lang="en" sz="1800" b="1" dirty="0"/>
+              <a:rPr lang="en" sz="1800" b="1" noProof="0"/>
               <a:t>SET</a:t>
             </a:r>
             <a:r>
-              <a:rPr lang="en" sz="1800" dirty="0"/>
+              <a:rPr lang="en" sz="1800" noProof="0"/>
               <a:t>: Set values to </a:t>
             </a:r>
             <a:r>
-              <a:rPr lang="en" sz="1800" dirty="0">
+              <a:rPr lang="en" sz="1800" noProof="0">
                 <a:solidFill>
                   <a:srgbClr val="990000"/>
                 </a:solidFill>
@@ -18652,11 +18777,11 @@
               <a:buChar char="●"/>
             </a:pPr>
             <a:r>
-              <a:rPr lang="en" sz="1800" b="1" dirty="0"/>
+              <a:rPr lang="en" sz="1800" b="1" noProof="0"/>
               <a:t>WITH</a:t>
             </a:r>
             <a:r>
-              <a:rPr lang="en" sz="1800" dirty="0"/>
+              <a:rPr lang="en" sz="1800" noProof="0"/>
               <a:t>: Divides a query into multiple parts</a:t>
             </a:r>
           </a:p>
@@ -18673,15 +18798,15 @@
               <a:buChar char="●"/>
             </a:pPr>
             <a:r>
-              <a:rPr lang="en" sz="1800" b="1" dirty="0"/>
+              <a:rPr lang="en" sz="1800" b="1" noProof="0"/>
               <a:t>START</a:t>
             </a:r>
             <a:r>
-              <a:rPr lang="en" sz="1800" dirty="0"/>
+              <a:rPr lang="en" sz="1800" noProof="0"/>
               <a:t>: Starting </a:t>
             </a:r>
             <a:r>
-              <a:rPr lang="en" sz="1800" dirty="0">
+              <a:rPr lang="en" sz="1800" noProof="0">
                 <a:solidFill>
                   <a:srgbClr val="990000"/>
                 </a:solidFill>
@@ -18689,7 +18814,7 @@
               <a:t>points</a:t>
             </a:r>
             <a:r>
-              <a:rPr lang="en" sz="1800" dirty="0"/>
+              <a:rPr lang="en" sz="1800" noProof="0"/>
               <a:t> in the graph</a:t>
             </a:r>
           </a:p>
@@ -18706,11 +18831,11 @@
               <a:buChar char="o"/>
             </a:pPr>
             <a:r>
-              <a:rPr lang="en" sz="1800" dirty="0"/>
+              <a:rPr lang="en" sz="1800" noProof="0"/>
               <a:t>by explicit index lookups or by node IDs (both </a:t>
             </a:r>
             <a:r>
-              <a:rPr lang="en" sz="1800" dirty="0">
+              <a:rPr lang="en" sz="1800" noProof="0">
                 <a:solidFill>
                   <a:srgbClr val="990000"/>
                 </a:solidFill>
@@ -18718,7 +18843,7 @@
               <a:t>deprecated</a:t>
             </a:r>
             <a:r>
-              <a:rPr lang="en" sz="1800" dirty="0"/>
+              <a:rPr lang="en" sz="1800" noProof="0"/>
               <a:t>)</a:t>
             </a:r>
           </a:p>
@@ -18740,7 +18865,7 @@
 </p:sld>
 </file>
 
-<file path=ppt/slides/slide35.xml><?xml version="1.0" encoding="utf-8"?>
+<file path=ppt/slides/slide37.xml><?xml version="1.0" encoding="utf-8"?>
 <p:sld xmlns:a="http://schemas.openxmlformats.org/drawingml/2006/main" xmlns:r="http://schemas.openxmlformats.org/officeDocument/2006/relationships" xmlns:p="http://schemas.openxmlformats.org/presentationml/2006/main">
   <p:cSld>
     <p:spTree>
@@ -18785,7 +18910,7 @@
               <a:buNone/>
             </a:pPr>
             <a:r>
-              <a:rPr lang="en" sz="1800" dirty="0"/>
+              <a:rPr lang="en" sz="1800" noProof="0"/>
               <a:t>Cypher: Creating Nodes (Examples)</a:t>
             </a:r>
           </a:p>
@@ -18832,11 +18957,11 @@
               <a:buNone/>
             </a:pPr>
             <a:r>
-              <a:rPr lang="en" sz="1800" b="1" dirty="0"/>
+              <a:rPr lang="en" sz="1800" b="1" noProof="0"/>
               <a:t>CREATE</a:t>
             </a:r>
             <a:r>
-              <a:rPr lang="en" sz="1800" dirty="0"/>
+              <a:rPr lang="en" sz="1800" noProof="0"/>
               <a:t> n;</a:t>
             </a:r>
           </a:p>
@@ -18848,15 +18973,15 @@
               <a:buNone/>
             </a:pPr>
             <a:r>
-              <a:rPr lang="en" sz="1800" i="1" dirty="0"/>
+              <a:rPr lang="en" sz="1800" i="1" noProof="0"/>
               <a:t>(create a node, assign to var </a:t>
             </a:r>
             <a:r>
-              <a:rPr lang="en" sz="1800" b="1" i="1" dirty="0"/>
+              <a:rPr lang="en" sz="1800" b="1" i="1" noProof="0"/>
               <a:t>n</a:t>
             </a:r>
             <a:r>
-              <a:rPr lang="en" sz="1800" i="1" dirty="0"/>
+              <a:rPr lang="en" sz="1800" i="1" noProof="0"/>
               <a:t>)</a:t>
             </a:r>
           </a:p>
@@ -18868,7 +18993,7 @@
               <a:buNone/>
             </a:pPr>
             <a:r>
-              <a:rPr lang="en" sz="1800" dirty="0">
+              <a:rPr lang="en" sz="1800" noProof="0">
                 <a:solidFill>
                   <a:srgbClr val="0B5394"/>
                 </a:solidFill>
@@ -18928,11 +19053,11 @@
               <a:buNone/>
             </a:pPr>
             <a:r>
-              <a:rPr lang="en" sz="1800" b="1" dirty="0"/>
+              <a:rPr lang="en" sz="1800" b="1" noProof="0"/>
               <a:t>CREATE </a:t>
             </a:r>
             <a:r>
-              <a:rPr lang="en" sz="1800" dirty="0"/>
+              <a:rPr lang="en" sz="1800" noProof="0"/>
               <a:t>(a: Person {name : 'David'})</a:t>
             </a:r>
           </a:p>
@@ -18944,11 +19069,11 @@
               <a:buNone/>
             </a:pPr>
             <a:r>
-              <a:rPr lang="en" sz="1800" b="1" dirty="0"/>
+              <a:rPr lang="en" sz="1800" b="1" noProof="0"/>
               <a:t>RETURN </a:t>
             </a:r>
             <a:r>
-              <a:rPr lang="en" sz="1800" dirty="0"/>
+              <a:rPr lang="en" sz="1800" noProof="0"/>
               <a:t>a;</a:t>
             </a:r>
           </a:p>
@@ -18960,7 +19085,7 @@
               <a:buNone/>
             </a:pPr>
             <a:r>
-              <a:rPr lang="en" sz="1800" i="1" dirty="0"/>
+              <a:rPr lang="en" sz="1800" i="1" noProof="0"/>
               <a:t>(create a node with label ‘Person’ and  ‘name’ property ‘David’)</a:t>
             </a:r>
           </a:p>
@@ -18972,7 +19097,7 @@
               <a:buNone/>
             </a:pPr>
             <a:r>
-              <a:rPr lang="en" sz="1800" dirty="0">
+              <a:rPr lang="en" sz="1800" noProof="0">
                 <a:solidFill>
                   <a:srgbClr val="0B5394"/>
                 </a:solidFill>
@@ -19085,7 +19210,7 @@
 </p:sld>
 </file>
 
-<file path=ppt/slides/slide36.xml><?xml version="1.0" encoding="utf-8"?>
+<file path=ppt/slides/slide38.xml><?xml version="1.0" encoding="utf-8"?>
 <p:sld xmlns:a="http://schemas.openxmlformats.org/drawingml/2006/main" xmlns:r="http://schemas.openxmlformats.org/officeDocument/2006/relationships" xmlns:p="http://schemas.openxmlformats.org/presentationml/2006/main">
   <p:cSld>
     <p:spTree>
@@ -19130,7 +19255,7 @@
               <a:buNone/>
             </a:pPr>
             <a:r>
-              <a:rPr lang="en" sz="1800" dirty="0"/>
+              <a:rPr lang="en" sz="1800" noProof="0"/>
               <a:t>Cypher: Creating Relationships</a:t>
             </a:r>
           </a:p>
@@ -19182,11 +19307,11 @@
               <a:buNone/>
             </a:pPr>
             <a:r>
-              <a:rPr lang="en" sz="1800" b="1" dirty="0"/>
+              <a:rPr lang="en" sz="1800" b="1" noProof="0"/>
               <a:t>START </a:t>
             </a:r>
             <a:r>
-              <a:rPr lang="en" sz="1800" dirty="0"/>
+              <a:rPr lang="en" sz="1800" noProof="0"/>
               <a:t>a=node(361), b=node(362)</a:t>
             </a:r>
           </a:p>
@@ -19203,11 +19328,11 @@
               <a:buNone/>
             </a:pPr>
             <a:r>
-              <a:rPr lang="en" sz="1800" b="1" dirty="0"/>
+              <a:rPr lang="en" sz="1800" b="1" noProof="0"/>
               <a:t>CREATE </a:t>
             </a:r>
             <a:r>
-              <a:rPr lang="en" sz="1800" dirty="0"/>
+              <a:rPr lang="en" sz="1800" noProof="0"/>
               <a:t>a-[r:RELTYPE]-&gt;b</a:t>
             </a:r>
           </a:p>
@@ -19219,11 +19344,11 @@
               <a:buNone/>
             </a:pPr>
             <a:r>
-              <a:rPr lang="en" sz="1800" b="1" dirty="0"/>
+              <a:rPr lang="en" sz="1800" b="1" noProof="0"/>
               <a:t>RETURN </a:t>
             </a:r>
             <a:r>
-              <a:rPr lang="en" sz="1800" dirty="0"/>
+              <a:rPr lang="en" sz="1800" noProof="0"/>
               <a:t>r ;</a:t>
             </a:r>
           </a:p>
@@ -19235,7 +19360,7 @@
               <a:buNone/>
             </a:pPr>
             <a:r>
-              <a:rPr lang="en" sz="1800" i="1" dirty="0"/>
+              <a:rPr lang="en" sz="1800" i="1" noProof="0"/>
               <a:t>(create relations RELTYPE between nodes with IDs 1 and 2)</a:t>
             </a:r>
           </a:p>
@@ -19247,7 +19372,7 @@
               <a:buNone/>
             </a:pPr>
             <a:r>
-              <a:rPr lang="en" sz="1800" dirty="0">
+              <a:rPr lang="en" sz="1800" noProof="0">
                 <a:solidFill>
                   <a:srgbClr val="0B5394"/>
                 </a:solidFill>
@@ -19302,11 +19427,11 @@
               <a:buNone/>
             </a:pPr>
             <a:r>
-              <a:rPr lang="en" sz="1800" b="1" dirty="0"/>
+              <a:rPr lang="en" sz="1800" b="1" noProof="0"/>
               <a:t>START </a:t>
             </a:r>
             <a:r>
-              <a:rPr lang="en" sz="1800" dirty="0"/>
+              <a:rPr lang="en" sz="1800" noProof="0"/>
               <a:t>a=node(1), b=node(2)</a:t>
             </a:r>
           </a:p>
@@ -19318,11 +19443,11 @@
               <a:buNone/>
             </a:pPr>
             <a:r>
-              <a:rPr lang="en" sz="1800" b="1" dirty="0"/>
+              <a:rPr lang="en" sz="1800" b="1" noProof="0"/>
               <a:t>CREATE </a:t>
             </a:r>
             <a:r>
-              <a:rPr lang="en" sz="1800" dirty="0"/>
+              <a:rPr lang="en" sz="1800" noProof="0"/>
               <a:t>a-[r:RELTYPE {name : a.name + '-&gt;' + b.name }]-&gt;b</a:t>
             </a:r>
           </a:p>
@@ -19334,11 +19459,11 @@
               <a:buNone/>
             </a:pPr>
             <a:r>
-              <a:rPr lang="en" sz="1800" b="1" dirty="0"/>
+              <a:rPr lang="en" sz="1800" b="1" noProof="0"/>
               <a:t>RETURN </a:t>
             </a:r>
             <a:r>
-              <a:rPr lang="en" sz="1800" dirty="0"/>
+              <a:rPr lang="en" sz="1800" noProof="0"/>
               <a:t>r</a:t>
             </a:r>
           </a:p>
@@ -19350,7 +19475,7 @@
               <a:buNone/>
             </a:pPr>
             <a:r>
-              <a:rPr lang="en" sz="1800" i="1" dirty="0"/>
+              <a:rPr lang="en" sz="1800" i="1" noProof="0"/>
               <a:t>(set property ‘name’ of the relationship)</a:t>
             </a:r>
           </a:p>
@@ -19362,7 +19487,7 @@
               <a:buNone/>
             </a:pPr>
             <a:r>
-              <a:rPr lang="en" sz="1800" dirty="0">
+              <a:rPr lang="en" sz="1800" noProof="0">
                 <a:solidFill>
                   <a:srgbClr val="0B5394"/>
                 </a:solidFill>
@@ -19475,7 +19600,7 @@
 </p:sld>
 </file>
 
-<file path=ppt/slides/slide37.xml><?xml version="1.0" encoding="utf-8"?>
+<file path=ppt/slides/slide39.xml><?xml version="1.0" encoding="utf-8"?>
 <p:sld xmlns:a="http://schemas.openxmlformats.org/drawingml/2006/main" xmlns:r="http://schemas.openxmlformats.org/officeDocument/2006/relationships" xmlns:p="http://schemas.openxmlformats.org/presentationml/2006/main">
   <p:cSld>
     <p:spTree>
@@ -19520,7 +19645,7 @@
               <a:buNone/>
             </a:pPr>
             <a:r>
-              <a:rPr lang="en" sz="1800" dirty="0"/>
+              <a:rPr lang="en" sz="1800" noProof="0"/>
               <a:t>Cypher: Creating Paths</a:t>
             </a:r>
           </a:p>
@@ -19572,11 +19697,11 @@
               <a:buNone/>
             </a:pPr>
             <a:r>
-              <a:rPr lang="en" sz="1800" b="1" dirty="0"/>
+              <a:rPr lang="en" sz="1800" b="1" noProof="0" smtClean="0"/>
               <a:t>CREATE </a:t>
             </a:r>
             <a:r>
-              <a:rPr lang="en" sz="1800" dirty="0"/>
+              <a:rPr lang="en" sz="1800" noProof="0" smtClean="0"/>
               <a:t>p = (andres: Person {name: 'Andres'})-[:WORKS_AT]-&gt;neo&lt;- [:WORKS_AT]-(michael: Person {name:'Michael'})</a:t>
             </a:r>
           </a:p>
@@ -19588,11 +19713,11 @@
               <a:buNone/>
             </a:pPr>
             <a:r>
-              <a:rPr lang="en" sz="1800" b="1" dirty="0"/>
+              <a:rPr lang="en" sz="1800" b="1" noProof="0" smtClean="0"/>
               <a:t>RETURN </a:t>
             </a:r>
             <a:r>
-              <a:rPr lang="en" sz="1800" dirty="0"/>
+              <a:rPr lang="en" sz="1800" noProof="0" smtClean="0"/>
               <a:t>p ;</a:t>
             </a:r>
           </a:p>
@@ -19604,14 +19729,14 @@
               <a:buNone/>
             </a:pPr>
             <a:r>
-              <a:rPr lang="en" sz="1800" i="1" dirty="0"/>
+              <a:rPr lang="en" sz="1800" i="1" noProof="0" smtClean="0"/>
               <a:t>(all parts of the pattern are created, if not existing)</a:t>
             </a:r>
             <a:br>
-              <a:rPr lang="en" sz="1800" i="1" dirty="0"/>
+              <a:rPr lang="en" sz="1800" i="1" noProof="0" smtClean="0"/>
             </a:br>
             <a:r>
-              <a:rPr lang="en" sz="1800" i="1" dirty="0"/>
+              <a:rPr lang="en" sz="1800" i="1" noProof="0" smtClean="0"/>
               <a:t>	</a:t>
             </a:r>
           </a:p>
@@ -19628,7 +19753,7 @@
               <a:buNone/>
             </a:pPr>
             <a:r>
-              <a:rPr lang="en" sz="1800" dirty="0">
+              <a:rPr lang="en" sz="1800" noProof="0" smtClean="0">
                 <a:solidFill>
                   <a:srgbClr val="0B5394"/>
                 </a:solidFill>
@@ -19653,7 +19778,7 @@
               <a:buNone/>
             </a:pPr>
             <a:r>
-              <a:rPr lang="en" sz="1800" dirty="0">
+              <a:rPr lang="en" sz="1800" noProof="0" smtClean="0">
                 <a:solidFill>
                   <a:srgbClr val="0B5394"/>
                 </a:solidFill>
@@ -19678,7 +19803,7 @@
               <a:buNone/>
             </a:pPr>
             <a:r>
-              <a:rPr lang="en" sz="1800" dirty="0">
+              <a:rPr lang="en" sz="1800" noProof="0" smtClean="0">
                 <a:solidFill>
                   <a:srgbClr val="0B5394"/>
                 </a:solidFill>
@@ -19703,7 +19828,7 @@
               <a:buNone/>
             </a:pPr>
             <a:r>
-              <a:rPr lang="en" sz="1800" dirty="0">
+              <a:rPr lang="en" sz="1800" noProof="0" smtClean="0">
                 <a:solidFill>
                   <a:srgbClr val="0B5394"/>
                 </a:solidFill>
@@ -19728,7 +19853,7 @@
               <a:buNone/>
             </a:pPr>
             <a:r>
-              <a:rPr lang="en" sz="1800" dirty="0">
+              <a:rPr lang="en" sz="1800" noProof="0" smtClean="0">
                 <a:solidFill>
                   <a:srgbClr val="0B5394"/>
                 </a:solidFill>
@@ -19753,7 +19878,7 @@
               <a:buNone/>
             </a:pPr>
             <a:r>
-              <a:rPr lang="en" sz="1800" dirty="0">
+              <a:rPr lang="en" sz="1800" noProof="0" smtClean="0">
                 <a:solidFill>
                   <a:srgbClr val="0B5394"/>
                 </a:solidFill>
@@ -19776,7 +19901,7 @@
               <a:buFont typeface="Arial"/>
               <a:buNone/>
             </a:pPr>
-            <a:endParaRPr sz="1800" dirty="0">
+            <a:endParaRPr lang="en" sz="1800" noProof="0" smtClean="0">
               <a:solidFill>
                 <a:srgbClr val="0B5394"/>
               </a:solidFill>
@@ -19793,7 +19918,7 @@
               </a:spcBef>
               <a:buNone/>
             </a:pPr>
-            <a:endParaRPr sz="1800" dirty="0">
+            <a:endParaRPr lang="en" sz="1800" noProof="0">
               <a:solidFill>
                 <a:srgbClr val="0B5394"/>
               </a:solidFill>
@@ -19821,7 +19946,384 @@
 </p:sld>
 </file>
 
-<file path=ppt/slides/slide38.xml><?xml version="1.0" encoding="utf-8"?>
+<file path=ppt/slides/slide4.xml><?xml version="1.0" encoding="utf-8"?>
+<p:sld xmlns:a="http://schemas.openxmlformats.org/drawingml/2006/main" xmlns:r="http://schemas.openxmlformats.org/officeDocument/2006/relationships" xmlns:p="http://schemas.openxmlformats.org/presentationml/2006/main">
+  <p:cSld>
+    <p:spTree>
+      <p:nvGrpSpPr>
+        <p:cNvPr id="1" name="Shape 112"/>
+        <p:cNvGrpSpPr/>
+        <p:nvPr/>
+      </p:nvGrpSpPr>
+      <p:grpSpPr>
+        <a:xfrm>
+          <a:off x="0" y="0"/>
+          <a:ext cx="0" cy="0"/>
+          <a:chOff x="0" y="0"/>
+          <a:chExt cx="0" cy="0"/>
+        </a:xfrm>
+      </p:grpSpPr>
+      <p:sp>
+        <p:nvSpPr>
+          <p:cNvPr id="113" name="Shape 113"/>
+          <p:cNvSpPr txBox="1">
+            <a:spLocks noGrp="1"/>
+          </p:cNvSpPr>
+          <p:nvPr>
+            <p:ph type="title"/>
+          </p:nvPr>
+        </p:nvSpPr>
+        <p:spPr>
+          <a:xfrm>
+            <a:off x="457200" y="228850"/>
+            <a:ext cx="8523600" cy="733799"/>
+          </a:xfrm>
+          <a:prstGeom prst="rect">
+            <a:avLst/>
+          </a:prstGeom>
+        </p:spPr>
+        <p:txBody>
+          <a:bodyPr lIns="91425" tIns="91425" rIns="91425" bIns="91425" anchor="b" anchorCtr="0">
+            <a:noAutofit/>
+          </a:bodyPr>
+          <a:lstStyle/>
+          <a:p>
+            <a:pPr lvl="0" rtl="0">
+              <a:spcBef>
+                <a:spcPts val="0"/>
+              </a:spcBef>
+              <a:buNone/>
+            </a:pPr>
+            <a:r>
+              <a:rPr lang="en" sz="2400" noProof="0" smtClean="0"/>
+              <a:t>Advantages of Relational Databases</a:t>
+            </a:r>
+            <a:endParaRPr lang="en" sz="2400" noProof="0"/>
+          </a:p>
+        </p:txBody>
+      </p:sp>
+      <p:sp>
+        <p:nvSpPr>
+          <p:cNvPr id="114" name="Shape 114"/>
+          <p:cNvSpPr txBox="1">
+            <a:spLocks noGrp="1"/>
+          </p:cNvSpPr>
+          <p:nvPr>
+            <p:ph type="body" idx="1"/>
+          </p:nvPr>
+        </p:nvSpPr>
+        <p:spPr>
+          <a:xfrm>
+            <a:off x="457200" y="1038400"/>
+            <a:ext cx="8432099" cy="4434599"/>
+          </a:xfrm>
+          <a:prstGeom prst="rect">
+            <a:avLst/>
+          </a:prstGeom>
+        </p:spPr>
+        <p:txBody>
+          <a:bodyPr lIns="91425" tIns="91425" rIns="91425" bIns="91425" anchor="t" anchorCtr="0">
+            <a:noAutofit/>
+          </a:bodyPr>
+          <a:lstStyle/>
+          <a:p>
+            <a:pPr marL="457200" lvl="0" indent="-419100" rtl="0">
+              <a:spcBef>
+                <a:spcPts val="0"/>
+              </a:spcBef>
+              <a:spcAft>
+                <a:spcPts val="1000"/>
+              </a:spcAft>
+              <a:buClr>
+                <a:schemeClr val="dk1"/>
+              </a:buClr>
+              <a:buSzPct val="100000"/>
+              <a:buFont typeface="Arial"/>
+              <a:buChar char="●"/>
+            </a:pPr>
+            <a:r>
+              <a:rPr lang="en" sz="2400" noProof="0" smtClean="0">
+                <a:latin typeface="Arial"/>
+                <a:cs typeface="Arial"/>
+              </a:rPr>
+              <a:t>A (mostly) </a:t>
+            </a:r>
+            <a:r>
+              <a:rPr lang="en" sz="2400" noProof="0" smtClean="0">
+                <a:solidFill>
+                  <a:srgbClr val="990000"/>
+                </a:solidFill>
+                <a:latin typeface="Arial"/>
+                <a:cs typeface="Arial"/>
+              </a:rPr>
+              <a:t>standard</a:t>
+            </a:r>
+            <a:r>
+              <a:rPr lang="en" sz="2400" noProof="0" smtClean="0">
+                <a:latin typeface="Arial"/>
+                <a:cs typeface="Arial"/>
+              </a:rPr>
+              <a:t> data model</a:t>
+            </a:r>
+          </a:p>
+          <a:p>
+            <a:pPr marL="457200" lvl="0" indent="-419100" rtl="0">
+              <a:spcBef>
+                <a:spcPts val="0"/>
+              </a:spcBef>
+              <a:buClr>
+                <a:schemeClr val="dk1"/>
+              </a:buClr>
+              <a:buSzPct val="100000"/>
+              <a:buFont typeface="Arial"/>
+              <a:buChar char="●"/>
+            </a:pPr>
+            <a:r>
+              <a:rPr lang="en" sz="2400" noProof="0" smtClean="0">
+                <a:latin typeface="Arial"/>
+                <a:cs typeface="Arial"/>
+              </a:rPr>
+              <a:t>Many well </a:t>
+            </a:r>
+            <a:r>
+              <a:rPr lang="en" sz="2400" noProof="0" smtClean="0">
+                <a:solidFill>
+                  <a:srgbClr val="990000"/>
+                </a:solidFill>
+                <a:latin typeface="Arial"/>
+                <a:cs typeface="Arial"/>
+              </a:rPr>
+              <a:t>developed</a:t>
+            </a:r>
+            <a:r>
+              <a:rPr lang="en" sz="2400" noProof="0" smtClean="0">
+                <a:latin typeface="Arial"/>
+                <a:cs typeface="Arial"/>
+              </a:rPr>
+              <a:t> technologies</a:t>
+            </a:r>
+          </a:p>
+          <a:p>
+            <a:pPr marL="914400" lvl="1" indent="-381000" rtl="0">
+              <a:spcBef>
+                <a:spcPts val="0"/>
+              </a:spcBef>
+              <a:buClr>
+                <a:schemeClr val="dk1"/>
+              </a:buClr>
+              <a:buSzPct val="80000"/>
+              <a:buFont typeface="Courier New"/>
+              <a:buChar char="o"/>
+            </a:pPr>
+            <a:r>
+              <a:rPr lang="en" sz="2400" noProof="0" smtClean="0">
+                <a:latin typeface="Arial"/>
+                <a:cs typeface="Arial"/>
+              </a:rPr>
+              <a:t>physical organization of the data</a:t>
+            </a:r>
+          </a:p>
+          <a:p>
+            <a:pPr marL="914400" lvl="1" indent="-381000" rtl="0">
+              <a:spcBef>
+                <a:spcPts val="0"/>
+              </a:spcBef>
+              <a:buClr>
+                <a:schemeClr val="dk1"/>
+              </a:buClr>
+              <a:buSzPct val="80000"/>
+              <a:buFont typeface="Courier New"/>
+              <a:buChar char="o"/>
+            </a:pPr>
+            <a:r>
+              <a:rPr lang="en" sz="2400" noProof="0" smtClean="0">
+                <a:latin typeface="Arial"/>
+                <a:cs typeface="Arial"/>
+              </a:rPr>
+              <a:t>search indexes: B</a:t>
+            </a:r>
+            <a:r>
+              <a:rPr lang="en" sz="2400" baseline="30000" noProof="0" smtClean="0">
+                <a:latin typeface="Arial"/>
+                <a:cs typeface="Arial"/>
+              </a:rPr>
+              <a:t>+</a:t>
+            </a:r>
+            <a:r>
+              <a:rPr lang="en" sz="2400" noProof="0" smtClean="0">
+                <a:latin typeface="Arial"/>
+                <a:cs typeface="Arial"/>
+              </a:rPr>
+              <a:t>-Trees, hash indexes</a:t>
+            </a:r>
+          </a:p>
+          <a:p>
+            <a:pPr marL="914400" lvl="1" indent="-381000" rtl="0">
+              <a:spcBef>
+                <a:spcPts val="0"/>
+              </a:spcBef>
+              <a:buClr>
+                <a:schemeClr val="dk1"/>
+              </a:buClr>
+              <a:buSzPct val="80000"/>
+              <a:buFont typeface="Courier New"/>
+              <a:buChar char="o"/>
+            </a:pPr>
+            <a:r>
+              <a:rPr lang="en" sz="2400" noProof="0" smtClean="0">
+                <a:latin typeface="Arial"/>
+                <a:cs typeface="Arial"/>
+              </a:rPr>
+              <a:t>query optimization, search operator implementations</a:t>
+            </a:r>
+          </a:p>
+          <a:p>
+            <a:pPr marL="457200" lvl="0" indent="-419100" rtl="0">
+              <a:spcBef>
+                <a:spcPts val="1000"/>
+              </a:spcBef>
+              <a:buClr>
+                <a:schemeClr val="dk1"/>
+              </a:buClr>
+              <a:buSzPct val="100000"/>
+              <a:buFont typeface="Arial"/>
+              <a:buChar char="●"/>
+            </a:pPr>
+            <a:r>
+              <a:rPr lang="en" sz="2400" noProof="0" smtClean="0">
+                <a:latin typeface="Arial"/>
+                <a:cs typeface="Arial"/>
+              </a:rPr>
+              <a:t>Reliable </a:t>
+            </a:r>
+            <a:r>
+              <a:rPr lang="en" sz="2400" noProof="0" smtClean="0">
+                <a:solidFill>
+                  <a:srgbClr val="990000"/>
+                </a:solidFill>
+                <a:latin typeface="Arial"/>
+                <a:cs typeface="Arial"/>
+              </a:rPr>
+              <a:t>concurrency</a:t>
+            </a:r>
+            <a:r>
+              <a:rPr lang="en" sz="2400" noProof="0" smtClean="0">
+                <a:latin typeface="Arial"/>
+                <a:cs typeface="Arial"/>
+              </a:rPr>
+              <a:t> control (ACID)</a:t>
+            </a:r>
+          </a:p>
+          <a:p>
+            <a:pPr marL="914400" lvl="1" indent="-381000" rtl="0">
+              <a:spcBef>
+                <a:spcPts val="0"/>
+              </a:spcBef>
+              <a:buClr>
+                <a:schemeClr val="dk1"/>
+              </a:buClr>
+              <a:buSzPct val="80000"/>
+              <a:buFont typeface="Courier New"/>
+              <a:buChar char="o"/>
+            </a:pPr>
+            <a:r>
+              <a:rPr lang="en" sz="2400" noProof="0" smtClean="0">
+                <a:solidFill>
+                  <a:srgbClr val="990000"/>
+                </a:solidFill>
+                <a:latin typeface="Arial"/>
+                <a:cs typeface="Arial"/>
+              </a:rPr>
+              <a:t>transactions</a:t>
+            </a:r>
+            <a:r>
+              <a:rPr lang="en" sz="2400" noProof="0" smtClean="0">
+                <a:latin typeface="Arial"/>
+                <a:cs typeface="Arial"/>
+              </a:rPr>
+              <a:t>: atomicity, consistency, isolation, durability</a:t>
+            </a:r>
+          </a:p>
+          <a:p>
+            <a:pPr marL="457200" lvl="0" indent="-419100" rtl="0">
+              <a:spcBef>
+                <a:spcPts val="1000"/>
+              </a:spcBef>
+              <a:buClr>
+                <a:schemeClr val="dk1"/>
+              </a:buClr>
+              <a:buSzPct val="100000"/>
+              <a:buFont typeface="Arial"/>
+              <a:buChar char="●"/>
+            </a:pPr>
+            <a:r>
+              <a:rPr lang="en" sz="2400" noProof="0" smtClean="0">
+                <a:latin typeface="Arial"/>
+                <a:cs typeface="Arial"/>
+              </a:rPr>
+              <a:t>Many reliable </a:t>
+            </a:r>
+            <a:r>
+              <a:rPr lang="en" sz="2400" noProof="0" smtClean="0">
+                <a:solidFill>
+                  <a:srgbClr val="990000"/>
+                </a:solidFill>
+                <a:latin typeface="Arial"/>
+                <a:cs typeface="Arial"/>
+              </a:rPr>
+              <a:t>integration</a:t>
+            </a:r>
+            <a:r>
+              <a:rPr lang="en" sz="2400" noProof="0" smtClean="0">
+                <a:latin typeface="Arial"/>
+                <a:cs typeface="Arial"/>
+              </a:rPr>
+              <a:t> mechanisms</a:t>
+            </a:r>
+          </a:p>
+          <a:p>
+            <a:pPr marL="914400" lvl="1" indent="-381000" rtl="0">
+              <a:spcBef>
+                <a:spcPts val="0"/>
+              </a:spcBef>
+              <a:buClr>
+                <a:schemeClr val="dk1"/>
+              </a:buClr>
+              <a:buSzPct val="80000"/>
+              <a:buFont typeface="Courier New"/>
+              <a:buChar char="o"/>
+            </a:pPr>
+            <a:r>
+              <a:rPr lang="en" sz="2400" noProof="0" smtClean="0">
+                <a:latin typeface="Arial"/>
+                <a:cs typeface="Arial"/>
+              </a:rPr>
+              <a:t>“shared database integration” of applications</a:t>
+            </a:r>
+            <a:endParaRPr lang="en" sz="2400" noProof="0">
+              <a:latin typeface="Arial"/>
+              <a:cs typeface="Arial"/>
+            </a:endParaRPr>
+          </a:p>
+        </p:txBody>
+      </p:sp>
+    </p:spTree>
+    <p:extLst>
+      <p:ext uri="{BB962C8B-B14F-4D97-AF65-F5344CB8AC3E}">
+        <p14:creationId xmlns:p14="http://schemas.microsoft.com/office/powerpoint/2010/main" val="888701766"/>
+      </p:ext>
+    </p:extLst>
+  </p:cSld>
+  <p:clrMapOvr>
+    <a:masterClrMapping/>
+  </p:clrMapOvr>
+  <p:transition xmlns:p14="http://schemas.microsoft.com/office/powerpoint/2010/main" spd="slow">
+    <p:cut/>
+  </p:transition>
+</p:sld>
+</file>
+
+<file path=ppt/slides/slide40.xml><?xml version="1.0" encoding="utf-8"?>
 <p:sld xmlns:a="http://schemas.openxmlformats.org/drawingml/2006/main" xmlns:r="http://schemas.openxmlformats.org/officeDocument/2006/relationships" xmlns:p="http://schemas.openxmlformats.org/presentationml/2006/main">
   <p:cSld>
     <p:spTree>
@@ -19866,7 +20368,7 @@
               <a:buNone/>
             </a:pPr>
             <a:r>
-              <a:rPr lang="en" sz="1800" dirty="0"/>
+              <a:rPr lang="en" sz="1800" noProof="0"/>
               <a:t>Cypher: Changing Properties</a:t>
             </a:r>
           </a:p>
@@ -19913,11 +20415,11 @@
               <a:buNone/>
             </a:pPr>
             <a:r>
-              <a:rPr lang="en" sz="1800" b="1" dirty="0"/>
+              <a:rPr lang="en" sz="1800" b="1" noProof="0" smtClean="0"/>
               <a:t>MATCH </a:t>
             </a:r>
             <a:r>
-              <a:rPr lang="en" sz="1800" dirty="0"/>
+              <a:rPr lang="en" sz="1800" noProof="0" smtClean="0"/>
               <a:t>(n: Person {name: 'Andres'}) </a:t>
             </a:r>
           </a:p>
@@ -19929,11 +20431,11 @@
               <a:buNone/>
             </a:pPr>
             <a:r>
-              <a:rPr lang="en" sz="1800" b="1" dirty="0"/>
+              <a:rPr lang="en" sz="1800" b="1" noProof="0" smtClean="0"/>
               <a:t>SET</a:t>
             </a:r>
             <a:r>
-              <a:rPr lang="en" sz="1800" dirty="0"/>
+              <a:rPr lang="en" sz="1800" noProof="0" smtClean="0"/>
               <a:t> n.surname = 'Taylor' </a:t>
             </a:r>
           </a:p>
@@ -19945,11 +20447,11 @@
               <a:buNone/>
             </a:pPr>
             <a:r>
-              <a:rPr lang="en" sz="1800" b="1" dirty="0"/>
+              <a:rPr lang="en" sz="1800" b="1" noProof="0" smtClean="0"/>
               <a:t>RETURN </a:t>
             </a:r>
             <a:r>
-              <a:rPr lang="en" sz="1800" dirty="0"/>
+              <a:rPr lang="en" sz="1800" noProof="0" smtClean="0"/>
               <a:t>n</a:t>
             </a:r>
           </a:p>
@@ -19961,14 +20463,14 @@
               <a:buNone/>
             </a:pPr>
             <a:r>
-              <a:rPr lang="en" sz="1800" i="1" dirty="0"/>
+              <a:rPr lang="en" sz="1800" i="1" noProof="0" smtClean="0"/>
               <a:t>(find a node with name ‘Andres’ and set it surname ‘Taylor’)</a:t>
             </a:r>
             <a:br>
-              <a:rPr lang="en" sz="1800" i="1" dirty="0"/>
+              <a:rPr lang="en" sz="1800" i="1" noProof="0" smtClean="0"/>
             </a:br>
             <a:r>
-              <a:rPr lang="en" sz="1800" i="1" dirty="0"/>
+              <a:rPr lang="en" sz="1800" i="1" noProof="0" smtClean="0"/>
               <a:t>	</a:t>
             </a:r>
           </a:p>
@@ -19980,7 +20482,7 @@
               <a:buNone/>
             </a:pPr>
             <a:r>
-              <a:rPr lang="en" sz="1800" dirty="0">
+              <a:rPr lang="en" sz="1800" noProof="0" smtClean="0">
                 <a:solidFill>
                   <a:srgbClr val="0B5394"/>
                 </a:solidFill>
@@ -20000,7 +20502,7 @@
               <a:buNone/>
             </a:pPr>
             <a:r>
-              <a:rPr lang="en" sz="1800" dirty="0">
+              <a:rPr lang="en" sz="1800" noProof="0" smtClean="0">
                 <a:solidFill>
                   <a:srgbClr val="0B5394"/>
                 </a:solidFill>
@@ -20020,7 +20522,7 @@
               <a:buNone/>
             </a:pPr>
             <a:r>
-              <a:rPr lang="en" sz="1800" dirty="0">
+              <a:rPr lang="en" sz="1800" noProof="0" smtClean="0">
                 <a:solidFill>
                   <a:srgbClr val="0B5394"/>
                 </a:solidFill>
@@ -20039,7 +20541,7 @@
               </a:spcBef>
               <a:buNone/>
             </a:pPr>
-            <a:endParaRPr sz="1800" dirty="0">
+            <a:endParaRPr lang="en" sz="1800" noProof="0" smtClean="0">
               <a:solidFill>
                 <a:srgbClr val="0B5394"/>
               </a:solidFill>
@@ -20056,7 +20558,7 @@
               </a:spcBef>
               <a:buNone/>
             </a:pPr>
-            <a:endParaRPr sz="1800" dirty="0">
+            <a:endParaRPr lang="en" sz="1800" noProof="0" smtClean="0">
               <a:solidFill>
                 <a:srgbClr val="0B5394"/>
               </a:solidFill>
@@ -20073,7 +20575,7 @@
               </a:spcBef>
               <a:buNone/>
             </a:pPr>
-            <a:endParaRPr sz="1800" dirty="0">
+            <a:endParaRPr lang="en" sz="1800" noProof="0">
               <a:solidFill>
                 <a:srgbClr val="0B5394"/>
               </a:solidFill>
@@ -20101,7 +20603,7 @@
 </p:sld>
 </file>
 
-<file path=ppt/slides/slide39.xml><?xml version="1.0" encoding="utf-8"?>
+<file path=ppt/slides/slide41.xml><?xml version="1.0" encoding="utf-8"?>
 <p:sld xmlns:a="http://schemas.openxmlformats.org/drawingml/2006/main" xmlns:r="http://schemas.openxmlformats.org/officeDocument/2006/relationships" xmlns:p="http://schemas.openxmlformats.org/presentationml/2006/main">
   <p:cSld>
     <p:spTree>
@@ -20146,7 +20648,7 @@
               <a:buNone/>
             </a:pPr>
             <a:r>
-              <a:rPr lang="en" sz="1800" dirty="0"/>
+              <a:rPr lang="en" sz="1800" noProof="0"/>
               <a:t>Cypher: Delete</a:t>
             </a:r>
           </a:p>
@@ -20193,11 +20695,11 @@
               <a:buNone/>
             </a:pPr>
             <a:r>
-              <a:rPr lang="en" sz="1800" b="1" dirty="0"/>
+              <a:rPr lang="en" sz="1800" b="1" noProof="0"/>
               <a:t>MATCH </a:t>
             </a:r>
             <a:r>
-              <a:rPr lang="en" sz="1800" dirty="0"/>
+              <a:rPr lang="en" sz="1800" noProof="0"/>
               <a:t>(n: Person {name: 'Andres'}) </a:t>
             </a:r>
           </a:p>
@@ -20209,11 +20711,11 @@
               <a:buNone/>
             </a:pPr>
             <a:r>
-              <a:rPr lang="en" sz="1800" b="1" dirty="0"/>
+              <a:rPr lang="en" sz="1800" b="1" noProof="0"/>
               <a:t>DELETE </a:t>
             </a:r>
             <a:r>
-              <a:rPr lang="en" sz="1800" dirty="0"/>
+              <a:rPr lang="en" sz="1800" noProof="0"/>
               <a:t>n</a:t>
             </a:r>
           </a:p>
@@ -20225,7 +20727,7 @@
               <a:buNone/>
             </a:pPr>
             <a:r>
-              <a:rPr lang="en" sz="1800" i="1" dirty="0"/>
+              <a:rPr lang="en" sz="1800" i="1" noProof="0"/>
               <a:t>(delete all Persons with name ‘Andres’)	</a:t>
             </a:r>
           </a:p>
@@ -20237,7 +20739,7 @@
               <a:buNone/>
             </a:pPr>
             <a:r>
-              <a:rPr lang="en" sz="1800" dirty="0">
+              <a:rPr lang="en" sz="1800" noProof="0">
                 <a:solidFill>
                   <a:srgbClr val="0B5394"/>
                 </a:solidFill>
@@ -20257,7 +20759,7 @@
               <a:buNone/>
             </a:pPr>
             <a:r>
-              <a:rPr lang="en" sz="1800" dirty="0">
+              <a:rPr lang="en" sz="1800" noProof="0">
                 <a:solidFill>
                   <a:srgbClr val="0B5394"/>
                 </a:solidFill>
@@ -20312,11 +20814,11 @@
               <a:buNone/>
             </a:pPr>
             <a:r>
-              <a:rPr lang="en" sz="1800" b="1" dirty="0"/>
+              <a:rPr lang="en" sz="1800" b="1" noProof="0"/>
               <a:t>MATCH </a:t>
             </a:r>
             <a:r>
-              <a:rPr lang="en" sz="1800" dirty="0"/>
+              <a:rPr lang="en" sz="1800" noProof="0"/>
               <a:t>(n: Person {name: 'Andres'}), (n-[r]-())</a:t>
             </a:r>
           </a:p>
@@ -20328,11 +20830,11 @@
               <a:buNone/>
             </a:pPr>
             <a:r>
-              <a:rPr lang="en" sz="1800" b="1" dirty="0"/>
+              <a:rPr lang="en" sz="1800" b="1" noProof="0"/>
               <a:t>DELETE </a:t>
             </a:r>
             <a:r>
-              <a:rPr lang="en" sz="1800" dirty="0"/>
+              <a:rPr lang="en" sz="1800" noProof="0"/>
               <a:t>r,n</a:t>
             </a:r>
           </a:p>
@@ -20347,7 +20849,7 @@
               <a:buNone/>
             </a:pPr>
             <a:r>
-              <a:rPr lang="en" sz="1800" i="1" dirty="0"/>
+              <a:rPr lang="en" sz="1800" i="1" noProof="0"/>
               <a:t>(first, we must delete all relationships of node with name ‘Andres’)</a:t>
             </a:r>
           </a:p>
@@ -20359,7 +20861,7 @@
               <a:buNone/>
             </a:pPr>
             <a:r>
-              <a:rPr lang="en" sz="1800" dirty="0">
+              <a:rPr lang="en" sz="1800" noProof="0">
                 <a:solidFill>
                   <a:srgbClr val="0B5394"/>
                 </a:solidFill>
@@ -20379,7 +20881,7 @@
               <a:buNone/>
             </a:pPr>
             <a:r>
-              <a:rPr lang="en" sz="1800" dirty="0">
+              <a:rPr lang="en" sz="1800" noProof="0">
                 <a:solidFill>
                   <a:srgbClr val="0B5394"/>
                 </a:solidFill>
@@ -20492,401 +20994,7 @@
 </p:sld>
 </file>
 
-<file path=ppt/slides/slide4.xml><?xml version="1.0" encoding="utf-8"?>
-<p:sld xmlns:a="http://schemas.openxmlformats.org/drawingml/2006/main" xmlns:r="http://schemas.openxmlformats.org/officeDocument/2006/relationships" xmlns:p="http://schemas.openxmlformats.org/presentationml/2006/main">
-  <p:cSld>
-    <p:spTree>
-      <p:nvGrpSpPr>
-        <p:cNvPr id="1" name="Shape 112"/>
-        <p:cNvGrpSpPr/>
-        <p:nvPr/>
-      </p:nvGrpSpPr>
-      <p:grpSpPr>
-        <a:xfrm>
-          <a:off x="0" y="0"/>
-          <a:ext cx="0" cy="0"/>
-          <a:chOff x="0" y="0"/>
-          <a:chExt cx="0" cy="0"/>
-        </a:xfrm>
-      </p:grpSpPr>
-      <p:sp>
-        <p:nvSpPr>
-          <p:cNvPr id="113" name="Shape 113"/>
-          <p:cNvSpPr txBox="1">
-            <a:spLocks noGrp="1"/>
-          </p:cNvSpPr>
-          <p:nvPr>
-            <p:ph type="title"/>
-          </p:nvPr>
-        </p:nvSpPr>
-        <p:spPr>
-          <a:xfrm>
-            <a:off x="457200" y="228850"/>
-            <a:ext cx="8523600" cy="733799"/>
-          </a:xfrm>
-          <a:prstGeom prst="rect">
-            <a:avLst/>
-          </a:prstGeom>
-        </p:spPr>
-        <p:txBody>
-          <a:bodyPr lIns="91425" tIns="91425" rIns="91425" bIns="91425" anchor="b" anchorCtr="0">
-            <a:noAutofit/>
-          </a:bodyPr>
-          <a:lstStyle/>
-          <a:p>
-            <a:pPr lvl="0" rtl="0">
-              <a:spcBef>
-                <a:spcPts val="0"/>
-              </a:spcBef>
-              <a:buNone/>
-            </a:pPr>
-            <a:r>
-              <a:rPr lang="en-US" sz="2400" dirty="0" smtClean="0"/>
-              <a:t>Advantages </a:t>
-            </a:r>
-            <a:r>
-              <a:rPr lang="en" sz="2400" dirty="0" smtClean="0"/>
-              <a:t>of </a:t>
-            </a:r>
-            <a:r>
-              <a:rPr lang="en" sz="2400" dirty="0"/>
-              <a:t>Relational Databases</a:t>
-            </a:r>
-          </a:p>
-        </p:txBody>
-      </p:sp>
-      <p:sp>
-        <p:nvSpPr>
-          <p:cNvPr id="114" name="Shape 114"/>
-          <p:cNvSpPr txBox="1">
-            <a:spLocks noGrp="1"/>
-          </p:cNvSpPr>
-          <p:nvPr>
-            <p:ph type="body" idx="1"/>
-          </p:nvPr>
-        </p:nvSpPr>
-        <p:spPr>
-          <a:xfrm>
-            <a:off x="457200" y="1038400"/>
-            <a:ext cx="8432099" cy="4434599"/>
-          </a:xfrm>
-          <a:prstGeom prst="rect">
-            <a:avLst/>
-          </a:prstGeom>
-        </p:spPr>
-        <p:txBody>
-          <a:bodyPr lIns="91425" tIns="91425" rIns="91425" bIns="91425" anchor="t" anchorCtr="0">
-            <a:noAutofit/>
-          </a:bodyPr>
-          <a:lstStyle/>
-          <a:p>
-            <a:pPr marL="457200" lvl="0" indent="-419100" rtl="0">
-              <a:spcBef>
-                <a:spcPts val="0"/>
-              </a:spcBef>
-              <a:spcAft>
-                <a:spcPts val="1000"/>
-              </a:spcAft>
-              <a:buClr>
-                <a:schemeClr val="dk1"/>
-              </a:buClr>
-              <a:buSzPct val="100000"/>
-              <a:buFont typeface="Arial"/>
-              <a:buChar char="●"/>
-            </a:pPr>
-            <a:r>
-              <a:rPr lang="en" sz="2400" dirty="0">
-                <a:latin typeface="Arial"/>
-                <a:cs typeface="Arial"/>
-              </a:rPr>
-              <a:t>A (mostly) </a:t>
-            </a:r>
-            <a:r>
-              <a:rPr lang="en" sz="2400" dirty="0">
-                <a:solidFill>
-                  <a:srgbClr val="990000"/>
-                </a:solidFill>
-                <a:latin typeface="Arial"/>
-                <a:cs typeface="Arial"/>
-              </a:rPr>
-              <a:t>standard</a:t>
-            </a:r>
-            <a:r>
-              <a:rPr lang="en" sz="2400" dirty="0">
-                <a:latin typeface="Arial"/>
-                <a:cs typeface="Arial"/>
-              </a:rPr>
-              <a:t> data model</a:t>
-            </a:r>
-          </a:p>
-          <a:p>
-            <a:pPr marL="457200" lvl="0" indent="-419100" rtl="0">
-              <a:spcBef>
-                <a:spcPts val="0"/>
-              </a:spcBef>
-              <a:buClr>
-                <a:schemeClr val="dk1"/>
-              </a:buClr>
-              <a:buSzPct val="100000"/>
-              <a:buFont typeface="Arial"/>
-              <a:buChar char="●"/>
-            </a:pPr>
-            <a:r>
-              <a:rPr lang="en" sz="2400" dirty="0">
-                <a:latin typeface="Arial"/>
-                <a:cs typeface="Arial"/>
-              </a:rPr>
-              <a:t>Many well </a:t>
-            </a:r>
-            <a:r>
-              <a:rPr lang="en" sz="2400" dirty="0">
-                <a:solidFill>
-                  <a:srgbClr val="990000"/>
-                </a:solidFill>
-                <a:latin typeface="Arial"/>
-                <a:cs typeface="Arial"/>
-              </a:rPr>
-              <a:t>developed</a:t>
-            </a:r>
-            <a:r>
-              <a:rPr lang="en" sz="2400" dirty="0">
-                <a:latin typeface="Arial"/>
-                <a:cs typeface="Arial"/>
-              </a:rPr>
-              <a:t> technologies</a:t>
-            </a:r>
-          </a:p>
-          <a:p>
-            <a:pPr marL="914400" lvl="1" indent="-381000" rtl="0">
-              <a:spcBef>
-                <a:spcPts val="0"/>
-              </a:spcBef>
-              <a:buClr>
-                <a:schemeClr val="dk1"/>
-              </a:buClr>
-              <a:buSzPct val="80000"/>
-              <a:buFont typeface="Courier New"/>
-              <a:buChar char="o"/>
-            </a:pPr>
-            <a:r>
-              <a:rPr lang="en" sz="2400" dirty="0">
-                <a:latin typeface="Arial"/>
-                <a:cs typeface="Arial"/>
-              </a:rPr>
-              <a:t>physical organization of the data</a:t>
-            </a:r>
-          </a:p>
-          <a:p>
-            <a:pPr marL="914400" lvl="1" indent="-381000" rtl="0">
-              <a:spcBef>
-                <a:spcPts val="0"/>
-              </a:spcBef>
-              <a:buClr>
-                <a:schemeClr val="dk1"/>
-              </a:buClr>
-              <a:buSzPct val="80000"/>
-              <a:buFont typeface="Courier New"/>
-              <a:buChar char="o"/>
-            </a:pPr>
-            <a:r>
-              <a:rPr lang="en" sz="2400" dirty="0">
-                <a:latin typeface="Arial"/>
-                <a:cs typeface="Arial"/>
-              </a:rPr>
-              <a:t>search indexes: B</a:t>
-            </a:r>
-            <a:r>
-              <a:rPr lang="en" sz="2400" baseline="30000" dirty="0">
-                <a:latin typeface="Arial"/>
-                <a:cs typeface="Arial"/>
-              </a:rPr>
-              <a:t>+</a:t>
-            </a:r>
-            <a:r>
-              <a:rPr lang="en" sz="2400" dirty="0">
-                <a:latin typeface="Arial"/>
-                <a:cs typeface="Arial"/>
-              </a:rPr>
-              <a:t>-Trees, hash indexes</a:t>
-            </a:r>
-          </a:p>
-          <a:p>
-            <a:pPr marL="914400" lvl="1" indent="-381000" rtl="0">
-              <a:spcBef>
-                <a:spcPts val="0"/>
-              </a:spcBef>
-              <a:buClr>
-                <a:schemeClr val="dk1"/>
-              </a:buClr>
-              <a:buSzPct val="80000"/>
-              <a:buFont typeface="Courier New"/>
-              <a:buChar char="o"/>
-            </a:pPr>
-            <a:r>
-              <a:rPr lang="en" sz="2400" dirty="0">
-                <a:latin typeface="Arial"/>
-                <a:cs typeface="Arial"/>
-              </a:rPr>
-              <a:t>query optimization, search operator implementations</a:t>
-            </a:r>
-          </a:p>
-          <a:p>
-            <a:pPr marL="457200" lvl="0" indent="-419100" rtl="0">
-              <a:spcBef>
-                <a:spcPts val="1000"/>
-              </a:spcBef>
-              <a:buClr>
-                <a:schemeClr val="dk1"/>
-              </a:buClr>
-              <a:buSzPct val="100000"/>
-              <a:buFont typeface="Arial"/>
-              <a:buChar char="●"/>
-            </a:pPr>
-            <a:r>
-              <a:rPr lang="en-US" sz="2400" dirty="0" smtClean="0">
-                <a:latin typeface="Arial"/>
-                <a:cs typeface="Arial"/>
-              </a:rPr>
-              <a:t>Reliable</a:t>
-            </a:r>
-            <a:r>
-              <a:rPr lang="en" sz="2400" dirty="0" smtClean="0">
-                <a:latin typeface="Arial"/>
-                <a:cs typeface="Arial"/>
-              </a:rPr>
-              <a:t> </a:t>
-            </a:r>
-            <a:r>
-              <a:rPr lang="en" sz="2400" dirty="0" smtClean="0">
-                <a:solidFill>
-                  <a:srgbClr val="990000"/>
-                </a:solidFill>
-                <a:latin typeface="Arial"/>
-                <a:cs typeface="Arial"/>
-              </a:rPr>
-              <a:t>concurrency</a:t>
-            </a:r>
-            <a:r>
-              <a:rPr lang="en" sz="2400" dirty="0" smtClean="0">
-                <a:latin typeface="Arial"/>
-                <a:cs typeface="Arial"/>
-              </a:rPr>
-              <a:t> </a:t>
-            </a:r>
-            <a:r>
-              <a:rPr lang="en" sz="2400" dirty="0">
-                <a:latin typeface="Arial"/>
-                <a:cs typeface="Arial"/>
-              </a:rPr>
-              <a:t>control (ACID)</a:t>
-            </a:r>
-          </a:p>
-          <a:p>
-            <a:pPr marL="914400" lvl="1" indent="-381000" rtl="0">
-              <a:spcBef>
-                <a:spcPts val="0"/>
-              </a:spcBef>
-              <a:buClr>
-                <a:schemeClr val="dk1"/>
-              </a:buClr>
-              <a:buSzPct val="80000"/>
-              <a:buFont typeface="Courier New"/>
-              <a:buChar char="o"/>
-            </a:pPr>
-            <a:r>
-              <a:rPr lang="en" sz="2400" dirty="0">
-                <a:solidFill>
-                  <a:srgbClr val="990000"/>
-                </a:solidFill>
-                <a:latin typeface="Arial"/>
-                <a:cs typeface="Arial"/>
-              </a:rPr>
-              <a:t>transactions</a:t>
-            </a:r>
-            <a:r>
-              <a:rPr lang="en" sz="2400" dirty="0">
-                <a:latin typeface="Arial"/>
-                <a:cs typeface="Arial"/>
-              </a:rPr>
-              <a:t>: atomicity, consistency, isolation, durability</a:t>
-            </a:r>
-          </a:p>
-          <a:p>
-            <a:pPr marL="457200" lvl="0" indent="-419100" rtl="0">
-              <a:spcBef>
-                <a:spcPts val="1000"/>
-              </a:spcBef>
-              <a:buClr>
-                <a:schemeClr val="dk1"/>
-              </a:buClr>
-              <a:buSzPct val="100000"/>
-              <a:buFont typeface="Arial"/>
-              <a:buChar char="●"/>
-            </a:pPr>
-            <a:r>
-              <a:rPr lang="en" sz="2400" dirty="0">
-                <a:latin typeface="Arial"/>
-                <a:cs typeface="Arial"/>
-              </a:rPr>
-              <a:t>Many reliable </a:t>
-            </a:r>
-            <a:r>
-              <a:rPr lang="en" sz="2400" dirty="0">
-                <a:solidFill>
-                  <a:srgbClr val="990000"/>
-                </a:solidFill>
-                <a:latin typeface="Arial"/>
-                <a:cs typeface="Arial"/>
-              </a:rPr>
-              <a:t>integration</a:t>
-            </a:r>
-            <a:r>
-              <a:rPr lang="en" sz="2400" dirty="0">
-                <a:latin typeface="Arial"/>
-                <a:cs typeface="Arial"/>
-              </a:rPr>
-              <a:t> mechanisms</a:t>
-            </a:r>
-          </a:p>
-          <a:p>
-            <a:pPr marL="914400" lvl="1" indent="-381000" rtl="0">
-              <a:spcBef>
-                <a:spcPts val="0"/>
-              </a:spcBef>
-              <a:buClr>
-                <a:schemeClr val="dk1"/>
-              </a:buClr>
-              <a:buSzPct val="80000"/>
-              <a:buFont typeface="Courier New"/>
-              <a:buChar char="o"/>
-            </a:pPr>
-            <a:r>
-              <a:rPr lang="en" sz="2400" dirty="0">
-                <a:latin typeface="Arial"/>
-                <a:cs typeface="Arial"/>
-              </a:rPr>
-              <a:t>“shared database integration” of applications</a:t>
-            </a:r>
-          </a:p>
-        </p:txBody>
-      </p:sp>
-    </p:spTree>
-    <p:extLst>
-      <p:ext uri="{BB962C8B-B14F-4D97-AF65-F5344CB8AC3E}">
-        <p14:creationId xmlns:p14="http://schemas.microsoft.com/office/powerpoint/2010/main" val="888701766"/>
-      </p:ext>
-    </p:extLst>
-  </p:cSld>
-  <p:clrMapOvr>
-    <a:masterClrMapping/>
-  </p:clrMapOvr>
-  <p:transition xmlns:p14="http://schemas.microsoft.com/office/powerpoint/2010/main" spd="slow">
-    <p:cut/>
-  </p:transition>
-</p:sld>
-</file>
-
-<file path=ppt/slides/slide40.xml><?xml version="1.0" encoding="utf-8"?>
+<file path=ppt/slides/slide42.xml><?xml version="1.0" encoding="utf-8"?>
 <p:sld xmlns:a="http://schemas.openxmlformats.org/drawingml/2006/main" xmlns:r="http://schemas.openxmlformats.org/officeDocument/2006/relationships" xmlns:p="http://schemas.openxmlformats.org/presentationml/2006/main">
   <p:cSld>
     <p:spTree>
@@ -20931,7 +21039,7 @@
               <a:buNone/>
             </a:pPr>
             <a:r>
-              <a:rPr lang="en" sz="1800" dirty="0"/>
+              <a:rPr lang="en" sz="1800" noProof="0"/>
               <a:t>Cypher: Queries</a:t>
             </a:r>
           </a:p>
@@ -20978,11 +21086,11 @@
               <a:buNone/>
             </a:pPr>
             <a:r>
-              <a:rPr lang="en" sz="1800" b="1" dirty="0"/>
+              <a:rPr lang="en" sz="1800" b="1" noProof="0"/>
               <a:t>MATCH (</a:t>
             </a:r>
             <a:r>
-              <a:rPr lang="en" sz="1800" dirty="0"/>
+              <a:rPr lang="en" sz="1800" noProof="0"/>
               <a:t>user: Person {name: 'Andres'})-[:friend]-&gt;(follower)</a:t>
             </a:r>
           </a:p>
@@ -20994,11 +21102,11 @@
               <a:buNone/>
             </a:pPr>
             <a:r>
-              <a:rPr lang="en" sz="1800" b="1" dirty="0"/>
+              <a:rPr lang="en" sz="1800" b="1" noProof="0"/>
               <a:t>RETURN </a:t>
             </a:r>
             <a:r>
-              <a:rPr lang="en" sz="1800" dirty="0"/>
+              <a:rPr lang="en" sz="1800" noProof="0"/>
               <a:t>user.name, follower.name</a:t>
             </a:r>
           </a:p>
@@ -21010,7 +21118,7 @@
               <a:buNone/>
             </a:pPr>
             <a:r>
-              <a:rPr lang="en" sz="1800" i="1" dirty="0"/>
+              <a:rPr lang="en" sz="1800" i="1" noProof="0"/>
               <a:t>(find all ‘friends’ of 'Andres')</a:t>
             </a:r>
           </a:p>
@@ -21060,11 +21168,11 @@
               <a:buNone/>
             </a:pPr>
             <a:r>
-              <a:rPr lang="en" sz="1800" b="1" dirty="0"/>
+              <a:rPr lang="en" sz="1800" b="1" noProof="0"/>
               <a:t>MATCH (</a:t>
             </a:r>
             <a:r>
-              <a:rPr lang="en" sz="1800" dirty="0"/>
+              <a:rPr lang="en" sz="1800" noProof="0"/>
               <a:t>p: Person)</a:t>
             </a:r>
           </a:p>
@@ -21079,19 +21187,19 @@
               <a:buNone/>
             </a:pPr>
             <a:r>
-              <a:rPr lang="en" sz="1800" b="1" dirty="0"/>
+              <a:rPr lang="en" sz="1800" b="1" noProof="0"/>
               <a:t>WHERE</a:t>
             </a:r>
             <a:r>
-              <a:rPr lang="en" sz="1800" dirty="0"/>
+              <a:rPr lang="en" sz="1800" noProof="0"/>
               <a:t> p.age &gt; 18 </a:t>
             </a:r>
             <a:r>
-              <a:rPr lang="en" sz="1800" b="1" dirty="0"/>
+              <a:rPr lang="en" sz="1800" b="1" noProof="0"/>
               <a:t>AND</a:t>
             </a:r>
             <a:r>
-              <a:rPr lang="en" sz="1800" dirty="0"/>
+              <a:rPr lang="en" sz="1800" noProof="0"/>
               <a:t> p.age &lt; 30</a:t>
             </a:r>
           </a:p>
@@ -21106,11 +21214,11 @@
               <a:buNone/>
             </a:pPr>
             <a:r>
-              <a:rPr lang="en" sz="1800" b="1" dirty="0"/>
+              <a:rPr lang="en" sz="1800" b="1" noProof="0"/>
               <a:t>RETURN </a:t>
             </a:r>
             <a:r>
-              <a:rPr lang="en" sz="1800" dirty="0"/>
+              <a:rPr lang="en" sz="1800" noProof="0"/>
               <a:t>p.name</a:t>
             </a:r>
           </a:p>
@@ -21125,7 +21233,7 @@
               <a:buNone/>
             </a:pPr>
             <a:r>
-              <a:rPr lang="en" sz="1800" i="1" dirty="0"/>
+              <a:rPr lang="en" sz="1800" i="1" noProof="0"/>
               <a:t>(return names of all adult people under 30)</a:t>
             </a:r>
           </a:p>
@@ -21230,7 +21338,7 @@
 </p:sld>
 </file>
 
-<file path=ppt/slides/slide41.xml><?xml version="1.0" encoding="utf-8"?>
+<file path=ppt/slides/slide43.xml><?xml version="1.0" encoding="utf-8"?>
 <p:sld xmlns:a="http://schemas.openxmlformats.org/drawingml/2006/main" xmlns:r="http://schemas.openxmlformats.org/officeDocument/2006/relationships" xmlns:p="http://schemas.openxmlformats.org/presentationml/2006/main">
   <p:cSld>
     <p:spTree>
@@ -21275,7 +21383,7 @@
               <a:buNone/>
             </a:pPr>
             <a:r>
-              <a:rPr lang="en" sz="1800" dirty="0"/>
+              <a:rPr lang="en" sz="1800" noProof="0"/>
               <a:t>Cypher: Queries (2)</a:t>
             </a:r>
           </a:p>
@@ -21322,11 +21430,11 @@
               <a:buNone/>
             </a:pPr>
             <a:r>
-              <a:rPr lang="en" sz="1800" b="1" dirty="0"/>
+              <a:rPr lang="en" sz="1800" b="1" noProof="0"/>
               <a:t>MATCH (</a:t>
             </a:r>
             <a:r>
-              <a:rPr lang="en" sz="1800" dirty="0"/>
+              <a:rPr lang="en" sz="1800" noProof="0"/>
               <a:t>andres: Person {name: 'Andres'})-[*1..3]-(node)</a:t>
             </a:r>
           </a:p>
@@ -21338,11 +21446,11 @@
               <a:buNone/>
             </a:pPr>
             <a:r>
-              <a:rPr lang="en" sz="1800" b="1" dirty="0"/>
+              <a:rPr lang="en" sz="1800" b="1" noProof="0"/>
               <a:t>RETURN </a:t>
             </a:r>
             <a:r>
-              <a:rPr lang="en" sz="1800" dirty="0"/>
+              <a:rPr lang="en" sz="1800" noProof="0"/>
               <a:t>andres, node ;</a:t>
             </a:r>
           </a:p>
@@ -21354,7 +21462,7 @@
               <a:buNone/>
             </a:pPr>
             <a:r>
-              <a:rPr lang="en" sz="1800" i="1" dirty="0"/>
+              <a:rPr lang="en" sz="1800" i="1" noProof="0"/>
               <a:t>(find all ‘nodes’ within three hops from ‘Andres’)</a:t>
             </a:r>
           </a:p>
@@ -21404,11 +21512,11 @@
               <a:buNone/>
             </a:pPr>
             <a:r>
-              <a:rPr lang="en" sz="1800" b="1" dirty="0"/>
+              <a:rPr lang="en" sz="1800" b="1" noProof="0"/>
               <a:t>MATCH </a:t>
             </a:r>
             <a:r>
-              <a:rPr lang="en" sz="1800" dirty="0"/>
+              <a:rPr lang="en" sz="1800" noProof="0"/>
               <a:t>p=shortestPath(</a:t>
             </a:r>
           </a:p>
@@ -21423,7 +21531,7 @@
               <a:buNone/>
             </a:pPr>
             <a:r>
-              <a:rPr lang="en" sz="1800" dirty="0"/>
+              <a:rPr lang="en" sz="1800" noProof="0"/>
               <a:t>  (andres:Person {name: 'Andres'})-[*]-(david {name:'David'})</a:t>
             </a:r>
           </a:p>
@@ -21438,7 +21546,7 @@
               <a:buNone/>
             </a:pPr>
             <a:r>
-              <a:rPr lang="en" sz="1800" dirty="0"/>
+              <a:rPr lang="en" sz="1800" noProof="0"/>
               <a:t>)</a:t>
             </a:r>
           </a:p>
@@ -21453,11 +21561,11 @@
               <a:buNone/>
             </a:pPr>
             <a:r>
-              <a:rPr lang="en" sz="1800" b="1" dirty="0"/>
+              <a:rPr lang="en" sz="1800" b="1" noProof="0"/>
               <a:t>RETURN </a:t>
             </a:r>
             <a:r>
-              <a:rPr lang="en" sz="1800" dirty="0"/>
+              <a:rPr lang="en" sz="1800" noProof="0"/>
               <a:t>p ;</a:t>
             </a:r>
           </a:p>
@@ -21472,7 +21580,7 @@
               <a:buNone/>
             </a:pPr>
             <a:r>
-              <a:rPr lang="en" sz="1800" i="1" dirty="0"/>
+              <a:rPr lang="en" sz="1800" i="1" noProof="0"/>
               <a:t>(find the shortest connection between ‘Andres’ and ‘David’)</a:t>
             </a:r>
           </a:p>
@@ -21577,7 +21685,7 @@
 </p:sld>
 </file>
 
-<file path=ppt/slides/slide42.xml><?xml version="1.0" encoding="utf-8"?>
+<file path=ppt/slides/slide44.xml><?xml version="1.0" encoding="utf-8"?>
 <p:sld xmlns:a="http://schemas.openxmlformats.org/drawingml/2006/main" xmlns:r="http://schemas.openxmlformats.org/officeDocument/2006/relationships" xmlns:p="http://schemas.openxmlformats.org/presentationml/2006/main">
   <p:cSld>
     <p:spTree>
@@ -21610,46 +21718,10 @@
           <a:lstStyle/>
           <a:p>
             <a:r>
-              <a:rPr lang="nl-NL" sz="1600" b="1" dirty="0" err="1" smtClean="0"/>
-              <a:t>Guidelines</a:t>
-            </a:r>
-            <a:r>
-              <a:rPr lang="nl-NL" sz="1600" b="1" dirty="0" smtClean="0"/>
-              <a:t> on Data </a:t>
-            </a:r>
-            <a:r>
-              <a:rPr lang="nl-NL" sz="1600" b="1" dirty="0" smtClean="0"/>
-              <a:t>model </a:t>
-            </a:r>
-            <a:r>
-              <a:rPr lang="nl-NL" sz="1600" b="1" dirty="0" err="1" smtClean="0"/>
-              <a:t>Transformation</a:t>
-            </a:r>
-            <a:r>
-              <a:rPr lang="nl-NL" sz="1600" b="1" dirty="0" smtClean="0"/>
-              <a:t> (</a:t>
-            </a:r>
-            <a:r>
-              <a:rPr lang="nl-NL" sz="1600" b="1" dirty="0" err="1" smtClean="0"/>
-              <a:t>R</a:t>
-            </a:r>
-            <a:r>
-              <a:rPr lang="nl-NL" sz="1600" b="1" dirty="0" err="1" smtClean="0"/>
-              <a:t>elational</a:t>
-            </a:r>
-            <a:r>
-              <a:rPr lang="nl-NL" sz="1600" b="1" dirty="0" smtClean="0"/>
-              <a:t> -&gt; </a:t>
-            </a:r>
-            <a:r>
-              <a:rPr lang="nl-NL" sz="1600" b="1" dirty="0" err="1" smtClean="0"/>
-              <a:t>graph</a:t>
-            </a:r>
-            <a:r>
-              <a:rPr lang="nl-NL" sz="1600" b="1" dirty="0" smtClean="0"/>
-              <a:t> )</a:t>
-            </a:r>
-            <a:endParaRPr lang="nl-NL" sz="1600" b="1" dirty="0"/>
+              <a:rPr lang="en" sz="1600" b="1" noProof="0" smtClean="0"/>
+              <a:t>Guidelines on Data model Transformation (Relational -&gt; graph )</a:t>
+            </a:r>
+            <a:endParaRPr lang="en" sz="1600" b="1" noProof="0"/>
           </a:p>
         </p:txBody>
       </p:sp>
@@ -21673,50 +21745,9 @@
               <a:buChar char="•"/>
             </a:pPr>
             <a:r>
-              <a:rPr lang="nl-NL" sz="1600" dirty="0" err="1"/>
-              <a:t>Each</a:t>
-            </a:r>
-            <a:r>
-              <a:rPr lang="nl-NL" sz="1600" dirty="0"/>
-              <a:t> </a:t>
-            </a:r>
-            <a:r>
-              <a:rPr lang="nl-NL" sz="1600" dirty="0" err="1"/>
-              <a:t>entity</a:t>
-            </a:r>
-            <a:r>
-              <a:rPr lang="nl-NL" sz="1600" dirty="0"/>
-              <a:t> </a:t>
-            </a:r>
-            <a:r>
-              <a:rPr lang="nl-NL" sz="1600" dirty="0" err="1"/>
-              <a:t>table</a:t>
-            </a:r>
-            <a:r>
-              <a:rPr lang="nl-NL" sz="1600" dirty="0"/>
-              <a:t> is </a:t>
-            </a:r>
-            <a:r>
-              <a:rPr lang="nl-NL" sz="1600" dirty="0" err="1"/>
-              <a:t>represented</a:t>
-            </a:r>
-            <a:r>
-              <a:rPr lang="nl-NL" sz="1600" dirty="0"/>
-              <a:t> </a:t>
-            </a:r>
-            <a:r>
-              <a:rPr lang="nl-NL" sz="1600" dirty="0" err="1"/>
-              <a:t>by</a:t>
-            </a:r>
-            <a:r>
-              <a:rPr lang="nl-NL" sz="1600" dirty="0"/>
-              <a:t> a label on </a:t>
-            </a:r>
-            <a:r>
-              <a:rPr lang="nl-NL" sz="1600" dirty="0" err="1"/>
-              <a:t>nodes</a:t>
-            </a:r>
-            <a:endParaRPr lang="nl-NL" sz="1600" dirty="0"/>
+              <a:rPr lang="en" sz="1600" noProof="0" dirty="0" smtClean="0"/>
+              <a:t>Each entity table is represented by a label on nodes</a:t>
+            </a:r>
           </a:p>
           <a:p>
             <a:pPr marL="285750" indent="-285750">
@@ -21724,36 +21755,8 @@
               <a:buChar char="•"/>
             </a:pPr>
             <a:r>
-              <a:rPr lang="nl-NL" sz="1600" dirty="0" err="1"/>
-              <a:t>Each</a:t>
-            </a:r>
-            <a:r>
-              <a:rPr lang="nl-NL" sz="1600" dirty="0"/>
-              <a:t> </a:t>
-            </a:r>
-            <a:r>
-              <a:rPr lang="nl-NL" sz="1600" dirty="0" err="1"/>
-              <a:t>row</a:t>
-            </a:r>
-            <a:r>
-              <a:rPr lang="nl-NL" sz="1600" dirty="0"/>
-              <a:t> in a </a:t>
-            </a:r>
-            <a:r>
-              <a:rPr lang="nl-NL" sz="1600" dirty="0" err="1"/>
-              <a:t>entity</a:t>
-            </a:r>
-            <a:r>
-              <a:rPr lang="nl-NL" sz="1600" dirty="0"/>
-              <a:t> </a:t>
-            </a:r>
-            <a:r>
-              <a:rPr lang="nl-NL" sz="1600" dirty="0" err="1"/>
-              <a:t>table</a:t>
-            </a:r>
-            <a:r>
-              <a:rPr lang="nl-NL" sz="1600" dirty="0"/>
-              <a:t> is a node</a:t>
+              <a:rPr lang="en" sz="1600" noProof="0" dirty="0" smtClean="0"/>
+              <a:t>Each row in a entity table is a node</a:t>
             </a:r>
           </a:p>
           <a:p>
@@ -21762,48 +21765,8 @@
               <a:buChar char="•"/>
             </a:pPr>
             <a:r>
-              <a:rPr lang="nl-NL" sz="1600" dirty="0"/>
-              <a:t>Columns</a:t>
-            </a:r>
-            <a:r>
-              <a:rPr lang="nl-NL" sz="1600" dirty="0" smtClean="0"/>
-              <a:t> </a:t>
-            </a:r>
-            <a:r>
-              <a:rPr lang="nl-NL" sz="1600" dirty="0"/>
-              <a:t>on </a:t>
-            </a:r>
-            <a:r>
-              <a:rPr lang="nl-NL" sz="1600" dirty="0" err="1"/>
-              <a:t>those</a:t>
-            </a:r>
-            <a:r>
-              <a:rPr lang="nl-NL" sz="1600" dirty="0"/>
-              <a:t> </a:t>
-            </a:r>
-            <a:r>
-              <a:rPr lang="nl-NL" sz="1600" dirty="0" err="1"/>
-              <a:t>tables</a:t>
-            </a:r>
-            <a:r>
-              <a:rPr lang="nl-NL" sz="1600" dirty="0"/>
-              <a:t> </a:t>
-            </a:r>
-            <a:r>
-              <a:rPr lang="nl-NL" sz="1600" dirty="0" err="1"/>
-              <a:t>become</a:t>
-            </a:r>
-            <a:r>
-              <a:rPr lang="nl-NL" sz="1600" dirty="0"/>
-              <a:t> node </a:t>
-            </a:r>
-            <a:r>
-              <a:rPr lang="nl-NL" sz="1600" dirty="0" err="1"/>
-              <a:t>properties</a:t>
-            </a:r>
-            <a:r>
-              <a:rPr lang="nl-NL" sz="1600" dirty="0"/>
-              <a:t>.</a:t>
+              <a:rPr lang="en" sz="1600" noProof="0" dirty="0" smtClean="0"/>
+              <a:t>Columns on those tables become node properties.</a:t>
             </a:r>
           </a:p>
           <a:p>
@@ -21812,50 +21775,9 @@
               <a:buChar char="•"/>
             </a:pPr>
             <a:r>
-              <a:rPr lang="nl-NL" sz="1600" dirty="0" err="1"/>
-              <a:t>Remove</a:t>
-            </a:r>
-            <a:r>
-              <a:rPr lang="nl-NL" sz="1600" dirty="0"/>
-              <a:t> </a:t>
-            </a:r>
-            <a:r>
-              <a:rPr lang="nl-NL" sz="1600" dirty="0" err="1" smtClean="0"/>
-              <a:t>technical</a:t>
-            </a:r>
-            <a:r>
-              <a:rPr lang="nl-NL" sz="1600" dirty="0" smtClean="0"/>
-              <a:t> </a:t>
-            </a:r>
-            <a:r>
-              <a:rPr lang="nl-NL" sz="1600" dirty="0" err="1"/>
-              <a:t>primary</a:t>
-            </a:r>
-            <a:r>
-              <a:rPr lang="nl-NL" sz="1600" dirty="0"/>
-              <a:t> </a:t>
-            </a:r>
-            <a:r>
-              <a:rPr lang="nl-NL" sz="1600" dirty="0" err="1"/>
-              <a:t>keys</a:t>
-            </a:r>
-            <a:r>
-              <a:rPr lang="nl-NL" sz="1600" dirty="0"/>
-              <a:t>, keep business </a:t>
-            </a:r>
-            <a:r>
-              <a:rPr lang="nl-NL" sz="1600" dirty="0" err="1"/>
-              <a:t>primary</a:t>
-            </a:r>
-            <a:r>
-              <a:rPr lang="nl-NL" sz="1600" dirty="0"/>
-              <a:t> </a:t>
-            </a:r>
-            <a:r>
-              <a:rPr lang="nl-NL" sz="1600" dirty="0" err="1"/>
-              <a:t>keys</a:t>
-            </a:r>
-            <a:endParaRPr lang="nl-NL" sz="1600" dirty="0"/>
+              <a:rPr lang="en" sz="1600" noProof="0" dirty="0" smtClean="0"/>
+              <a:t>Remove technical primary keys, keep business primary keys</a:t>
+            </a:r>
           </a:p>
           <a:p>
             <a:pPr marL="285750" indent="-285750">
@@ -21863,90 +21785,9 @@
               <a:buChar char="•"/>
             </a:pPr>
             <a:r>
-              <a:rPr lang="nl-NL" sz="1600" dirty="0" err="1"/>
-              <a:t>Add</a:t>
-            </a:r>
-            <a:r>
-              <a:rPr lang="nl-NL" sz="1600" dirty="0"/>
-              <a:t> </a:t>
-            </a:r>
-            <a:r>
-              <a:rPr lang="nl-NL" sz="1600" dirty="0" err="1"/>
-              <a:t>unique</a:t>
-            </a:r>
-            <a:r>
-              <a:rPr lang="nl-NL" sz="1600" dirty="0"/>
-              <a:t> </a:t>
-            </a:r>
-            <a:r>
-              <a:rPr lang="nl-NL" sz="1600" dirty="0" err="1"/>
-              <a:t>constraints</a:t>
-            </a:r>
-            <a:r>
-              <a:rPr lang="nl-NL" sz="1600" dirty="0"/>
-              <a:t> </a:t>
-            </a:r>
-            <a:r>
-              <a:rPr lang="nl-NL" sz="1600" dirty="0" err="1"/>
-              <a:t>for</a:t>
-            </a:r>
-            <a:r>
-              <a:rPr lang="nl-NL" sz="1600" dirty="0"/>
-              <a:t> business </a:t>
-            </a:r>
-            <a:r>
-              <a:rPr lang="nl-NL" sz="1600" dirty="0" err="1"/>
-              <a:t>primary</a:t>
-            </a:r>
-            <a:r>
-              <a:rPr lang="nl-NL" sz="1600" dirty="0"/>
-              <a:t> </a:t>
-            </a:r>
-            <a:r>
-              <a:rPr lang="nl-NL" sz="1600" dirty="0" err="1"/>
-              <a:t>keys</a:t>
-            </a:r>
-            <a:r>
-              <a:rPr lang="nl-NL" sz="1600" dirty="0"/>
-              <a:t>, </a:t>
-            </a:r>
-            <a:r>
-              <a:rPr lang="nl-NL" sz="1600" dirty="0" err="1"/>
-              <a:t>add</a:t>
-            </a:r>
-            <a:r>
-              <a:rPr lang="nl-NL" sz="1600" dirty="0"/>
-              <a:t> </a:t>
-            </a:r>
-            <a:r>
-              <a:rPr lang="nl-NL" sz="1600" dirty="0" err="1"/>
-              <a:t>indexes</a:t>
-            </a:r>
-            <a:r>
-              <a:rPr lang="nl-NL" sz="1600" dirty="0"/>
-              <a:t> </a:t>
-            </a:r>
-            <a:r>
-              <a:rPr lang="nl-NL" sz="1600" dirty="0" err="1"/>
-              <a:t>for</a:t>
-            </a:r>
-            <a:r>
-              <a:rPr lang="nl-NL" sz="1600" dirty="0"/>
-              <a:t> frequent </a:t>
-            </a:r>
-            <a:r>
-              <a:rPr lang="nl-NL" sz="1600" dirty="0" err="1"/>
-              <a:t>lookup</a:t>
-            </a:r>
-            <a:r>
-              <a:rPr lang="nl-NL" sz="1600" dirty="0"/>
-              <a:t> </a:t>
-            </a:r>
-            <a:r>
-              <a:rPr lang="nl-NL" sz="1600" dirty="0" err="1"/>
-              <a:t>attributes</a:t>
-            </a:r>
-            <a:endParaRPr lang="nl-NL" sz="1600" dirty="0"/>
+              <a:rPr lang="en" sz="1600" noProof="0" dirty="0" smtClean="0"/>
+              <a:t>Add unique constraints for business primary keys, add indexes for frequent lookup attributes</a:t>
+            </a:r>
           </a:p>
           <a:p>
             <a:pPr marL="285750" indent="-285750">
@@ -21954,90 +21795,9 @@
               <a:buChar char="•"/>
             </a:pPr>
             <a:r>
-              <a:rPr lang="nl-NL" sz="1600" dirty="0" err="1"/>
-              <a:t>Replace</a:t>
-            </a:r>
-            <a:r>
-              <a:rPr lang="nl-NL" sz="1600" dirty="0"/>
-              <a:t> </a:t>
-            </a:r>
-            <a:r>
-              <a:rPr lang="nl-NL" sz="1600" dirty="0" err="1"/>
-              <a:t>foreign</a:t>
-            </a:r>
-            <a:r>
-              <a:rPr lang="nl-NL" sz="1600" dirty="0"/>
-              <a:t> </a:t>
-            </a:r>
-            <a:r>
-              <a:rPr lang="nl-NL" sz="1600" dirty="0" err="1"/>
-              <a:t>keys</a:t>
-            </a:r>
-            <a:r>
-              <a:rPr lang="nl-NL" sz="1600" dirty="0"/>
-              <a:t> </a:t>
-            </a:r>
-            <a:r>
-              <a:rPr lang="nl-NL" sz="1600" dirty="0" err="1"/>
-              <a:t>with</a:t>
-            </a:r>
-            <a:r>
-              <a:rPr lang="nl-NL" sz="1600" dirty="0"/>
-              <a:t> </a:t>
-            </a:r>
-            <a:r>
-              <a:rPr lang="nl-NL" sz="1600" dirty="0" err="1"/>
-              <a:t>relationships</a:t>
-            </a:r>
-            <a:r>
-              <a:rPr lang="nl-NL" sz="1600" dirty="0"/>
-              <a:t> </a:t>
-            </a:r>
-            <a:r>
-              <a:rPr lang="nl-NL" sz="1600" dirty="0" err="1"/>
-              <a:t>to</a:t>
-            </a:r>
-            <a:r>
-              <a:rPr lang="nl-NL" sz="1600" dirty="0"/>
-              <a:t> the </a:t>
-            </a:r>
-            <a:r>
-              <a:rPr lang="nl-NL" sz="1600" dirty="0" err="1"/>
-              <a:t>other</a:t>
-            </a:r>
-            <a:r>
-              <a:rPr lang="nl-NL" sz="1600" dirty="0"/>
-              <a:t> </a:t>
-            </a:r>
-            <a:r>
-              <a:rPr lang="nl-NL" sz="1600" dirty="0" err="1"/>
-              <a:t>table</a:t>
-            </a:r>
-            <a:r>
-              <a:rPr lang="nl-NL" sz="1600" dirty="0"/>
-              <a:t>, </a:t>
-            </a:r>
-            <a:r>
-              <a:rPr lang="nl-NL" sz="1600" dirty="0" err="1"/>
-              <a:t>remove</a:t>
-            </a:r>
-            <a:r>
-              <a:rPr lang="nl-NL" sz="1600" dirty="0"/>
-              <a:t> </a:t>
-            </a:r>
-            <a:r>
-              <a:rPr lang="nl-NL" sz="1600" dirty="0" err="1"/>
-              <a:t>them</a:t>
-            </a:r>
-            <a:r>
-              <a:rPr lang="nl-NL" sz="1600" dirty="0"/>
-              <a:t> </a:t>
-            </a:r>
-            <a:r>
-              <a:rPr lang="nl-NL" sz="1600" dirty="0" err="1"/>
-              <a:t>afterwards</a:t>
-            </a:r>
-            <a:endParaRPr lang="nl-NL" sz="1600" dirty="0"/>
+              <a:rPr lang="en" sz="1600" noProof="0" dirty="0" smtClean="0"/>
+              <a:t>Replace foreign keys with relationships to the other table, remove them afterwards</a:t>
+            </a:r>
           </a:p>
           <a:p>
             <a:pPr marL="285750" indent="-285750">
@@ -22045,50 +21805,9 @@
               <a:buChar char="•"/>
             </a:pPr>
             <a:r>
-              <a:rPr lang="nl-NL" sz="1600" dirty="0" err="1"/>
-              <a:t>Remove</a:t>
-            </a:r>
-            <a:r>
-              <a:rPr lang="nl-NL" sz="1600" dirty="0"/>
-              <a:t> data </a:t>
-            </a:r>
-            <a:r>
-              <a:rPr lang="nl-NL" sz="1600" dirty="0" err="1"/>
-              <a:t>with</a:t>
-            </a:r>
-            <a:r>
-              <a:rPr lang="nl-NL" sz="1600" dirty="0"/>
-              <a:t> default </a:t>
-            </a:r>
-            <a:r>
-              <a:rPr lang="nl-NL" sz="1600" dirty="0" err="1"/>
-              <a:t>values</a:t>
-            </a:r>
-            <a:r>
-              <a:rPr lang="nl-NL" sz="1600" dirty="0"/>
-              <a:t>, no </a:t>
-            </a:r>
-            <a:r>
-              <a:rPr lang="nl-NL" sz="1600" dirty="0" err="1"/>
-              <a:t>need</a:t>
-            </a:r>
-            <a:r>
-              <a:rPr lang="nl-NL" sz="1600" dirty="0"/>
-              <a:t> </a:t>
-            </a:r>
-            <a:r>
-              <a:rPr lang="nl-NL" sz="1600" dirty="0" err="1"/>
-              <a:t>to</a:t>
-            </a:r>
-            <a:r>
-              <a:rPr lang="nl-NL" sz="1600" dirty="0"/>
-              <a:t> store </a:t>
-            </a:r>
-            <a:r>
-              <a:rPr lang="nl-NL" sz="1600" dirty="0" err="1"/>
-              <a:t>those</a:t>
-            </a:r>
-            <a:endParaRPr lang="nl-NL" sz="1600" dirty="0"/>
+              <a:rPr lang="en" sz="1600" noProof="0" dirty="0" smtClean="0"/>
+              <a:t>Remove data with default values, no need to store those</a:t>
+            </a:r>
           </a:p>
           <a:p>
             <a:pPr marL="285750" indent="-285750">
@@ -22096,104 +21815,8 @@
               <a:buChar char="•"/>
             </a:pPr>
             <a:r>
-              <a:rPr lang="nl-NL" sz="1600" dirty="0"/>
-              <a:t>Data in </a:t>
-            </a:r>
-            <a:r>
-              <a:rPr lang="nl-NL" sz="1600" dirty="0" err="1"/>
-              <a:t>tables</a:t>
-            </a:r>
-            <a:r>
-              <a:rPr lang="nl-NL" sz="1600" dirty="0"/>
-              <a:t> </a:t>
-            </a:r>
-            <a:r>
-              <a:rPr lang="nl-NL" sz="1600" dirty="0" err="1"/>
-              <a:t>that</a:t>
-            </a:r>
-            <a:r>
-              <a:rPr lang="nl-NL" sz="1600" dirty="0"/>
-              <a:t> is </a:t>
-            </a:r>
-            <a:r>
-              <a:rPr lang="nl-NL" sz="1600" dirty="0" err="1"/>
-              <a:t>denormalized</a:t>
-            </a:r>
-            <a:r>
-              <a:rPr lang="nl-NL" sz="1600" dirty="0"/>
-              <a:t> </a:t>
-            </a:r>
-            <a:r>
-              <a:rPr lang="nl-NL" sz="1600" dirty="0" err="1"/>
-              <a:t>and</a:t>
-            </a:r>
-            <a:r>
-              <a:rPr lang="nl-NL" sz="1600" dirty="0"/>
-              <a:t> </a:t>
-            </a:r>
-            <a:r>
-              <a:rPr lang="nl-NL" sz="1600" dirty="0" err="1"/>
-              <a:t>duplicated</a:t>
-            </a:r>
-            <a:r>
-              <a:rPr lang="nl-NL" sz="1600" dirty="0"/>
-              <a:t> </a:t>
-            </a:r>
-            <a:r>
-              <a:rPr lang="nl-NL" sz="1600" dirty="0" err="1"/>
-              <a:t>might</a:t>
-            </a:r>
-            <a:r>
-              <a:rPr lang="nl-NL" sz="1600" dirty="0"/>
-              <a:t> have </a:t>
-            </a:r>
-            <a:r>
-              <a:rPr lang="nl-NL" sz="1600" dirty="0" err="1"/>
-              <a:t>to</a:t>
-            </a:r>
-            <a:r>
-              <a:rPr lang="nl-NL" sz="1600" dirty="0"/>
-              <a:t> </a:t>
-            </a:r>
-            <a:r>
-              <a:rPr lang="nl-NL" sz="1600" dirty="0" err="1"/>
-              <a:t>be</a:t>
-            </a:r>
-            <a:r>
-              <a:rPr lang="nl-NL" sz="1600" dirty="0"/>
-              <a:t> </a:t>
-            </a:r>
-            <a:r>
-              <a:rPr lang="nl-NL" sz="1600" dirty="0" err="1"/>
-              <a:t>pulled</a:t>
-            </a:r>
-            <a:r>
-              <a:rPr lang="nl-NL" sz="1600" dirty="0"/>
-              <a:t> out </a:t>
-            </a:r>
-            <a:r>
-              <a:rPr lang="nl-NL" sz="1600" dirty="0" err="1"/>
-              <a:t>into</a:t>
-            </a:r>
-            <a:r>
-              <a:rPr lang="nl-NL" sz="1600" dirty="0"/>
-              <a:t> separate </a:t>
-            </a:r>
-            <a:r>
-              <a:rPr lang="nl-NL" sz="1600" dirty="0" err="1"/>
-              <a:t>nodes</a:t>
-            </a:r>
-            <a:r>
-              <a:rPr lang="nl-NL" sz="1600" dirty="0"/>
-              <a:t> </a:t>
-            </a:r>
-            <a:r>
-              <a:rPr lang="nl-NL" sz="1600" dirty="0" err="1"/>
-              <a:t>to</a:t>
-            </a:r>
-            <a:r>
-              <a:rPr lang="nl-NL" sz="1600" dirty="0"/>
-              <a:t> get a cleaner model.</a:t>
+              <a:rPr lang="en" sz="1600" noProof="0" dirty="0" smtClean="0"/>
+              <a:t>Data in tables that is denormalized and duplicated might have to be pulled out into separate nodes to get a cleaner model.</a:t>
             </a:r>
           </a:p>
           <a:p>
@@ -22202,52 +21825,8 @@
               <a:buChar char="•"/>
             </a:pPr>
             <a:r>
-              <a:rPr lang="nl-NL" sz="1600" dirty="0" err="1"/>
-              <a:t>Indexed</a:t>
-            </a:r>
-            <a:r>
-              <a:rPr lang="nl-NL" sz="1600" dirty="0"/>
-              <a:t> column </a:t>
-            </a:r>
-            <a:r>
-              <a:rPr lang="nl-NL" sz="1600" dirty="0" err="1"/>
-              <a:t>names</a:t>
-            </a:r>
-            <a:r>
-              <a:rPr lang="nl-NL" sz="1600" dirty="0"/>
-              <a:t>, </a:t>
-            </a:r>
-            <a:r>
-              <a:rPr lang="nl-NL" sz="1600" dirty="0" err="1"/>
-              <a:t>might</a:t>
-            </a:r>
-            <a:r>
-              <a:rPr lang="nl-NL" sz="1600" dirty="0"/>
-              <a:t> </a:t>
-            </a:r>
-            <a:r>
-              <a:rPr lang="nl-NL" sz="1600" dirty="0" err="1"/>
-              <a:t>indicate</a:t>
-            </a:r>
-            <a:r>
-              <a:rPr lang="nl-NL" sz="1600" dirty="0"/>
-              <a:t> </a:t>
-            </a:r>
-            <a:r>
-              <a:rPr lang="nl-NL" sz="1600" dirty="0" err="1"/>
-              <a:t>an</a:t>
-            </a:r>
-            <a:r>
-              <a:rPr lang="nl-NL" sz="1600" dirty="0"/>
-              <a:t> array property (</a:t>
-            </a:r>
-            <a:r>
-              <a:rPr lang="nl-NL" sz="1600" dirty="0" err="1"/>
-              <a:t>like</a:t>
-            </a:r>
-            <a:r>
-              <a:rPr lang="nl-NL" sz="1600" dirty="0"/>
-              <a:t> email1, email2, email3)</a:t>
+              <a:rPr lang="en" sz="1600" noProof="0" dirty="0" smtClean="0"/>
+              <a:t>Indexed column names, might indicate an array property (like email1, email2, email3)</a:t>
             </a:r>
           </a:p>
           <a:p>
@@ -22256,85 +21835,12 @@
               <a:buChar char="•"/>
             </a:pPr>
             <a:r>
-              <a:rPr lang="nl-NL" sz="1600" dirty="0" err="1"/>
-              <a:t>Join</a:t>
-            </a:r>
-            <a:r>
-              <a:rPr lang="nl-NL" sz="1600" dirty="0"/>
-              <a:t> </a:t>
-            </a:r>
-            <a:r>
-              <a:rPr lang="nl-NL" sz="1600" dirty="0" err="1"/>
-              <a:t>tables</a:t>
-            </a:r>
-            <a:r>
-              <a:rPr lang="nl-NL" sz="1600" dirty="0"/>
-              <a:t> are </a:t>
-            </a:r>
-            <a:r>
-              <a:rPr lang="nl-NL" sz="1600" dirty="0" err="1"/>
-              <a:t>transformed</a:t>
-            </a:r>
-            <a:r>
-              <a:rPr lang="nl-NL" sz="1600" dirty="0"/>
-              <a:t> </a:t>
-            </a:r>
-            <a:r>
-              <a:rPr lang="nl-NL" sz="1600" dirty="0" err="1"/>
-              <a:t>into</a:t>
-            </a:r>
-            <a:r>
-              <a:rPr lang="nl-NL" sz="1600" dirty="0"/>
-              <a:t> </a:t>
-            </a:r>
-            <a:r>
-              <a:rPr lang="nl-NL" sz="1600" dirty="0" err="1"/>
-              <a:t>relationships</a:t>
-            </a:r>
-            <a:r>
-              <a:rPr lang="nl-NL" sz="1600" dirty="0"/>
-              <a:t>, columns on </a:t>
-            </a:r>
-            <a:r>
-              <a:rPr lang="nl-NL" sz="1600" dirty="0" err="1"/>
-              <a:t>those</a:t>
-            </a:r>
-            <a:r>
-              <a:rPr lang="nl-NL" sz="1600" dirty="0"/>
-              <a:t> </a:t>
-            </a:r>
-            <a:r>
-              <a:rPr lang="nl-NL" sz="1600" dirty="0" err="1"/>
-              <a:t>tables</a:t>
-            </a:r>
-            <a:r>
-              <a:rPr lang="nl-NL" sz="1600" dirty="0"/>
-              <a:t> </a:t>
-            </a:r>
-            <a:r>
-              <a:rPr lang="nl-NL" sz="1600" dirty="0" err="1"/>
-              <a:t>become</a:t>
-            </a:r>
-            <a:r>
-              <a:rPr lang="nl-NL" sz="1600" dirty="0"/>
-              <a:t> </a:t>
-            </a:r>
-            <a:r>
-              <a:rPr lang="nl-NL" sz="1600" dirty="0" err="1"/>
-              <a:t>relationship</a:t>
-            </a:r>
-            <a:r>
-              <a:rPr lang="nl-NL" sz="1600" dirty="0"/>
-              <a:t> </a:t>
-            </a:r>
-            <a:r>
-              <a:rPr lang="nl-NL" sz="1600" dirty="0" err="1"/>
-              <a:t>properties</a:t>
-            </a:r>
-            <a:endParaRPr lang="nl-NL" sz="1600" dirty="0"/>
-          </a:p>
-          <a:p>
-            <a:endParaRPr lang="nl-NL" sz="1600" dirty="0"/>
+              <a:rPr lang="en" sz="1600" noProof="0" dirty="0" smtClean="0"/>
+              <a:t>Join tables are transformed into relationships, columns on those tables become relationship properties</a:t>
+            </a:r>
+          </a:p>
+          <a:p>
+            <a:endParaRPr lang="en" sz="1600" noProof="0" dirty="0"/>
           </a:p>
         </p:txBody>
       </p:sp>
@@ -22351,7 +21857,7 @@
 </p:sld>
 </file>
 
-<file path=ppt/slides/slide43.xml><?xml version="1.0" encoding="utf-8"?>
+<file path=ppt/slides/slide45.xml><?xml version="1.0" encoding="utf-8"?>
 <p:sld xmlns:a="http://schemas.openxmlformats.org/drawingml/2006/main" xmlns:r="http://schemas.openxmlformats.org/officeDocument/2006/relationships" xmlns:p="http://schemas.openxmlformats.org/presentationml/2006/main">
   <p:cSld>
     <p:spTree>
@@ -22386,10 +21892,10 @@
           <a:lstStyle/>
           <a:p>
             <a:r>
-              <a:rPr lang="nl-NL" dirty="0" smtClean="0"/>
+              <a:rPr lang="en" noProof="0" smtClean="0"/>
               <a:t>End</a:t>
             </a:r>
-            <a:endParaRPr lang="nl-NL" dirty="0"/>
+            <a:endParaRPr lang="en" noProof="0"/>
           </a:p>
         </p:txBody>
       </p:sp>
@@ -22409,10 +21915,10 @@
           <a:lstStyle/>
           <a:p>
             <a:r>
-              <a:rPr lang="nl-NL" smtClean="0"/>
+              <a:rPr lang="en" noProof="0" smtClean="0"/>
               <a:t>Questions</a:t>
             </a:r>
-            <a:endParaRPr lang="nl-NL"/>
+            <a:endParaRPr lang="en" noProof="0"/>
           </a:p>
         </p:txBody>
       </p:sp>
@@ -22429,7 +21935,7 @@
 </p:sld>
 </file>
 
-<file path=ppt/slides/slide44.xml><?xml version="1.0" encoding="utf-8"?>
+<file path=ppt/slides/slide46.xml><?xml version="1.0" encoding="utf-8"?>
 <p:sld xmlns:a="http://schemas.openxmlformats.org/drawingml/2006/main" xmlns:r="http://schemas.openxmlformats.org/officeDocument/2006/relationships" xmlns:p="http://schemas.openxmlformats.org/presentationml/2006/main" show="0">
   <p:cSld>
     <p:spTree>
@@ -22474,7 +21980,7 @@
               <a:buNone/>
             </a:pPr>
             <a:r>
-              <a:rPr lang="en" sz="2400"/>
+              <a:rPr lang="en" sz="2400" noProof="0"/>
               <a:t>Graphs (Neo4j) vs. Key-value Stores</a:t>
             </a:r>
           </a:p>
@@ -22513,7 +22019,7 @@
               <a:buChar char="●"/>
             </a:pPr>
             <a:r>
-              <a:rPr lang="en" sz="2400">
+              <a:rPr lang="en" sz="2400" noProof="0">
                 <a:solidFill>
                   <a:srgbClr val="0B5394"/>
                 </a:solidFill>
@@ -22521,11 +22027,11 @@
               <a:t>Key-value</a:t>
             </a:r>
             <a:r>
-              <a:rPr lang="en" sz="2400"/>
+              <a:rPr lang="en" sz="2400" noProof="0"/>
               <a:t> model is for lookups of </a:t>
             </a:r>
             <a:r>
-              <a:rPr lang="en" sz="2400">
+              <a:rPr lang="en" sz="2400" noProof="0">
                 <a:solidFill>
                   <a:srgbClr val="990000"/>
                 </a:solidFill>
@@ -22533,7 +22039,7 @@
               <a:t>simple values</a:t>
             </a:r>
             <a:r>
-              <a:rPr lang="en" sz="2400"/>
+              <a:rPr lang="en" sz="2400" noProof="0"/>
               <a:t> or lists</a:t>
             </a:r>
           </a:p>
@@ -22550,11 +22056,11 @@
               <a:buChar char="●"/>
             </a:pPr>
             <a:r>
-              <a:rPr lang="en" sz="2400"/>
+              <a:rPr lang="en" sz="2400" noProof="0"/>
               <a:t>With </a:t>
             </a:r>
             <a:r>
-              <a:rPr lang="en" sz="2400">
+              <a:rPr lang="en" sz="2400" noProof="0">
                 <a:solidFill>
                   <a:srgbClr val="0B5394"/>
                 </a:solidFill>
@@ -22562,11 +22068,11 @@
               <a:t>Neo4j</a:t>
             </a:r>
             <a:r>
-              <a:rPr lang="en" sz="2400"/>
+              <a:rPr lang="en" sz="2400" noProof="0"/>
               <a:t>, one can elaborate simple data structures into more </a:t>
             </a:r>
             <a:r>
-              <a:rPr lang="en" sz="2400">
+              <a:rPr lang="en" sz="2400" noProof="0">
                 <a:solidFill>
                   <a:srgbClr val="990000"/>
                 </a:solidFill>
@@ -22574,11 +22080,11 @@
               <a:t>complex</a:t>
             </a:r>
             <a:r>
-              <a:rPr lang="en" sz="2400"/>
+              <a:rPr lang="en" sz="2400" noProof="0"/>
               <a:t>, </a:t>
             </a:r>
             <a:r>
-              <a:rPr lang="en" sz="2400">
+              <a:rPr lang="en" sz="2400" noProof="0">
                 <a:solidFill>
                   <a:srgbClr val="990000"/>
                 </a:solidFill>
@@ -22586,7 +22092,7 @@
               <a:t>interconnected </a:t>
             </a:r>
             <a:r>
-              <a:rPr lang="en" sz="2400"/>
+              <a:rPr lang="en" sz="2400" noProof="0"/>
               <a:t>data</a:t>
             </a:r>
           </a:p>
@@ -22801,7 +22307,7 @@
 </p:sld>
 </file>
 
-<file path=ppt/slides/slide45.xml><?xml version="1.0" encoding="utf-8"?>
+<file path=ppt/slides/slide47.xml><?xml version="1.0" encoding="utf-8"?>
 <p:sld xmlns:a="http://schemas.openxmlformats.org/drawingml/2006/main" xmlns:r="http://schemas.openxmlformats.org/officeDocument/2006/relationships" xmlns:p="http://schemas.openxmlformats.org/presentationml/2006/main" show="0">
   <p:cSld>
     <p:spTree>
@@ -22846,7 +22352,7 @@
               <a:buNone/>
             </a:pPr>
             <a:r>
-              <a:rPr lang="en" sz="2400"/>
+              <a:rPr lang="en" sz="2400" noProof="0"/>
               <a:t>Graphs (Neo4j) vs. Document Stores</a:t>
             </a:r>
           </a:p>
@@ -22889,7 +22395,7 @@
               <a:buChar char="●"/>
             </a:pPr>
             <a:r>
-              <a:rPr lang="en" sz="2400">
+              <a:rPr lang="en" sz="2400" noProof="0" dirty="0" smtClean="0">
                 <a:solidFill>
                   <a:srgbClr val="0B5394"/>
                 </a:solidFill>
@@ -22897,11 +22403,11 @@
               <a:t>Document stores</a:t>
             </a:r>
             <a:r>
-              <a:rPr lang="en" sz="2400"/>
+              <a:rPr lang="en" sz="2400" noProof="0" dirty="0" smtClean="0"/>
               <a:t> are for data that can be represented as a </a:t>
             </a:r>
             <a:r>
-              <a:rPr lang="en" sz="2400">
+              <a:rPr lang="en" sz="2400" noProof="0" dirty="0" smtClean="0">
                 <a:solidFill>
                   <a:srgbClr val="990000"/>
                 </a:solidFill>
@@ -22928,7 +22434,7 @@
               <a:buChar char="o"/>
             </a:pPr>
             <a:r>
-              <a:rPr lang="en" sz="2400">
+              <a:rPr lang="en" sz="2400" noProof="0" dirty="0" smtClean="0">
                 <a:solidFill>
                   <a:srgbClr val="990000"/>
                 </a:solidFill>
@@ -22936,11 +22442,11 @@
               <a:t>References</a:t>
             </a:r>
             <a:r>
-              <a:rPr lang="en" sz="2400"/>
+              <a:rPr lang="en" sz="2400" noProof="0" dirty="0" smtClean="0"/>
               <a:t> to other documents are more </a:t>
             </a:r>
             <a:r>
-              <a:rPr lang="en" sz="2400">
+              <a:rPr lang="en" sz="2400" noProof="0" dirty="0" smtClean="0">
                 <a:solidFill>
                   <a:srgbClr val="990000"/>
                 </a:solidFill>
@@ -22948,20 +22454,20 @@
               <a:t>expressive</a:t>
             </a:r>
             <a:br>
-              <a:rPr lang="en" sz="2400">
+              <a:rPr lang="en" sz="2400" noProof="0" dirty="0" smtClean="0">
                 <a:solidFill>
                   <a:srgbClr val="990000"/>
                 </a:solidFill>
               </a:rPr>
             </a:br>
             <a:r>
-              <a:rPr lang="en" sz="2400"/>
+              <a:rPr lang="en" sz="2400" noProof="0" dirty="0" smtClean="0"/>
               <a:t/>
             </a:r>
             <a:br>
-              <a:rPr lang="en" sz="2400"/>
+              <a:rPr lang="en" sz="2400" noProof="0" dirty="0" smtClean="0"/>
             </a:br>
-            <a:endParaRPr lang="en" sz="2400"/>
+            <a:endParaRPr lang="en" sz="2400" noProof="0" dirty="0" smtClean="0"/>
           </a:p>
           <a:p>
             <a:pPr marL="457200" marR="0" lvl="0" indent="-381000" algn="l" rtl="0">
@@ -22982,7 +22488,7 @@
               <a:buChar char="●"/>
             </a:pPr>
             <a:r>
-              <a:rPr lang="en" sz="2400">
+              <a:rPr lang="en" sz="2400" noProof="0" dirty="0" smtClean="0">
                 <a:solidFill>
                   <a:srgbClr val="0B5394"/>
                 </a:solidFill>
@@ -22990,11 +22496,11 @@
               <a:t>Graph databases</a:t>
             </a:r>
             <a:r>
-              <a:rPr lang="en" sz="2400"/>
+              <a:rPr lang="en" sz="2400" noProof="0" dirty="0" smtClean="0"/>
               <a:t> are for free </a:t>
             </a:r>
             <a:r>
-              <a:rPr lang="en" sz="2400">
+              <a:rPr lang="en" sz="2400" noProof="0" dirty="0" smtClean="0">
                 <a:solidFill>
                   <a:srgbClr val="990000"/>
                 </a:solidFill>
@@ -23009,7 +22515,7 @@
               </a:spcBef>
               <a:buNone/>
             </a:pPr>
-            <a:endParaRPr sz="2400"/>
+            <a:endParaRPr lang="en" sz="2400" noProof="0" dirty="0"/>
           </a:p>
         </p:txBody>
       </p:sp>
@@ -23171,7 +22677,7 @@
               <a:buNone/>
             </a:pPr>
             <a:r>
-              <a:rPr lang="en" sz="2400" dirty="0"/>
+              <a:rPr lang="en" sz="2400" noProof="0"/>
               <a:t>NoSQL Databases</a:t>
             </a:r>
           </a:p>
@@ -23214,7 +22720,7 @@
               <a:buChar char="●"/>
             </a:pPr>
             <a:r>
-              <a:rPr lang="en" sz="2400" dirty="0">
+              <a:rPr lang="en" sz="2400" noProof="0">
                 <a:solidFill>
                   <a:srgbClr val="990000"/>
                 </a:solidFill>
@@ -23222,7 +22728,7 @@
               <a:t>What is</a:t>
             </a:r>
             <a:r>
-              <a:rPr lang="en" sz="2400" dirty="0"/>
+              <a:rPr lang="en" sz="2400" noProof="0"/>
               <a:t> “NoSQL”?</a:t>
             </a:r>
           </a:p>
@@ -23239,11 +22745,11 @@
               <a:buChar char="o"/>
             </a:pPr>
             <a:r>
-              <a:rPr lang="en" sz="2400" dirty="0"/>
+              <a:rPr lang="en" sz="2400" noProof="0"/>
               <a:t>term used in late 90s for a different type of technology:      Carlo Strozzi: </a:t>
             </a:r>
             <a:r>
-              <a:rPr lang="en" sz="2400" u="sng" dirty="0">
+              <a:rPr lang="en" sz="2400" u="sng" noProof="0">
                 <a:solidFill>
                   <a:schemeClr val="hlink"/>
                 </a:solidFill>
@@ -23265,7 +22771,7 @@
               <a:buChar char="o"/>
             </a:pPr>
             <a:r>
-              <a:rPr lang="en" sz="2400" dirty="0"/>
+              <a:rPr lang="en" sz="2400" noProof="0"/>
               <a:t>“Not Only SQL”?</a:t>
             </a:r>
           </a:p>
@@ -23282,7 +22788,7 @@
               <a:buChar char="§"/>
             </a:pPr>
             <a:r>
-              <a:rPr lang="en" sz="2400" dirty="0"/>
+              <a:rPr lang="en" sz="2400" noProof="0"/>
               <a:t>but many RDBMS are also “not just SQL”</a:t>
             </a:r>
           </a:p>
@@ -23366,7 +22872,7 @@
               <a:buNone/>
             </a:pPr>
             <a:r>
-              <a:rPr lang="en" sz="2400" dirty="0"/>
+              <a:rPr lang="en" sz="2400" noProof="0"/>
               <a:t>“NoSQL is an accidental term with no precise definition”</a:t>
             </a:r>
           </a:p>
@@ -23383,7 +22889,7 @@
               <a:buChar char="o"/>
             </a:pPr>
             <a:r>
-              <a:rPr lang="en" sz="2400" dirty="0">
+              <a:rPr lang="en" sz="2400" noProof="0">
                 <a:solidFill>
                   <a:srgbClr val="990000"/>
                 </a:solidFill>
@@ -23391,11 +22897,11 @@
               <a:t>first used</a:t>
             </a:r>
             <a:r>
-              <a:rPr lang="en" sz="2400" dirty="0"/>
+              <a:rPr lang="en" sz="2400" noProof="0"/>
               <a:t> at an informal meetup in </a:t>
             </a:r>
             <a:r>
-              <a:rPr lang="en" sz="2400" dirty="0">
+              <a:rPr lang="en" sz="2400" noProof="0">
                 <a:solidFill>
                   <a:srgbClr val="990000"/>
                 </a:solidFill>
@@ -23403,7 +22909,7 @@
               <a:t>2009</a:t>
             </a:r>
             <a:r>
-              <a:rPr lang="en" sz="2400" dirty="0"/>
+              <a:rPr lang="en" sz="2400" noProof="0"/>
               <a:t> in San Francisco (presentations from Voldemort, Cassandra, Dynomite,    HBase, Hypertable, CouchDB, and MongoDB)</a:t>
             </a:r>
           </a:p>
@@ -23592,7 +23098,7 @@
               <a:buNone/>
             </a:pPr>
             <a:r>
-              <a:rPr lang="en" sz="2400" dirty="0"/>
+              <a:rPr lang="en" sz="2400" noProof="0"/>
               <a:t>NoSQL Databases (cont.)</a:t>
             </a:r>
           </a:p>
@@ -23635,7 +23141,7 @@
               <a:buChar char="●"/>
             </a:pPr>
             <a:r>
-              <a:rPr lang="en" sz="2400" dirty="0"/>
+              <a:rPr lang="en" sz="2400" noProof="0"/>
               <a:t>NoSQL: Database technologies that are (mostly):</a:t>
             </a:r>
           </a:p>
@@ -23652,7 +23158,7 @@
               <a:buChar char="o"/>
             </a:pPr>
             <a:r>
-              <a:rPr lang="en" sz="2400" dirty="0">
+              <a:rPr lang="en" sz="2400" noProof="0">
                 <a:solidFill>
                   <a:srgbClr val="990000"/>
                 </a:solidFill>
@@ -23660,11 +23166,11 @@
               <a:t>Not using</a:t>
             </a:r>
             <a:r>
-              <a:rPr lang="en" sz="2400" dirty="0"/>
+              <a:rPr lang="en" sz="2400" noProof="0"/>
               <a:t> the </a:t>
             </a:r>
             <a:r>
-              <a:rPr lang="en" sz="2400" dirty="0">
+              <a:rPr lang="en" sz="2400" noProof="0">
                 <a:solidFill>
                   <a:srgbClr val="990000"/>
                 </a:solidFill>
@@ -23672,7 +23178,7 @@
               <a:t>relational</a:t>
             </a:r>
             <a:r>
-              <a:rPr lang="en" sz="2400" dirty="0"/>
+              <a:rPr lang="en" sz="2400" noProof="0"/>
               <a:t> model (nor the SQL language)</a:t>
             </a:r>
           </a:p>
@@ -23689,11 +23195,11 @@
               <a:buChar char="o"/>
             </a:pPr>
             <a:r>
-              <a:rPr lang="en" sz="2400" dirty="0"/>
+              <a:rPr lang="en" sz="2400" noProof="0"/>
               <a:t>Designed to run on </a:t>
             </a:r>
             <a:r>
-              <a:rPr lang="en" sz="2400" dirty="0">
+              <a:rPr lang="en" sz="2400" noProof="0">
                 <a:solidFill>
                   <a:srgbClr val="990000"/>
                 </a:solidFill>
@@ -23701,7 +23207,7 @@
               <a:t>large clusters </a:t>
             </a:r>
             <a:r>
-              <a:rPr lang="en" sz="2400" dirty="0"/>
+              <a:rPr lang="en" sz="2400" noProof="0"/>
               <a:t>(horizontally scalable)</a:t>
             </a:r>
           </a:p>
@@ -23718,7 +23224,7 @@
               <a:buChar char="o"/>
             </a:pPr>
             <a:r>
-              <a:rPr lang="en" sz="2400" dirty="0">
+              <a:rPr lang="en" sz="2400" noProof="0">
                 <a:solidFill>
                   <a:srgbClr val="990000"/>
                 </a:solidFill>
@@ -23726,7 +23232,7 @@
               <a:t>No schema</a:t>
             </a:r>
             <a:r>
-              <a:rPr lang="en" sz="2400" dirty="0"/>
+              <a:rPr lang="en" sz="2400" noProof="0"/>
               <a:t> - fields can be freely added to any record</a:t>
             </a:r>
           </a:p>
@@ -23743,7 +23249,7 @@
               <a:buChar char="o"/>
             </a:pPr>
             <a:r>
-              <a:rPr lang="en" sz="2400" dirty="0"/>
+              <a:rPr lang="en" sz="2400" noProof="0"/>
               <a:t>Open source</a:t>
             </a:r>
           </a:p>
@@ -23760,7 +23266,7 @@
               <a:buChar char="o"/>
             </a:pPr>
             <a:r>
-              <a:rPr lang="en" sz="2400" dirty="0"/>
+              <a:rPr lang="en" sz="2400" noProof="0"/>
               <a:t>Based on the needs of 21st century web estates</a:t>
             </a:r>
           </a:p>
@@ -23772,7 +23278,7 @@
               <a:buNone/>
             </a:pPr>
             <a:r>
-              <a:rPr lang="en" sz="2400" dirty="0">
+              <a:rPr lang="en" sz="2400" noProof="0">
                 <a:solidFill>
                   <a:srgbClr val="666666"/>
                 </a:solidFill>
@@ -23819,7 +23325,7 @@
               <a:buChar char="●"/>
             </a:pPr>
             <a:r>
-              <a:rPr lang="en" sz="2400"/>
+              <a:rPr lang="en" sz="2400" noProof="0"/>
               <a:t>Other characteristics (often true):</a:t>
             </a:r>
           </a:p>
@@ -23836,11 +23342,11 @@
               <a:buChar char="o"/>
             </a:pPr>
             <a:r>
-              <a:rPr lang="en" sz="2400"/>
+              <a:rPr lang="en" sz="2400" noProof="0"/>
               <a:t>easy </a:t>
             </a:r>
             <a:r>
-              <a:rPr lang="en" sz="2400">
+              <a:rPr lang="en" sz="2400" noProof="0">
                 <a:solidFill>
                   <a:srgbClr val="990000"/>
                 </a:solidFill>
@@ -23848,7 +23354,7 @@
               <a:t>replication</a:t>
             </a:r>
             <a:r>
-              <a:rPr lang="en" sz="2400"/>
+              <a:rPr lang="en" sz="2400" noProof="0"/>
               <a:t> support (fault-tolerance, query efficiency)</a:t>
             </a:r>
           </a:p>
@@ -23865,7 +23371,7 @@
               <a:buChar char="o"/>
             </a:pPr>
             <a:r>
-              <a:rPr lang="en" sz="2400">
+              <a:rPr lang="en" sz="2400" noProof="0">
                 <a:solidFill>
                   <a:srgbClr val="990000"/>
                 </a:solidFill>
@@ -23873,7 +23379,7 @@
               <a:t>simple</a:t>
             </a:r>
             <a:r>
-              <a:rPr lang="en" sz="2400"/>
+              <a:rPr lang="en" sz="2400" noProof="0"/>
               <a:t> API</a:t>
             </a:r>
           </a:p>
@@ -23890,7 +23396,7 @@
               <a:buChar char="o"/>
             </a:pPr>
             <a:r>
-              <a:rPr lang="en" sz="2400">
+              <a:rPr lang="en" sz="2400" noProof="0">
                 <a:solidFill>
                   <a:srgbClr val="990000"/>
                 </a:solidFill>
@@ -23898,7 +23404,7 @@
               <a:t>eventually</a:t>
             </a:r>
             <a:r>
-              <a:rPr lang="en" sz="2400"/>
+              <a:rPr lang="en" sz="2400" noProof="0"/>
               <a:t> consistent (not ACID)</a:t>
             </a:r>
           </a:p>
@@ -24052,7 +23558,7 @@
               <a:buNone/>
             </a:pPr>
             <a:r>
-              <a:rPr lang="en" sz="2400"/>
+              <a:rPr lang="en" sz="2400" noProof="0"/>
               <a:t>Four Basic Types of NoSQL Databases</a:t>
             </a:r>
           </a:p>
@@ -24095,7 +23601,7 @@
               <a:buChar char="●"/>
             </a:pPr>
             <a:r>
-              <a:rPr lang="en" sz="2400" dirty="0">
+              <a:rPr lang="en" sz="2400" noProof="0" smtClean="0">
                 <a:solidFill>
                   <a:srgbClr val="990000"/>
                 </a:solidFill>
@@ -24103,7 +23609,7 @@
               <a:t>Key-value</a:t>
             </a:r>
             <a:r>
-              <a:rPr lang="en" sz="2400" dirty="0"/>
+              <a:rPr lang="en" sz="2400" noProof="0" smtClean="0"/>
               <a:t> stores</a:t>
             </a:r>
           </a:p>
@@ -24120,7 +23626,7 @@
               <a:buChar char="●"/>
             </a:pPr>
             <a:r>
-              <a:rPr lang="en" sz="2400" dirty="0">
+              <a:rPr lang="en" sz="2400" noProof="0" smtClean="0">
                 <a:solidFill>
                   <a:srgbClr val="990000"/>
                 </a:solidFill>
@@ -24128,7 +23634,7 @@
               <a:t>Document</a:t>
             </a:r>
             <a:r>
-              <a:rPr lang="en" sz="2400" dirty="0"/>
+              <a:rPr lang="en" sz="2400" noProof="0" smtClean="0"/>
               <a:t> databases</a:t>
             </a:r>
           </a:p>
@@ -24145,7 +23651,7 @@
               <a:buChar char="●"/>
             </a:pPr>
             <a:r>
-              <a:rPr lang="en" sz="2400" dirty="0">
+              <a:rPr lang="en" sz="2400" noProof="0" smtClean="0">
                 <a:solidFill>
                   <a:srgbClr val="990000"/>
                 </a:solidFill>
@@ -24153,7 +23659,7 @@
               <a:t>Column-family</a:t>
             </a:r>
             <a:r>
-              <a:rPr lang="en" sz="2400" dirty="0"/>
+              <a:rPr lang="en" sz="2400" noProof="0" smtClean="0"/>
               <a:t> stores</a:t>
             </a:r>
           </a:p>
@@ -24170,7 +23676,7 @@
               <a:buChar char="●"/>
             </a:pPr>
             <a:r>
-              <a:rPr lang="en" sz="2400" dirty="0">
+              <a:rPr lang="en" sz="2400" noProof="0" smtClean="0">
                 <a:solidFill>
                   <a:srgbClr val="990000"/>
                 </a:solidFill>
@@ -24178,7 +23684,7 @@
               <a:t>Graph</a:t>
             </a:r>
             <a:r>
-              <a:rPr lang="en" sz="2400" dirty="0"/>
+              <a:rPr lang="en" sz="2400" noProof="0" smtClean="0"/>
               <a:t> databases</a:t>
             </a:r>
           </a:p>
@@ -24189,7 +23695,7 @@
               </a:spcBef>
               <a:buNone/>
             </a:pPr>
-            <a:endParaRPr lang="en-US" sz="2400" dirty="0" smtClean="0"/>
+            <a:endParaRPr lang="en" sz="2400" noProof="0" smtClean="0"/>
           </a:p>
           <a:p>
             <a:pPr>
@@ -24199,10 +23705,10 @@
               <a:buNone/>
             </a:pPr>
             <a:r>
-              <a:rPr lang="en-US" sz="2400" dirty="0" smtClean="0"/>
+              <a:rPr lang="en" sz="2400" noProof="0" smtClean="0"/>
               <a:t>In this course we will discuss only graph databases in details</a:t>
             </a:r>
-            <a:endParaRPr sz="2400" dirty="0"/>
+            <a:endParaRPr lang="en" sz="2400" noProof="0"/>
           </a:p>
         </p:txBody>
       </p:sp>
@@ -24274,7 +23780,7 @@
               <a:buNone/>
             </a:pPr>
             <a:r>
-              <a:rPr lang="en" sz="2400" dirty="0"/>
+              <a:rPr lang="en" sz="2400" noProof="0"/>
               <a:t>Graph Databases: Example</a:t>
             </a:r>
           </a:p>
@@ -24413,7 +23919,7 @@
               <a:buNone/>
             </a:pPr>
             <a:r>
-              <a:rPr lang="en" sz="2400" dirty="0"/>
+              <a:rPr lang="en" sz="2400" noProof="0"/>
               <a:t>Graph Databases: Mission</a:t>
             </a:r>
           </a:p>
@@ -24462,11 +23968,11 @@
               <a:buChar char="●"/>
             </a:pPr>
             <a:r>
-              <a:rPr lang="en" sz="2400" dirty="0"/>
+              <a:rPr lang="en" sz="2400" noProof="0"/>
               <a:t>To store </a:t>
             </a:r>
             <a:r>
-              <a:rPr lang="en" sz="2400" dirty="0">
+              <a:rPr lang="en" sz="2400" noProof="0">
                 <a:solidFill>
                   <a:srgbClr val="990000"/>
                 </a:solidFill>
@@ -24474,11 +23980,11 @@
               <a:t>entities</a:t>
             </a:r>
             <a:r>
-              <a:rPr lang="en" sz="2400" dirty="0"/>
+              <a:rPr lang="en" sz="2400" noProof="0"/>
               <a:t> and </a:t>
             </a:r>
             <a:r>
-              <a:rPr lang="en" sz="2400" dirty="0">
+              <a:rPr lang="en" sz="2400" noProof="0">
                 <a:solidFill>
                   <a:srgbClr val="990000"/>
                 </a:solidFill>
@@ -24486,7 +23992,7 @@
               <a:t>relationships</a:t>
             </a:r>
             <a:r>
-              <a:rPr lang="en" sz="2400" dirty="0"/>
+              <a:rPr lang="en" sz="2400" noProof="0"/>
               <a:t> between them</a:t>
             </a:r>
           </a:p>
@@ -24509,7 +24015,7 @@
               <a:buChar char="o"/>
             </a:pPr>
             <a:r>
-              <a:rPr lang="en" sz="2400" dirty="0">
+              <a:rPr lang="en" sz="2400" noProof="0">
                 <a:solidFill>
                   <a:srgbClr val="990000"/>
                 </a:solidFill>
@@ -24517,7 +24023,7 @@
               <a:t>Nodes</a:t>
             </a:r>
             <a:r>
-              <a:rPr lang="en" sz="2400" dirty="0"/>
+              <a:rPr lang="en" sz="2400" noProof="0"/>
               <a:t> are instances of objects</a:t>
             </a:r>
           </a:p>
@@ -24540,11 +24046,11 @@
               <a:buChar char="o"/>
             </a:pPr>
             <a:r>
-              <a:rPr lang="en" sz="2400" dirty="0"/>
+              <a:rPr lang="en" sz="2400" noProof="0"/>
               <a:t>Nodes have </a:t>
             </a:r>
             <a:r>
-              <a:rPr lang="en" sz="2400" dirty="0">
+              <a:rPr lang="en" sz="2400" noProof="0">
                 <a:solidFill>
                   <a:srgbClr val="990000"/>
                 </a:solidFill>
@@ -24552,7 +24058,7 @@
               <a:t>properties</a:t>
             </a:r>
             <a:r>
-              <a:rPr lang="en" sz="2400" dirty="0"/>
+              <a:rPr lang="en" sz="2400" noProof="0"/>
               <a:t>,  e.g., name</a:t>
             </a:r>
           </a:p>
@@ -24575,7 +24081,7 @@
               <a:buChar char="o"/>
             </a:pPr>
             <a:r>
-              <a:rPr lang="en" sz="2400" dirty="0">
+              <a:rPr lang="en" sz="2400" noProof="0">
                 <a:solidFill>
                   <a:srgbClr val="990000"/>
                 </a:solidFill>
@@ -24583,11 +24089,11 @@
               <a:t>Edges</a:t>
             </a:r>
             <a:r>
-              <a:rPr lang="en" sz="2400" dirty="0"/>
+              <a:rPr lang="en" sz="2400" noProof="0"/>
               <a:t> connect nodes and have </a:t>
             </a:r>
             <a:r>
-              <a:rPr lang="en" sz="2400" dirty="0">
+              <a:rPr lang="en" sz="2400" noProof="0">
                 <a:solidFill>
                   <a:srgbClr val="990000"/>
                 </a:solidFill>
@@ -24595,7 +24101,7 @@
               <a:t>directional</a:t>
             </a:r>
             <a:r>
-              <a:rPr lang="en" sz="2400" dirty="0"/>
+              <a:rPr lang="en" sz="2400" noProof="0"/>
               <a:t> significance</a:t>
             </a:r>
           </a:p>
@@ -24618,11 +24124,11 @@
               <a:buChar char="o"/>
             </a:pPr>
             <a:r>
-              <a:rPr lang="en" sz="2400" dirty="0"/>
+              <a:rPr lang="en" sz="2400" noProof="0"/>
               <a:t>Edges have </a:t>
             </a:r>
             <a:r>
-              <a:rPr lang="en" sz="2400" dirty="0">
+              <a:rPr lang="en" sz="2400" noProof="0">
                 <a:solidFill>
                   <a:srgbClr val="990000"/>
                 </a:solidFill>
@@ -24630,13 +24136,13 @@
               <a:t>types</a:t>
             </a:r>
             <a:r>
-              <a:rPr lang="en" sz="2400" dirty="0"/>
+              <a:rPr lang="en" sz="2400" noProof="0"/>
               <a:t> e.g., likes, friend, …</a:t>
             </a:r>
             <a:br>
-              <a:rPr lang="en" sz="2400" dirty="0"/>
+              <a:rPr lang="en" sz="2400" noProof="0"/>
             </a:br>
-            <a:endParaRPr lang="en" sz="2400" dirty="0"/>
+            <a:endParaRPr lang="en" sz="2400" noProof="0"/>
           </a:p>
           <a:p>
             <a:pPr marL="457200" marR="0" lvl="0" indent="-419100" algn="l" rtl="0">
@@ -24657,11 +24163,11 @@
               <a:buChar char="●"/>
             </a:pPr>
             <a:r>
-              <a:rPr lang="en" sz="2400" dirty="0"/>
+              <a:rPr lang="en" sz="2400" noProof="0"/>
               <a:t>Nodes are organized by </a:t>
             </a:r>
             <a:r>
-              <a:rPr lang="en" sz="2400" dirty="0">
+              <a:rPr lang="en" sz="2400" noProof="0">
                 <a:solidFill>
                   <a:srgbClr val="990000"/>
                 </a:solidFill>
@@ -24688,11 +24194,11 @@
               <a:buChar char="o"/>
             </a:pPr>
             <a:r>
-              <a:rPr lang="en" sz="2400" dirty="0"/>
+              <a:rPr lang="en" sz="2400" noProof="0"/>
               <a:t>Allow to </a:t>
             </a:r>
             <a:r>
-              <a:rPr lang="en" sz="2400" dirty="0">
+              <a:rPr lang="en" sz="2400" noProof="0">
                 <a:solidFill>
                   <a:srgbClr val="990000"/>
                 </a:solidFill>
@@ -24700,11 +24206,11 @@
               <a:t>find</a:t>
             </a:r>
             <a:r>
-              <a:rPr lang="en" sz="2400" dirty="0"/>
+              <a:rPr lang="en" sz="2400" noProof="0"/>
               <a:t> interesting </a:t>
             </a:r>
             <a:r>
-              <a:rPr lang="en" sz="2400" dirty="0">
+              <a:rPr lang="en" sz="2400" noProof="0">
                 <a:solidFill>
                   <a:srgbClr val="990000"/>
                 </a:solidFill>
@@ -24731,11 +24237,11 @@
               <a:buChar char="o"/>
             </a:pPr>
             <a:r>
-              <a:rPr lang="en" sz="2400" b="1" dirty="0"/>
+              <a:rPr lang="en" sz="2400" b="1" noProof="0"/>
               <a:t>example:</a:t>
             </a:r>
             <a:r>
-              <a:rPr lang="en" sz="2400" dirty="0"/>
+              <a:rPr lang="en" sz="2400" noProof="0"/>
               <a:t> Get all nodes that are “employee” of “Big Company” and that “likes” “NoSQL Distilled”</a:t>
             </a:r>
           </a:p>
